--- a/blog/20200510_cifar10_binarize_test/figure.pptx
+++ b/blog/20200510_cifar10_binarize_test/figure.pptx
@@ -5,8 +5,8 @@
     <p:sldMasterId id="2147483648" r:id="rId1"/>
   </p:sldMasterIdLst>
   <p:sldIdLst>
-    <p:sldId id="256" r:id="rId2"/>
-    <p:sldId id="257" r:id="rId3"/>
+    <p:sldId id="257" r:id="rId2"/>
+    <p:sldId id="256" r:id="rId3"/>
   </p:sldIdLst>
   <p:sldSz cx="12192000" cy="6858000"/>
   <p:notesSz cx="6858000" cy="9144000"/>
@@ -105,6 +105,11 @@
       </a:defRPr>
     </a:lvl9pPr>
   </p:defaultTextStyle>
+  <p:extLst>
+    <p:ext uri="{EFAFB233-063F-42B5-8137-9DF3F51BA10A}">
+      <p15:sldGuideLst xmlns:p15="http://schemas.microsoft.com/office/powerpoint/2012/main"/>
+    </p:ext>
+  </p:extLst>
 </p:presentation>
 </file>
 
@@ -263,7 +268,7 @@
           <a:p>
             <a:fld id="{1C472665-DBBA-4D0E-8407-C4B913228178}" type="datetimeFigureOut">
               <a:rPr kumimoji="1" lang="ja-JP" altLang="en-US" smtClean="0"/>
-              <a:t>2020/5/9</a:t>
+              <a:t>2020/5/10</a:t>
             </a:fld>
             <a:endParaRPr kumimoji="1" lang="ja-JP" altLang="en-US"/>
           </a:p>
@@ -493,7 +498,7 @@
           <a:p>
             <a:fld id="{1C472665-DBBA-4D0E-8407-C4B913228178}" type="datetimeFigureOut">
               <a:rPr kumimoji="1" lang="ja-JP" altLang="en-US" smtClean="0"/>
-              <a:t>2020/5/9</a:t>
+              <a:t>2020/5/10</a:t>
             </a:fld>
             <a:endParaRPr kumimoji="1" lang="ja-JP" altLang="en-US"/>
           </a:p>
@@ -733,7 +738,7 @@
           <a:p>
             <a:fld id="{1C472665-DBBA-4D0E-8407-C4B913228178}" type="datetimeFigureOut">
               <a:rPr kumimoji="1" lang="ja-JP" altLang="en-US" smtClean="0"/>
-              <a:t>2020/5/9</a:t>
+              <a:t>2020/5/10</a:t>
             </a:fld>
             <a:endParaRPr kumimoji="1" lang="ja-JP" altLang="en-US"/>
           </a:p>
@@ -963,7 +968,7 @@
           <a:p>
             <a:fld id="{1C472665-DBBA-4D0E-8407-C4B913228178}" type="datetimeFigureOut">
               <a:rPr kumimoji="1" lang="ja-JP" altLang="en-US" smtClean="0"/>
-              <a:t>2020/5/9</a:t>
+              <a:t>2020/5/10</a:t>
             </a:fld>
             <a:endParaRPr kumimoji="1" lang="ja-JP" altLang="en-US"/>
           </a:p>
@@ -1238,7 +1243,7 @@
           <a:p>
             <a:fld id="{1C472665-DBBA-4D0E-8407-C4B913228178}" type="datetimeFigureOut">
               <a:rPr kumimoji="1" lang="ja-JP" altLang="en-US" smtClean="0"/>
-              <a:t>2020/5/9</a:t>
+              <a:t>2020/5/10</a:t>
             </a:fld>
             <a:endParaRPr kumimoji="1" lang="ja-JP" altLang="en-US"/>
           </a:p>
@@ -1567,7 +1572,7 @@
           <a:p>
             <a:fld id="{1C472665-DBBA-4D0E-8407-C4B913228178}" type="datetimeFigureOut">
               <a:rPr kumimoji="1" lang="ja-JP" altLang="en-US" smtClean="0"/>
-              <a:t>2020/5/9</a:t>
+              <a:t>2020/5/10</a:t>
             </a:fld>
             <a:endParaRPr kumimoji="1" lang="ja-JP" altLang="en-US"/>
           </a:p>
@@ -2043,7 +2048,7 @@
           <a:p>
             <a:fld id="{1C472665-DBBA-4D0E-8407-C4B913228178}" type="datetimeFigureOut">
               <a:rPr kumimoji="1" lang="ja-JP" altLang="en-US" smtClean="0"/>
-              <a:t>2020/5/9</a:t>
+              <a:t>2020/5/10</a:t>
             </a:fld>
             <a:endParaRPr kumimoji="1" lang="ja-JP" altLang="en-US"/>
           </a:p>
@@ -2184,7 +2189,7 @@
           <a:p>
             <a:fld id="{1C472665-DBBA-4D0E-8407-C4B913228178}" type="datetimeFigureOut">
               <a:rPr kumimoji="1" lang="ja-JP" altLang="en-US" smtClean="0"/>
-              <a:t>2020/5/9</a:t>
+              <a:t>2020/5/10</a:t>
             </a:fld>
             <a:endParaRPr kumimoji="1" lang="ja-JP" altLang="en-US"/>
           </a:p>
@@ -2297,7 +2302,7 @@
           <a:p>
             <a:fld id="{1C472665-DBBA-4D0E-8407-C4B913228178}" type="datetimeFigureOut">
               <a:rPr kumimoji="1" lang="ja-JP" altLang="en-US" smtClean="0"/>
-              <a:t>2020/5/9</a:t>
+              <a:t>2020/5/10</a:t>
             </a:fld>
             <a:endParaRPr kumimoji="1" lang="ja-JP" altLang="en-US"/>
           </a:p>
@@ -2640,7 +2645,7 @@
           <a:p>
             <a:fld id="{1C472665-DBBA-4D0E-8407-C4B913228178}" type="datetimeFigureOut">
               <a:rPr kumimoji="1" lang="ja-JP" altLang="en-US" smtClean="0"/>
-              <a:t>2020/5/9</a:t>
+              <a:t>2020/5/10</a:t>
             </a:fld>
             <a:endParaRPr kumimoji="1" lang="ja-JP" altLang="en-US"/>
           </a:p>
@@ -2928,7 +2933,7 @@
           <a:p>
             <a:fld id="{1C472665-DBBA-4D0E-8407-C4B913228178}" type="datetimeFigureOut">
               <a:rPr kumimoji="1" lang="ja-JP" altLang="en-US" smtClean="0"/>
-              <a:t>2020/5/9</a:t>
+              <a:t>2020/5/10</a:t>
             </a:fld>
             <a:endParaRPr kumimoji="1" lang="ja-JP" altLang="en-US"/>
           </a:p>
@@ -3201,7 +3206,7 @@
           <a:p>
             <a:fld id="{1C472665-DBBA-4D0E-8407-C4B913228178}" type="datetimeFigureOut">
               <a:rPr kumimoji="1" lang="ja-JP" altLang="en-US" smtClean="0"/>
-              <a:t>2020/5/9</a:t>
+              <a:t>2020/5/10</a:t>
             </a:fld>
             <a:endParaRPr kumimoji="1" lang="ja-JP" altLang="en-US"/>
           </a:p>
@@ -3602,6 +3607,2669 @@
 </file>
 
 <file path=ppt/slides/slide1.xml><?xml version="1.0" encoding="utf-8"?>
+<p:sld xmlns:a="http://schemas.openxmlformats.org/drawingml/2006/main" xmlns:r="http://schemas.openxmlformats.org/officeDocument/2006/relationships" xmlns:p="http://schemas.openxmlformats.org/presentationml/2006/main">
+  <p:cSld>
+    <p:spTree>
+      <p:nvGrpSpPr>
+        <p:cNvPr id="1" name=""/>
+        <p:cNvGrpSpPr/>
+        <p:nvPr/>
+      </p:nvGrpSpPr>
+      <p:grpSpPr>
+        <a:xfrm>
+          <a:off x="0" y="0"/>
+          <a:ext cx="0" cy="0"/>
+          <a:chOff x="0" y="0"/>
+          <a:chExt cx="0" cy="0"/>
+        </a:xfrm>
+      </p:grpSpPr>
+      <p:sp>
+        <p:nvSpPr>
+          <p:cNvPr id="5" name="正方形/長方形 4">
+            <a:extLst>
+              <a:ext uri="{FF2B5EF4-FFF2-40B4-BE49-F238E27FC236}">
+                <a16:creationId xmlns:a16="http://schemas.microsoft.com/office/drawing/2014/main" id="{984F1C11-A5A3-4900-A71B-EA066B581081}"/>
+              </a:ext>
+            </a:extLst>
+          </p:cNvPr>
+          <p:cNvSpPr/>
+          <p:nvPr/>
+        </p:nvSpPr>
+        <p:spPr>
+          <a:xfrm>
+            <a:off x="4301129" y="995508"/>
+            <a:ext cx="1589887" cy="240068"/>
+          </a:xfrm>
+          <a:prstGeom prst="rect">
+            <a:avLst/>
+          </a:prstGeom>
+          <a:noFill/>
+          <a:ln>
+            <a:solidFill>
+              <a:srgbClr val="FF0000"/>
+            </a:solidFill>
+          </a:ln>
+        </p:spPr>
+        <p:style>
+          <a:lnRef idx="2">
+            <a:schemeClr val="accent1">
+              <a:shade val="50000"/>
+            </a:schemeClr>
+          </a:lnRef>
+          <a:fillRef idx="1">
+            <a:schemeClr val="accent1"/>
+          </a:fillRef>
+          <a:effectRef idx="0">
+            <a:schemeClr val="accent1"/>
+          </a:effectRef>
+          <a:fontRef idx="minor">
+            <a:schemeClr val="lt1"/>
+          </a:fontRef>
+        </p:style>
+        <p:txBody>
+          <a:bodyPr rtlCol="0" anchor="ctr"/>
+          <a:lstStyle/>
+          <a:p>
+            <a:pPr algn="ctr"/>
+            <a:r>
+              <a:rPr lang="en-US" altLang="ja-JP" sz="1050" dirty="0">
+                <a:solidFill>
+                  <a:sysClr val="windowText" lastClr="000000"/>
+                </a:solidFill>
+              </a:rPr>
+              <a:t>Binary Modulation</a:t>
+            </a:r>
+            <a:endParaRPr lang="ja-JP" altLang="en-US" sz="1050" dirty="0">
+              <a:solidFill>
+                <a:sysClr val="windowText" lastClr="000000"/>
+              </a:solidFill>
+            </a:endParaRPr>
+          </a:p>
+        </p:txBody>
+      </p:sp>
+      <p:sp>
+        <p:nvSpPr>
+          <p:cNvPr id="6" name="正方形/長方形 5">
+            <a:extLst>
+              <a:ext uri="{FF2B5EF4-FFF2-40B4-BE49-F238E27FC236}">
+                <a16:creationId xmlns:a16="http://schemas.microsoft.com/office/drawing/2014/main" id="{4CD5B558-3595-4997-8302-DFED28AD47FA}"/>
+              </a:ext>
+            </a:extLst>
+          </p:cNvPr>
+          <p:cNvSpPr/>
+          <p:nvPr/>
+        </p:nvSpPr>
+        <p:spPr>
+          <a:xfrm>
+            <a:off x="4301127" y="1514147"/>
+            <a:ext cx="1589887" cy="212357"/>
+          </a:xfrm>
+          <a:prstGeom prst="rect">
+            <a:avLst/>
+          </a:prstGeom>
+          <a:noFill/>
+          <a:ln>
+            <a:solidFill>
+              <a:schemeClr val="tx1"/>
+            </a:solidFill>
+          </a:ln>
+        </p:spPr>
+        <p:style>
+          <a:lnRef idx="2">
+            <a:schemeClr val="accent1">
+              <a:shade val="50000"/>
+            </a:schemeClr>
+          </a:lnRef>
+          <a:fillRef idx="1">
+            <a:schemeClr val="accent1"/>
+          </a:fillRef>
+          <a:effectRef idx="0">
+            <a:schemeClr val="accent1"/>
+          </a:effectRef>
+          <a:fontRef idx="minor">
+            <a:schemeClr val="lt1"/>
+          </a:fontRef>
+        </p:style>
+        <p:txBody>
+          <a:bodyPr rtlCol="0" anchor="ctr"/>
+          <a:lstStyle/>
+          <a:p>
+            <a:pPr algn="ctr"/>
+            <a:r>
+              <a:rPr lang="en-US" altLang="ja-JP" sz="1050" dirty="0">
+                <a:solidFill>
+                  <a:sysClr val="windowText" lastClr="000000"/>
+                </a:solidFill>
+              </a:rPr>
+              <a:t>Conv 3x3</a:t>
+            </a:r>
+            <a:endParaRPr lang="ja-JP" altLang="en-US" sz="1050" dirty="0">
+              <a:solidFill>
+                <a:sysClr val="windowText" lastClr="000000"/>
+              </a:solidFill>
+            </a:endParaRPr>
+          </a:p>
+        </p:txBody>
+      </p:sp>
+      <p:cxnSp>
+        <p:nvCxnSpPr>
+          <p:cNvPr id="7" name="直線矢印コネクタ 6">
+            <a:extLst>
+              <a:ext uri="{FF2B5EF4-FFF2-40B4-BE49-F238E27FC236}">
+                <a16:creationId xmlns:a16="http://schemas.microsoft.com/office/drawing/2014/main" id="{DDD2162A-835D-4C90-BA44-E39C3EF11551}"/>
+              </a:ext>
+            </a:extLst>
+          </p:cNvPr>
+          <p:cNvCxnSpPr>
+            <a:cxnSpLocks/>
+            <a:endCxn id="5" idx="0"/>
+          </p:cNvCxnSpPr>
+          <p:nvPr/>
+        </p:nvCxnSpPr>
+        <p:spPr>
+          <a:xfrm>
+            <a:off x="5096071" y="603213"/>
+            <a:ext cx="0" cy="392293"/>
+          </a:xfrm>
+          <a:prstGeom prst="straightConnector1">
+            <a:avLst/>
+          </a:prstGeom>
+          <a:ln>
+            <a:solidFill>
+              <a:schemeClr val="tx1"/>
+            </a:solidFill>
+            <a:tailEnd type="triangle"/>
+          </a:ln>
+        </p:spPr>
+        <p:style>
+          <a:lnRef idx="1">
+            <a:schemeClr val="accent1"/>
+          </a:lnRef>
+          <a:fillRef idx="0">
+            <a:schemeClr val="accent1"/>
+          </a:fillRef>
+          <a:effectRef idx="0">
+            <a:schemeClr val="accent1"/>
+          </a:effectRef>
+          <a:fontRef idx="minor">
+            <a:schemeClr val="tx1"/>
+          </a:fontRef>
+        </p:style>
+      </p:cxnSp>
+      <p:sp>
+        <p:nvSpPr>
+          <p:cNvPr id="8" name="テキスト ボックス 7">
+            <a:extLst>
+              <a:ext uri="{FF2B5EF4-FFF2-40B4-BE49-F238E27FC236}">
+                <a16:creationId xmlns:a16="http://schemas.microsoft.com/office/drawing/2014/main" id="{1ECCD0CD-2F41-4024-AA19-94A4C6DA9D7B}"/>
+              </a:ext>
+            </a:extLst>
+          </p:cNvPr>
+          <p:cNvSpPr txBox="1"/>
+          <p:nvPr/>
+        </p:nvSpPr>
+        <p:spPr>
+          <a:xfrm>
+            <a:off x="5109009" y="634020"/>
+            <a:ext cx="1159292" cy="238605"/>
+          </a:xfrm>
+          <a:prstGeom prst="rect">
+            <a:avLst/>
+          </a:prstGeom>
+          <a:noFill/>
+        </p:spPr>
+        <p:txBody>
+          <a:bodyPr wrap="none" rtlCol="0">
+            <a:spAutoFit/>
+          </a:bodyPr>
+          <a:lstStyle/>
+          <a:p>
+            <a:r>
+              <a:rPr lang="en-US" altLang="ja-JP" sz="1050" dirty="0"/>
+              <a:t>32x32x3(FP32)</a:t>
+            </a:r>
+            <a:endParaRPr lang="ja-JP" altLang="en-US" sz="1050" dirty="0"/>
+          </a:p>
+        </p:txBody>
+      </p:sp>
+      <p:cxnSp>
+        <p:nvCxnSpPr>
+          <p:cNvPr id="9" name="直線矢印コネクタ 8">
+            <a:extLst>
+              <a:ext uri="{FF2B5EF4-FFF2-40B4-BE49-F238E27FC236}">
+                <a16:creationId xmlns:a16="http://schemas.microsoft.com/office/drawing/2014/main" id="{1090CA0A-6BB7-44FE-8013-2CBE6E1C8D98}"/>
+              </a:ext>
+            </a:extLst>
+          </p:cNvPr>
+          <p:cNvCxnSpPr>
+            <a:cxnSpLocks/>
+            <a:stCxn id="5" idx="2"/>
+            <a:endCxn id="6" idx="0"/>
+          </p:cNvCxnSpPr>
+          <p:nvPr/>
+        </p:nvCxnSpPr>
+        <p:spPr>
+          <a:xfrm flipH="1">
+            <a:off x="5096070" y="1235575"/>
+            <a:ext cx="1" cy="278573"/>
+          </a:xfrm>
+          <a:prstGeom prst="straightConnector1">
+            <a:avLst/>
+          </a:prstGeom>
+          <a:ln>
+            <a:solidFill>
+              <a:schemeClr val="tx1"/>
+            </a:solidFill>
+            <a:tailEnd type="triangle"/>
+          </a:ln>
+        </p:spPr>
+        <p:style>
+          <a:lnRef idx="1">
+            <a:schemeClr val="accent1"/>
+          </a:lnRef>
+          <a:fillRef idx="0">
+            <a:schemeClr val="accent1"/>
+          </a:fillRef>
+          <a:effectRef idx="0">
+            <a:schemeClr val="accent1"/>
+          </a:effectRef>
+          <a:fontRef idx="minor">
+            <a:schemeClr val="tx1"/>
+          </a:fontRef>
+        </p:style>
+      </p:cxnSp>
+      <p:sp>
+        <p:nvSpPr>
+          <p:cNvPr id="10" name="テキスト ボックス 9">
+            <a:extLst>
+              <a:ext uri="{FF2B5EF4-FFF2-40B4-BE49-F238E27FC236}">
+                <a16:creationId xmlns:a16="http://schemas.microsoft.com/office/drawing/2014/main" id="{F5B4D06E-133B-4E64-9812-C1E572855D14}"/>
+              </a:ext>
+            </a:extLst>
+          </p:cNvPr>
+          <p:cNvSpPr txBox="1"/>
+          <p:nvPr/>
+        </p:nvSpPr>
+        <p:spPr>
+          <a:xfrm>
+            <a:off x="5109009" y="1268427"/>
+            <a:ext cx="1285929" cy="238605"/>
+          </a:xfrm>
+          <a:prstGeom prst="rect">
+            <a:avLst/>
+          </a:prstGeom>
+          <a:noFill/>
+        </p:spPr>
+        <p:txBody>
+          <a:bodyPr wrap="none" rtlCol="0">
+            <a:spAutoFit/>
+          </a:bodyPr>
+          <a:lstStyle/>
+          <a:p>
+            <a:r>
+              <a:rPr lang="en-US" altLang="ja-JP" sz="1050" dirty="0"/>
+              <a:t>32x32x3xN (1bit)</a:t>
+            </a:r>
+            <a:endParaRPr lang="ja-JP" altLang="en-US" sz="1050" dirty="0"/>
+          </a:p>
+        </p:txBody>
+      </p:sp>
+      <p:sp>
+        <p:nvSpPr>
+          <p:cNvPr id="11" name="正方形/長方形 10">
+            <a:extLst>
+              <a:ext uri="{FF2B5EF4-FFF2-40B4-BE49-F238E27FC236}">
+                <a16:creationId xmlns:a16="http://schemas.microsoft.com/office/drawing/2014/main" id="{08B84113-019F-4A61-AC91-F66CE96DF9DF}"/>
+              </a:ext>
+            </a:extLst>
+          </p:cNvPr>
+          <p:cNvSpPr/>
+          <p:nvPr/>
+        </p:nvSpPr>
+        <p:spPr>
+          <a:xfrm>
+            <a:off x="4301127" y="1937835"/>
+            <a:ext cx="1589887" cy="212357"/>
+          </a:xfrm>
+          <a:prstGeom prst="rect">
+            <a:avLst/>
+          </a:prstGeom>
+          <a:noFill/>
+          <a:ln>
+            <a:solidFill>
+              <a:schemeClr val="tx1"/>
+            </a:solidFill>
+          </a:ln>
+        </p:spPr>
+        <p:style>
+          <a:lnRef idx="2">
+            <a:schemeClr val="accent1">
+              <a:shade val="50000"/>
+            </a:schemeClr>
+          </a:lnRef>
+          <a:fillRef idx="1">
+            <a:schemeClr val="accent1"/>
+          </a:fillRef>
+          <a:effectRef idx="0">
+            <a:schemeClr val="accent1"/>
+          </a:effectRef>
+          <a:fontRef idx="minor">
+            <a:schemeClr val="lt1"/>
+          </a:fontRef>
+        </p:style>
+        <p:txBody>
+          <a:bodyPr rtlCol="0" anchor="ctr"/>
+          <a:lstStyle/>
+          <a:p>
+            <a:pPr algn="ctr"/>
+            <a:r>
+              <a:rPr lang="en-US" altLang="ja-JP" sz="1050" dirty="0">
+                <a:solidFill>
+                  <a:sysClr val="windowText" lastClr="000000"/>
+                </a:solidFill>
+              </a:rPr>
+              <a:t>Conv 3x3</a:t>
+            </a:r>
+            <a:endParaRPr lang="ja-JP" altLang="en-US" sz="1050" dirty="0">
+              <a:solidFill>
+                <a:sysClr val="windowText" lastClr="000000"/>
+              </a:solidFill>
+            </a:endParaRPr>
+          </a:p>
+        </p:txBody>
+      </p:sp>
+      <p:cxnSp>
+        <p:nvCxnSpPr>
+          <p:cNvPr id="12" name="直線矢印コネクタ 11">
+            <a:extLst>
+              <a:ext uri="{FF2B5EF4-FFF2-40B4-BE49-F238E27FC236}">
+                <a16:creationId xmlns:a16="http://schemas.microsoft.com/office/drawing/2014/main" id="{0B865606-F2B1-46CB-BCAA-442F23B59F06}"/>
+              </a:ext>
+            </a:extLst>
+          </p:cNvPr>
+          <p:cNvCxnSpPr>
+            <a:cxnSpLocks/>
+            <a:endCxn id="11" idx="0"/>
+          </p:cNvCxnSpPr>
+          <p:nvPr/>
+        </p:nvCxnSpPr>
+        <p:spPr>
+          <a:xfrm>
+            <a:off x="5096070" y="1726504"/>
+            <a:ext cx="0" cy="211331"/>
+          </a:xfrm>
+          <a:prstGeom prst="straightConnector1">
+            <a:avLst/>
+          </a:prstGeom>
+          <a:ln>
+            <a:solidFill>
+              <a:schemeClr val="tx1"/>
+            </a:solidFill>
+            <a:tailEnd type="triangle"/>
+          </a:ln>
+        </p:spPr>
+        <p:style>
+          <a:lnRef idx="1">
+            <a:schemeClr val="accent1"/>
+          </a:lnRef>
+          <a:fillRef idx="0">
+            <a:schemeClr val="accent1"/>
+          </a:fillRef>
+          <a:effectRef idx="0">
+            <a:schemeClr val="accent1"/>
+          </a:effectRef>
+          <a:fontRef idx="minor">
+            <a:schemeClr val="tx1"/>
+          </a:fontRef>
+        </p:style>
+      </p:cxnSp>
+      <p:sp>
+        <p:nvSpPr>
+          <p:cNvPr id="13" name="テキスト ボックス 12">
+            <a:extLst>
+              <a:ext uri="{FF2B5EF4-FFF2-40B4-BE49-F238E27FC236}">
+                <a16:creationId xmlns:a16="http://schemas.microsoft.com/office/drawing/2014/main" id="{02FFDA10-3F30-4B2C-85C7-F83C4FAE647B}"/>
+              </a:ext>
+            </a:extLst>
+          </p:cNvPr>
+          <p:cNvSpPr txBox="1"/>
+          <p:nvPr/>
+        </p:nvSpPr>
+        <p:spPr>
+          <a:xfrm>
+            <a:off x="5109009" y="1725993"/>
+            <a:ext cx="1189749" cy="238605"/>
+          </a:xfrm>
+          <a:prstGeom prst="rect">
+            <a:avLst/>
+          </a:prstGeom>
+          <a:noFill/>
+        </p:spPr>
+        <p:txBody>
+          <a:bodyPr wrap="none" rtlCol="0">
+            <a:spAutoFit/>
+          </a:bodyPr>
+          <a:lstStyle/>
+          <a:p>
+            <a:r>
+              <a:rPr lang="en-US" altLang="ja-JP" sz="1050" dirty="0"/>
+              <a:t>30x30x32 (1bit)</a:t>
+            </a:r>
+            <a:endParaRPr lang="ja-JP" altLang="en-US" sz="1050" dirty="0"/>
+          </a:p>
+        </p:txBody>
+      </p:sp>
+      <p:cxnSp>
+        <p:nvCxnSpPr>
+          <p:cNvPr id="14" name="直線矢印コネクタ 13">
+            <a:extLst>
+              <a:ext uri="{FF2B5EF4-FFF2-40B4-BE49-F238E27FC236}">
+                <a16:creationId xmlns:a16="http://schemas.microsoft.com/office/drawing/2014/main" id="{6FE020FC-D991-4CF9-A47D-87952F0F28D4}"/>
+              </a:ext>
+            </a:extLst>
+          </p:cNvPr>
+          <p:cNvCxnSpPr>
+            <a:cxnSpLocks/>
+            <a:stCxn id="11" idx="2"/>
+            <a:endCxn id="15" idx="0"/>
+          </p:cNvCxnSpPr>
+          <p:nvPr/>
+        </p:nvCxnSpPr>
+        <p:spPr>
+          <a:xfrm>
+            <a:off x="5096070" y="2150192"/>
+            <a:ext cx="0" cy="236526"/>
+          </a:xfrm>
+          <a:prstGeom prst="straightConnector1">
+            <a:avLst/>
+          </a:prstGeom>
+          <a:ln>
+            <a:solidFill>
+              <a:schemeClr val="tx1"/>
+            </a:solidFill>
+            <a:tailEnd type="triangle"/>
+          </a:ln>
+        </p:spPr>
+        <p:style>
+          <a:lnRef idx="1">
+            <a:schemeClr val="accent1"/>
+          </a:lnRef>
+          <a:fillRef idx="0">
+            <a:schemeClr val="accent1"/>
+          </a:fillRef>
+          <a:effectRef idx="0">
+            <a:schemeClr val="accent1"/>
+          </a:effectRef>
+          <a:fontRef idx="minor">
+            <a:schemeClr val="tx1"/>
+          </a:fontRef>
+        </p:style>
+      </p:cxnSp>
+      <p:sp>
+        <p:nvSpPr>
+          <p:cNvPr id="15" name="正方形/長方形 14">
+            <a:extLst>
+              <a:ext uri="{FF2B5EF4-FFF2-40B4-BE49-F238E27FC236}">
+                <a16:creationId xmlns:a16="http://schemas.microsoft.com/office/drawing/2014/main" id="{D0DF9B43-BF31-492B-988D-601EF842CDB4}"/>
+              </a:ext>
+            </a:extLst>
+          </p:cNvPr>
+          <p:cNvSpPr/>
+          <p:nvPr/>
+        </p:nvSpPr>
+        <p:spPr>
+          <a:xfrm>
+            <a:off x="4301127" y="2386718"/>
+            <a:ext cx="1589887" cy="212357"/>
+          </a:xfrm>
+          <a:prstGeom prst="rect">
+            <a:avLst/>
+          </a:prstGeom>
+          <a:noFill/>
+          <a:ln>
+            <a:solidFill>
+              <a:schemeClr val="tx1"/>
+            </a:solidFill>
+          </a:ln>
+        </p:spPr>
+        <p:style>
+          <a:lnRef idx="2">
+            <a:schemeClr val="accent1">
+              <a:shade val="50000"/>
+            </a:schemeClr>
+          </a:lnRef>
+          <a:fillRef idx="1">
+            <a:schemeClr val="accent1"/>
+          </a:fillRef>
+          <a:effectRef idx="0">
+            <a:schemeClr val="accent1"/>
+          </a:effectRef>
+          <a:fontRef idx="minor">
+            <a:schemeClr val="lt1"/>
+          </a:fontRef>
+        </p:style>
+        <p:txBody>
+          <a:bodyPr rtlCol="0" anchor="ctr"/>
+          <a:lstStyle/>
+          <a:p>
+            <a:pPr algn="ctr"/>
+            <a:r>
+              <a:rPr lang="en-US" altLang="ja-JP" sz="1050" dirty="0">
+                <a:solidFill>
+                  <a:sysClr val="windowText" lastClr="000000"/>
+                </a:solidFill>
+              </a:rPr>
+              <a:t>Max Pooling</a:t>
+            </a:r>
+            <a:endParaRPr lang="ja-JP" altLang="en-US" sz="1050" dirty="0">
+              <a:solidFill>
+                <a:sysClr val="windowText" lastClr="000000"/>
+              </a:solidFill>
+            </a:endParaRPr>
+          </a:p>
+        </p:txBody>
+      </p:sp>
+      <p:sp>
+        <p:nvSpPr>
+          <p:cNvPr id="16" name="テキスト ボックス 15">
+            <a:extLst>
+              <a:ext uri="{FF2B5EF4-FFF2-40B4-BE49-F238E27FC236}">
+                <a16:creationId xmlns:a16="http://schemas.microsoft.com/office/drawing/2014/main" id="{6597F5A0-12DA-4E95-BB4B-EB9D3C1AD698}"/>
+              </a:ext>
+            </a:extLst>
+          </p:cNvPr>
+          <p:cNvSpPr txBox="1"/>
+          <p:nvPr/>
+        </p:nvSpPr>
+        <p:spPr>
+          <a:xfrm>
+            <a:off x="5109009" y="2149169"/>
+            <a:ext cx="1189749" cy="238605"/>
+          </a:xfrm>
+          <a:prstGeom prst="rect">
+            <a:avLst/>
+          </a:prstGeom>
+          <a:noFill/>
+        </p:spPr>
+        <p:txBody>
+          <a:bodyPr wrap="none" rtlCol="0">
+            <a:spAutoFit/>
+          </a:bodyPr>
+          <a:lstStyle/>
+          <a:p>
+            <a:r>
+              <a:rPr lang="en-US" altLang="ja-JP" sz="1050" dirty="0"/>
+              <a:t>28x28x64 (1bit)</a:t>
+            </a:r>
+            <a:endParaRPr lang="ja-JP" altLang="en-US" sz="1050" dirty="0"/>
+          </a:p>
+        </p:txBody>
+      </p:sp>
+      <p:sp>
+        <p:nvSpPr>
+          <p:cNvPr id="17" name="正方形/長方形 16">
+            <a:extLst>
+              <a:ext uri="{FF2B5EF4-FFF2-40B4-BE49-F238E27FC236}">
+                <a16:creationId xmlns:a16="http://schemas.microsoft.com/office/drawing/2014/main" id="{62CD76CE-4787-451E-948F-3C996E4A56B7}"/>
+              </a:ext>
+            </a:extLst>
+          </p:cNvPr>
+          <p:cNvSpPr/>
+          <p:nvPr/>
+        </p:nvSpPr>
+        <p:spPr>
+          <a:xfrm>
+            <a:off x="4301127" y="2829566"/>
+            <a:ext cx="1589887" cy="212357"/>
+          </a:xfrm>
+          <a:prstGeom prst="rect">
+            <a:avLst/>
+          </a:prstGeom>
+          <a:noFill/>
+          <a:ln>
+            <a:solidFill>
+              <a:schemeClr val="tx1"/>
+            </a:solidFill>
+          </a:ln>
+        </p:spPr>
+        <p:style>
+          <a:lnRef idx="2">
+            <a:schemeClr val="accent1">
+              <a:shade val="50000"/>
+            </a:schemeClr>
+          </a:lnRef>
+          <a:fillRef idx="1">
+            <a:schemeClr val="accent1"/>
+          </a:fillRef>
+          <a:effectRef idx="0">
+            <a:schemeClr val="accent1"/>
+          </a:effectRef>
+          <a:fontRef idx="minor">
+            <a:schemeClr val="lt1"/>
+          </a:fontRef>
+        </p:style>
+        <p:txBody>
+          <a:bodyPr rtlCol="0" anchor="ctr"/>
+          <a:lstStyle/>
+          <a:p>
+            <a:pPr algn="ctr"/>
+            <a:r>
+              <a:rPr lang="en-US" altLang="ja-JP" sz="1050" dirty="0">
+                <a:solidFill>
+                  <a:sysClr val="windowText" lastClr="000000"/>
+                </a:solidFill>
+              </a:rPr>
+              <a:t>Conv 3x3</a:t>
+            </a:r>
+            <a:endParaRPr lang="ja-JP" altLang="en-US" sz="1050" dirty="0">
+              <a:solidFill>
+                <a:sysClr val="windowText" lastClr="000000"/>
+              </a:solidFill>
+            </a:endParaRPr>
+          </a:p>
+        </p:txBody>
+      </p:sp>
+      <p:cxnSp>
+        <p:nvCxnSpPr>
+          <p:cNvPr id="18" name="直線矢印コネクタ 17">
+            <a:extLst>
+              <a:ext uri="{FF2B5EF4-FFF2-40B4-BE49-F238E27FC236}">
+                <a16:creationId xmlns:a16="http://schemas.microsoft.com/office/drawing/2014/main" id="{6B87C8EF-BEF4-46CE-9C09-D13FDC8C7ADE}"/>
+              </a:ext>
+            </a:extLst>
+          </p:cNvPr>
+          <p:cNvCxnSpPr>
+            <a:cxnSpLocks/>
+            <a:stCxn id="15" idx="2"/>
+            <a:endCxn id="17" idx="0"/>
+          </p:cNvCxnSpPr>
+          <p:nvPr/>
+        </p:nvCxnSpPr>
+        <p:spPr>
+          <a:xfrm>
+            <a:off x="5096070" y="2599076"/>
+            <a:ext cx="0" cy="230491"/>
+          </a:xfrm>
+          <a:prstGeom prst="straightConnector1">
+            <a:avLst/>
+          </a:prstGeom>
+          <a:ln>
+            <a:solidFill>
+              <a:schemeClr val="tx1"/>
+            </a:solidFill>
+            <a:tailEnd type="triangle"/>
+          </a:ln>
+        </p:spPr>
+        <p:style>
+          <a:lnRef idx="1">
+            <a:schemeClr val="accent1"/>
+          </a:lnRef>
+          <a:fillRef idx="0">
+            <a:schemeClr val="accent1"/>
+          </a:fillRef>
+          <a:effectRef idx="0">
+            <a:schemeClr val="accent1"/>
+          </a:effectRef>
+          <a:fontRef idx="minor">
+            <a:schemeClr val="tx1"/>
+          </a:fontRef>
+        </p:style>
+      </p:cxnSp>
+      <p:sp>
+        <p:nvSpPr>
+          <p:cNvPr id="19" name="テキスト ボックス 18">
+            <a:extLst>
+              <a:ext uri="{FF2B5EF4-FFF2-40B4-BE49-F238E27FC236}">
+                <a16:creationId xmlns:a16="http://schemas.microsoft.com/office/drawing/2014/main" id="{F836ADB9-0DD3-4E94-95AB-C95BB76F936E}"/>
+              </a:ext>
+            </a:extLst>
+          </p:cNvPr>
+          <p:cNvSpPr txBox="1"/>
+          <p:nvPr/>
+        </p:nvSpPr>
+        <p:spPr>
+          <a:xfrm>
+            <a:off x="5109009" y="2583846"/>
+            <a:ext cx="1189749" cy="238605"/>
+          </a:xfrm>
+          <a:prstGeom prst="rect">
+            <a:avLst/>
+          </a:prstGeom>
+          <a:noFill/>
+        </p:spPr>
+        <p:txBody>
+          <a:bodyPr wrap="none" rtlCol="0">
+            <a:spAutoFit/>
+          </a:bodyPr>
+          <a:lstStyle/>
+          <a:p>
+            <a:r>
+              <a:rPr lang="en-US" altLang="ja-JP" sz="1050" dirty="0"/>
+              <a:t>14x14x64 (1bit)</a:t>
+            </a:r>
+            <a:endParaRPr lang="ja-JP" altLang="en-US" sz="1050" dirty="0"/>
+          </a:p>
+        </p:txBody>
+      </p:sp>
+      <p:sp>
+        <p:nvSpPr>
+          <p:cNvPr id="20" name="正方形/長方形 19">
+            <a:extLst>
+              <a:ext uri="{FF2B5EF4-FFF2-40B4-BE49-F238E27FC236}">
+                <a16:creationId xmlns:a16="http://schemas.microsoft.com/office/drawing/2014/main" id="{FC1D7400-62D9-46A1-B3EE-183E915CF79E}"/>
+              </a:ext>
+            </a:extLst>
+          </p:cNvPr>
+          <p:cNvSpPr/>
+          <p:nvPr/>
+        </p:nvSpPr>
+        <p:spPr>
+          <a:xfrm>
+            <a:off x="4301127" y="3253254"/>
+            <a:ext cx="1589887" cy="212357"/>
+          </a:xfrm>
+          <a:prstGeom prst="rect">
+            <a:avLst/>
+          </a:prstGeom>
+          <a:noFill/>
+          <a:ln>
+            <a:solidFill>
+              <a:schemeClr val="tx1"/>
+            </a:solidFill>
+          </a:ln>
+        </p:spPr>
+        <p:style>
+          <a:lnRef idx="2">
+            <a:schemeClr val="accent1">
+              <a:shade val="50000"/>
+            </a:schemeClr>
+          </a:lnRef>
+          <a:fillRef idx="1">
+            <a:schemeClr val="accent1"/>
+          </a:fillRef>
+          <a:effectRef idx="0">
+            <a:schemeClr val="accent1"/>
+          </a:effectRef>
+          <a:fontRef idx="minor">
+            <a:schemeClr val="lt1"/>
+          </a:fontRef>
+        </p:style>
+        <p:txBody>
+          <a:bodyPr rtlCol="0" anchor="ctr"/>
+          <a:lstStyle/>
+          <a:p>
+            <a:pPr algn="ctr"/>
+            <a:r>
+              <a:rPr lang="en-US" altLang="ja-JP" sz="1050" dirty="0">
+                <a:solidFill>
+                  <a:sysClr val="windowText" lastClr="000000"/>
+                </a:solidFill>
+              </a:rPr>
+              <a:t>Conv 3x3</a:t>
+            </a:r>
+            <a:endParaRPr lang="ja-JP" altLang="en-US" sz="1050" dirty="0">
+              <a:solidFill>
+                <a:sysClr val="windowText" lastClr="000000"/>
+              </a:solidFill>
+            </a:endParaRPr>
+          </a:p>
+        </p:txBody>
+      </p:sp>
+      <p:cxnSp>
+        <p:nvCxnSpPr>
+          <p:cNvPr id="21" name="直線矢印コネクタ 20">
+            <a:extLst>
+              <a:ext uri="{FF2B5EF4-FFF2-40B4-BE49-F238E27FC236}">
+                <a16:creationId xmlns:a16="http://schemas.microsoft.com/office/drawing/2014/main" id="{AB4B745D-C5E0-4C58-BD5B-4151E827181C}"/>
+              </a:ext>
+            </a:extLst>
+          </p:cNvPr>
+          <p:cNvCxnSpPr>
+            <a:cxnSpLocks/>
+            <a:endCxn id="20" idx="0"/>
+          </p:cNvCxnSpPr>
+          <p:nvPr/>
+        </p:nvCxnSpPr>
+        <p:spPr>
+          <a:xfrm>
+            <a:off x="5096070" y="3041923"/>
+            <a:ext cx="0" cy="211331"/>
+          </a:xfrm>
+          <a:prstGeom prst="straightConnector1">
+            <a:avLst/>
+          </a:prstGeom>
+          <a:ln>
+            <a:solidFill>
+              <a:schemeClr val="tx1"/>
+            </a:solidFill>
+            <a:tailEnd type="triangle"/>
+          </a:ln>
+        </p:spPr>
+        <p:style>
+          <a:lnRef idx="1">
+            <a:schemeClr val="accent1"/>
+          </a:lnRef>
+          <a:fillRef idx="0">
+            <a:schemeClr val="accent1"/>
+          </a:fillRef>
+          <a:effectRef idx="0">
+            <a:schemeClr val="accent1"/>
+          </a:effectRef>
+          <a:fontRef idx="minor">
+            <a:schemeClr val="tx1"/>
+          </a:fontRef>
+        </p:style>
+      </p:cxnSp>
+      <p:sp>
+        <p:nvSpPr>
+          <p:cNvPr id="22" name="テキスト ボックス 21">
+            <a:extLst>
+              <a:ext uri="{FF2B5EF4-FFF2-40B4-BE49-F238E27FC236}">
+                <a16:creationId xmlns:a16="http://schemas.microsoft.com/office/drawing/2014/main" id="{3DFFA31B-19D7-4675-9136-830934998127}"/>
+              </a:ext>
+            </a:extLst>
+          </p:cNvPr>
+          <p:cNvSpPr txBox="1"/>
+          <p:nvPr/>
+        </p:nvSpPr>
+        <p:spPr>
+          <a:xfrm>
+            <a:off x="5109009" y="3041411"/>
+            <a:ext cx="1189749" cy="238605"/>
+          </a:xfrm>
+          <a:prstGeom prst="rect">
+            <a:avLst/>
+          </a:prstGeom>
+          <a:noFill/>
+        </p:spPr>
+        <p:txBody>
+          <a:bodyPr wrap="none" rtlCol="0">
+            <a:spAutoFit/>
+          </a:bodyPr>
+          <a:lstStyle/>
+          <a:p>
+            <a:r>
+              <a:rPr lang="en-US" altLang="ja-JP" sz="1050" dirty="0"/>
+              <a:t>12x12x64 (1bit)</a:t>
+            </a:r>
+            <a:endParaRPr lang="ja-JP" altLang="en-US" sz="1050" dirty="0"/>
+          </a:p>
+        </p:txBody>
+      </p:sp>
+      <p:cxnSp>
+        <p:nvCxnSpPr>
+          <p:cNvPr id="23" name="直線矢印コネクタ 22">
+            <a:extLst>
+              <a:ext uri="{FF2B5EF4-FFF2-40B4-BE49-F238E27FC236}">
+                <a16:creationId xmlns:a16="http://schemas.microsoft.com/office/drawing/2014/main" id="{75BEFFA0-0AB6-4557-9808-A8028ACD21CF}"/>
+              </a:ext>
+            </a:extLst>
+          </p:cNvPr>
+          <p:cNvCxnSpPr>
+            <a:cxnSpLocks/>
+            <a:stCxn id="20" idx="2"/>
+            <a:endCxn id="24" idx="0"/>
+          </p:cNvCxnSpPr>
+          <p:nvPr/>
+        </p:nvCxnSpPr>
+        <p:spPr>
+          <a:xfrm>
+            <a:off x="5096070" y="3465611"/>
+            <a:ext cx="0" cy="236526"/>
+          </a:xfrm>
+          <a:prstGeom prst="straightConnector1">
+            <a:avLst/>
+          </a:prstGeom>
+          <a:ln>
+            <a:solidFill>
+              <a:schemeClr val="tx1"/>
+            </a:solidFill>
+            <a:tailEnd type="triangle"/>
+          </a:ln>
+        </p:spPr>
+        <p:style>
+          <a:lnRef idx="1">
+            <a:schemeClr val="accent1"/>
+          </a:lnRef>
+          <a:fillRef idx="0">
+            <a:schemeClr val="accent1"/>
+          </a:fillRef>
+          <a:effectRef idx="0">
+            <a:schemeClr val="accent1"/>
+          </a:effectRef>
+          <a:fontRef idx="minor">
+            <a:schemeClr val="tx1"/>
+          </a:fontRef>
+        </p:style>
+      </p:cxnSp>
+      <p:sp>
+        <p:nvSpPr>
+          <p:cNvPr id="24" name="正方形/長方形 23">
+            <a:extLst>
+              <a:ext uri="{FF2B5EF4-FFF2-40B4-BE49-F238E27FC236}">
+                <a16:creationId xmlns:a16="http://schemas.microsoft.com/office/drawing/2014/main" id="{EB4745E2-2F8D-4610-B408-3F9B68A8B57F}"/>
+              </a:ext>
+            </a:extLst>
+          </p:cNvPr>
+          <p:cNvSpPr/>
+          <p:nvPr/>
+        </p:nvSpPr>
+        <p:spPr>
+          <a:xfrm>
+            <a:off x="4301127" y="3702137"/>
+            <a:ext cx="1589887" cy="212357"/>
+          </a:xfrm>
+          <a:prstGeom prst="rect">
+            <a:avLst/>
+          </a:prstGeom>
+          <a:noFill/>
+          <a:ln>
+            <a:solidFill>
+              <a:schemeClr val="tx1"/>
+            </a:solidFill>
+          </a:ln>
+        </p:spPr>
+        <p:style>
+          <a:lnRef idx="2">
+            <a:schemeClr val="accent1">
+              <a:shade val="50000"/>
+            </a:schemeClr>
+          </a:lnRef>
+          <a:fillRef idx="1">
+            <a:schemeClr val="accent1"/>
+          </a:fillRef>
+          <a:effectRef idx="0">
+            <a:schemeClr val="accent1"/>
+          </a:effectRef>
+          <a:fontRef idx="minor">
+            <a:schemeClr val="lt1"/>
+          </a:fontRef>
+        </p:style>
+        <p:txBody>
+          <a:bodyPr rtlCol="0" anchor="ctr"/>
+          <a:lstStyle/>
+          <a:p>
+            <a:pPr algn="ctr"/>
+            <a:r>
+              <a:rPr lang="en-US" altLang="ja-JP" sz="1050" dirty="0">
+                <a:solidFill>
+                  <a:sysClr val="windowText" lastClr="000000"/>
+                </a:solidFill>
+              </a:rPr>
+              <a:t>Max Pooling</a:t>
+            </a:r>
+            <a:endParaRPr lang="ja-JP" altLang="en-US" sz="1050" dirty="0">
+              <a:solidFill>
+                <a:sysClr val="windowText" lastClr="000000"/>
+              </a:solidFill>
+            </a:endParaRPr>
+          </a:p>
+        </p:txBody>
+      </p:sp>
+      <p:sp>
+        <p:nvSpPr>
+          <p:cNvPr id="25" name="テキスト ボックス 24">
+            <a:extLst>
+              <a:ext uri="{FF2B5EF4-FFF2-40B4-BE49-F238E27FC236}">
+                <a16:creationId xmlns:a16="http://schemas.microsoft.com/office/drawing/2014/main" id="{3C0DD514-D849-4DEB-BAF3-501D67B2827D}"/>
+              </a:ext>
+            </a:extLst>
+          </p:cNvPr>
+          <p:cNvSpPr txBox="1"/>
+          <p:nvPr/>
+        </p:nvSpPr>
+        <p:spPr>
+          <a:xfrm>
+            <a:off x="5109009" y="3464587"/>
+            <a:ext cx="1268296" cy="238605"/>
+          </a:xfrm>
+          <a:prstGeom prst="rect">
+            <a:avLst/>
+          </a:prstGeom>
+          <a:noFill/>
+        </p:spPr>
+        <p:txBody>
+          <a:bodyPr wrap="none" rtlCol="0">
+            <a:spAutoFit/>
+          </a:bodyPr>
+          <a:lstStyle/>
+          <a:p>
+            <a:r>
+              <a:rPr lang="en-US" altLang="ja-JP" sz="1050" dirty="0"/>
+              <a:t>10x10x128 (1bit)</a:t>
+            </a:r>
+            <a:endParaRPr lang="ja-JP" altLang="en-US" sz="1050" dirty="0"/>
+          </a:p>
+        </p:txBody>
+      </p:sp>
+      <p:sp>
+        <p:nvSpPr>
+          <p:cNvPr id="26" name="正方形/長方形 25">
+            <a:extLst>
+              <a:ext uri="{FF2B5EF4-FFF2-40B4-BE49-F238E27FC236}">
+                <a16:creationId xmlns:a16="http://schemas.microsoft.com/office/drawing/2014/main" id="{61CEF25D-BF23-4F65-8557-58B88510E3E9}"/>
+              </a:ext>
+            </a:extLst>
+          </p:cNvPr>
+          <p:cNvSpPr/>
+          <p:nvPr/>
+        </p:nvSpPr>
+        <p:spPr>
+          <a:xfrm>
+            <a:off x="4301127" y="4144984"/>
+            <a:ext cx="1589887" cy="212357"/>
+          </a:xfrm>
+          <a:prstGeom prst="rect">
+            <a:avLst/>
+          </a:prstGeom>
+          <a:noFill/>
+          <a:ln>
+            <a:solidFill>
+              <a:schemeClr val="tx1"/>
+            </a:solidFill>
+          </a:ln>
+        </p:spPr>
+        <p:style>
+          <a:lnRef idx="2">
+            <a:schemeClr val="accent1">
+              <a:shade val="50000"/>
+            </a:schemeClr>
+          </a:lnRef>
+          <a:fillRef idx="1">
+            <a:schemeClr val="accent1"/>
+          </a:fillRef>
+          <a:effectRef idx="0">
+            <a:schemeClr val="accent1"/>
+          </a:effectRef>
+          <a:fontRef idx="minor">
+            <a:schemeClr val="lt1"/>
+          </a:fontRef>
+        </p:style>
+        <p:txBody>
+          <a:bodyPr rtlCol="0" anchor="ctr"/>
+          <a:lstStyle/>
+          <a:p>
+            <a:pPr algn="ctr"/>
+            <a:r>
+              <a:rPr lang="en-US" altLang="ja-JP" sz="1050" dirty="0">
+                <a:solidFill>
+                  <a:sysClr val="windowText" lastClr="000000"/>
+                </a:solidFill>
+              </a:rPr>
+              <a:t>Conv 3x3</a:t>
+            </a:r>
+            <a:endParaRPr lang="ja-JP" altLang="en-US" sz="1050" dirty="0">
+              <a:solidFill>
+                <a:sysClr val="windowText" lastClr="000000"/>
+              </a:solidFill>
+            </a:endParaRPr>
+          </a:p>
+        </p:txBody>
+      </p:sp>
+      <p:cxnSp>
+        <p:nvCxnSpPr>
+          <p:cNvPr id="27" name="直線矢印コネクタ 26">
+            <a:extLst>
+              <a:ext uri="{FF2B5EF4-FFF2-40B4-BE49-F238E27FC236}">
+                <a16:creationId xmlns:a16="http://schemas.microsoft.com/office/drawing/2014/main" id="{734AF38A-CB83-4242-A583-61AC890B3700}"/>
+              </a:ext>
+            </a:extLst>
+          </p:cNvPr>
+          <p:cNvCxnSpPr>
+            <a:cxnSpLocks/>
+            <a:endCxn id="26" idx="0"/>
+          </p:cNvCxnSpPr>
+          <p:nvPr/>
+        </p:nvCxnSpPr>
+        <p:spPr>
+          <a:xfrm>
+            <a:off x="5096070" y="3914495"/>
+            <a:ext cx="0" cy="230491"/>
+          </a:xfrm>
+          <a:prstGeom prst="straightConnector1">
+            <a:avLst/>
+          </a:prstGeom>
+          <a:ln>
+            <a:solidFill>
+              <a:schemeClr val="tx1"/>
+            </a:solidFill>
+            <a:tailEnd type="triangle"/>
+          </a:ln>
+        </p:spPr>
+        <p:style>
+          <a:lnRef idx="1">
+            <a:schemeClr val="accent1"/>
+          </a:lnRef>
+          <a:fillRef idx="0">
+            <a:schemeClr val="accent1"/>
+          </a:fillRef>
+          <a:effectRef idx="0">
+            <a:schemeClr val="accent1"/>
+          </a:effectRef>
+          <a:fontRef idx="minor">
+            <a:schemeClr val="tx1"/>
+          </a:fontRef>
+        </p:style>
+      </p:cxnSp>
+      <p:sp>
+        <p:nvSpPr>
+          <p:cNvPr id="28" name="テキスト ボックス 27">
+            <a:extLst>
+              <a:ext uri="{FF2B5EF4-FFF2-40B4-BE49-F238E27FC236}">
+                <a16:creationId xmlns:a16="http://schemas.microsoft.com/office/drawing/2014/main" id="{DF165220-6B70-49D4-80F6-3EB96C619561}"/>
+              </a:ext>
+            </a:extLst>
+          </p:cNvPr>
+          <p:cNvSpPr txBox="1"/>
+          <p:nvPr/>
+        </p:nvSpPr>
+        <p:spPr>
+          <a:xfrm>
+            <a:off x="5109009" y="3899264"/>
+            <a:ext cx="1111202" cy="238605"/>
+          </a:xfrm>
+          <a:prstGeom prst="rect">
+            <a:avLst/>
+          </a:prstGeom>
+          <a:noFill/>
+        </p:spPr>
+        <p:txBody>
+          <a:bodyPr wrap="none" rtlCol="0">
+            <a:spAutoFit/>
+          </a:bodyPr>
+          <a:lstStyle/>
+          <a:p>
+            <a:r>
+              <a:rPr lang="en-US" altLang="ja-JP" sz="1050" dirty="0"/>
+              <a:t>5x5x128 (1bit)</a:t>
+            </a:r>
+            <a:endParaRPr lang="ja-JP" altLang="en-US" sz="1050" dirty="0"/>
+          </a:p>
+        </p:txBody>
+      </p:sp>
+      <p:sp>
+        <p:nvSpPr>
+          <p:cNvPr id="29" name="正方形/長方形 28">
+            <a:extLst>
+              <a:ext uri="{FF2B5EF4-FFF2-40B4-BE49-F238E27FC236}">
+                <a16:creationId xmlns:a16="http://schemas.microsoft.com/office/drawing/2014/main" id="{FE6FBA2D-F592-432D-8017-943EFC7B39B5}"/>
+              </a:ext>
+            </a:extLst>
+          </p:cNvPr>
+          <p:cNvSpPr/>
+          <p:nvPr/>
+        </p:nvSpPr>
+        <p:spPr>
+          <a:xfrm>
+            <a:off x="4301127" y="4568672"/>
+            <a:ext cx="1589887" cy="212357"/>
+          </a:xfrm>
+          <a:prstGeom prst="rect">
+            <a:avLst/>
+          </a:prstGeom>
+          <a:noFill/>
+          <a:ln>
+            <a:solidFill>
+              <a:schemeClr val="tx1"/>
+            </a:solidFill>
+          </a:ln>
+        </p:spPr>
+        <p:style>
+          <a:lnRef idx="2">
+            <a:schemeClr val="accent1">
+              <a:shade val="50000"/>
+            </a:schemeClr>
+          </a:lnRef>
+          <a:fillRef idx="1">
+            <a:schemeClr val="accent1"/>
+          </a:fillRef>
+          <a:effectRef idx="0">
+            <a:schemeClr val="accent1"/>
+          </a:effectRef>
+          <a:fontRef idx="minor">
+            <a:schemeClr val="lt1"/>
+          </a:fontRef>
+        </p:style>
+        <p:txBody>
+          <a:bodyPr rtlCol="0" anchor="ctr"/>
+          <a:lstStyle/>
+          <a:p>
+            <a:pPr algn="ctr"/>
+            <a:r>
+              <a:rPr lang="en-US" altLang="ja-JP" sz="1050" dirty="0">
+                <a:solidFill>
+                  <a:sysClr val="windowText" lastClr="000000"/>
+                </a:solidFill>
+              </a:rPr>
+              <a:t>Conv 3x3</a:t>
+            </a:r>
+            <a:endParaRPr lang="ja-JP" altLang="en-US" sz="1050" dirty="0">
+              <a:solidFill>
+                <a:sysClr val="windowText" lastClr="000000"/>
+              </a:solidFill>
+            </a:endParaRPr>
+          </a:p>
+        </p:txBody>
+      </p:sp>
+      <p:cxnSp>
+        <p:nvCxnSpPr>
+          <p:cNvPr id="30" name="直線矢印コネクタ 29">
+            <a:extLst>
+              <a:ext uri="{FF2B5EF4-FFF2-40B4-BE49-F238E27FC236}">
+                <a16:creationId xmlns:a16="http://schemas.microsoft.com/office/drawing/2014/main" id="{AC94A4F6-73F0-4EFF-88C7-E7706AEFE152}"/>
+              </a:ext>
+            </a:extLst>
+          </p:cNvPr>
+          <p:cNvCxnSpPr>
+            <a:cxnSpLocks/>
+            <a:endCxn id="29" idx="0"/>
+          </p:cNvCxnSpPr>
+          <p:nvPr/>
+        </p:nvCxnSpPr>
+        <p:spPr>
+          <a:xfrm>
+            <a:off x="5096070" y="4357341"/>
+            <a:ext cx="0" cy="211331"/>
+          </a:xfrm>
+          <a:prstGeom prst="straightConnector1">
+            <a:avLst/>
+          </a:prstGeom>
+          <a:ln>
+            <a:solidFill>
+              <a:schemeClr val="tx1"/>
+            </a:solidFill>
+            <a:tailEnd type="triangle"/>
+          </a:ln>
+        </p:spPr>
+        <p:style>
+          <a:lnRef idx="1">
+            <a:schemeClr val="accent1"/>
+          </a:lnRef>
+          <a:fillRef idx="0">
+            <a:schemeClr val="accent1"/>
+          </a:fillRef>
+          <a:effectRef idx="0">
+            <a:schemeClr val="accent1"/>
+          </a:effectRef>
+          <a:fontRef idx="minor">
+            <a:schemeClr val="tx1"/>
+          </a:fontRef>
+        </p:style>
+      </p:cxnSp>
+      <p:sp>
+        <p:nvSpPr>
+          <p:cNvPr id="31" name="テキスト ボックス 30">
+            <a:extLst>
+              <a:ext uri="{FF2B5EF4-FFF2-40B4-BE49-F238E27FC236}">
+                <a16:creationId xmlns:a16="http://schemas.microsoft.com/office/drawing/2014/main" id="{31750935-33C7-4D85-A091-755EC651912D}"/>
+              </a:ext>
+            </a:extLst>
+          </p:cNvPr>
+          <p:cNvSpPr txBox="1"/>
+          <p:nvPr/>
+        </p:nvSpPr>
+        <p:spPr>
+          <a:xfrm>
+            <a:off x="5109009" y="4356830"/>
+            <a:ext cx="1111202" cy="238605"/>
+          </a:xfrm>
+          <a:prstGeom prst="rect">
+            <a:avLst/>
+          </a:prstGeom>
+          <a:noFill/>
+        </p:spPr>
+        <p:txBody>
+          <a:bodyPr wrap="none" rtlCol="0">
+            <a:spAutoFit/>
+          </a:bodyPr>
+          <a:lstStyle/>
+          <a:p>
+            <a:r>
+              <a:rPr lang="en-US" altLang="ja-JP" sz="1050" dirty="0"/>
+              <a:t>3x3x128 (1bit)</a:t>
+            </a:r>
+            <a:endParaRPr lang="ja-JP" altLang="en-US" sz="1050" dirty="0"/>
+          </a:p>
+        </p:txBody>
+      </p:sp>
+      <p:cxnSp>
+        <p:nvCxnSpPr>
+          <p:cNvPr id="32" name="直線矢印コネクタ 31">
+            <a:extLst>
+              <a:ext uri="{FF2B5EF4-FFF2-40B4-BE49-F238E27FC236}">
+                <a16:creationId xmlns:a16="http://schemas.microsoft.com/office/drawing/2014/main" id="{B6C6CD67-39D2-49AE-A16E-381B8049CF67}"/>
+              </a:ext>
+            </a:extLst>
+          </p:cNvPr>
+          <p:cNvCxnSpPr>
+            <a:cxnSpLocks/>
+            <a:stCxn id="29" idx="2"/>
+            <a:endCxn id="33" idx="0"/>
+          </p:cNvCxnSpPr>
+          <p:nvPr/>
+        </p:nvCxnSpPr>
+        <p:spPr>
+          <a:xfrm>
+            <a:off x="5096070" y="4781029"/>
+            <a:ext cx="0" cy="236526"/>
+          </a:xfrm>
+          <a:prstGeom prst="straightConnector1">
+            <a:avLst/>
+          </a:prstGeom>
+          <a:ln>
+            <a:solidFill>
+              <a:schemeClr val="tx1"/>
+            </a:solidFill>
+            <a:tailEnd type="triangle"/>
+          </a:ln>
+        </p:spPr>
+        <p:style>
+          <a:lnRef idx="1">
+            <a:schemeClr val="accent1"/>
+          </a:lnRef>
+          <a:fillRef idx="0">
+            <a:schemeClr val="accent1"/>
+          </a:fillRef>
+          <a:effectRef idx="0">
+            <a:schemeClr val="accent1"/>
+          </a:effectRef>
+          <a:fontRef idx="minor">
+            <a:schemeClr val="tx1"/>
+          </a:fontRef>
+        </p:style>
+      </p:cxnSp>
+      <p:sp>
+        <p:nvSpPr>
+          <p:cNvPr id="33" name="正方形/長方形 32">
+            <a:extLst>
+              <a:ext uri="{FF2B5EF4-FFF2-40B4-BE49-F238E27FC236}">
+                <a16:creationId xmlns:a16="http://schemas.microsoft.com/office/drawing/2014/main" id="{68DF3CB2-C3FF-47FB-9BA4-35E6B2B8C207}"/>
+              </a:ext>
+            </a:extLst>
+          </p:cNvPr>
+          <p:cNvSpPr/>
+          <p:nvPr/>
+        </p:nvSpPr>
+        <p:spPr>
+          <a:xfrm>
+            <a:off x="4301127" y="5017555"/>
+            <a:ext cx="1589887" cy="212357"/>
+          </a:xfrm>
+          <a:prstGeom prst="rect">
+            <a:avLst/>
+          </a:prstGeom>
+          <a:noFill/>
+          <a:ln>
+            <a:solidFill>
+              <a:schemeClr val="tx1"/>
+            </a:solidFill>
+          </a:ln>
+        </p:spPr>
+        <p:style>
+          <a:lnRef idx="2">
+            <a:schemeClr val="accent1">
+              <a:shade val="50000"/>
+            </a:schemeClr>
+          </a:lnRef>
+          <a:fillRef idx="1">
+            <a:schemeClr val="accent1"/>
+          </a:fillRef>
+          <a:effectRef idx="0">
+            <a:schemeClr val="accent1"/>
+          </a:effectRef>
+          <a:fontRef idx="minor">
+            <a:schemeClr val="lt1"/>
+          </a:fontRef>
+        </p:style>
+        <p:txBody>
+          <a:bodyPr rtlCol="0" anchor="ctr"/>
+          <a:lstStyle/>
+          <a:p>
+            <a:pPr algn="ctr"/>
+            <a:r>
+              <a:rPr lang="en-US" altLang="ja-JP" sz="1050" dirty="0">
+                <a:solidFill>
+                  <a:sysClr val="windowText" lastClr="000000"/>
+                </a:solidFill>
+              </a:rPr>
+              <a:t>Conv 1x1</a:t>
+            </a:r>
+            <a:endParaRPr lang="ja-JP" altLang="en-US" sz="1050" dirty="0">
+              <a:solidFill>
+                <a:sysClr val="windowText" lastClr="000000"/>
+              </a:solidFill>
+            </a:endParaRPr>
+          </a:p>
+        </p:txBody>
+      </p:sp>
+      <p:sp>
+        <p:nvSpPr>
+          <p:cNvPr id="34" name="テキスト ボックス 33">
+            <a:extLst>
+              <a:ext uri="{FF2B5EF4-FFF2-40B4-BE49-F238E27FC236}">
+                <a16:creationId xmlns:a16="http://schemas.microsoft.com/office/drawing/2014/main" id="{4CE532CE-2185-498E-B078-8332AD18DA08}"/>
+              </a:ext>
+            </a:extLst>
+          </p:cNvPr>
+          <p:cNvSpPr txBox="1"/>
+          <p:nvPr/>
+        </p:nvSpPr>
+        <p:spPr>
+          <a:xfrm>
+            <a:off x="5109009" y="4780006"/>
+            <a:ext cx="1111202" cy="238605"/>
+          </a:xfrm>
+          <a:prstGeom prst="rect">
+            <a:avLst/>
+          </a:prstGeom>
+          <a:noFill/>
+        </p:spPr>
+        <p:txBody>
+          <a:bodyPr wrap="none" rtlCol="0">
+            <a:spAutoFit/>
+          </a:bodyPr>
+          <a:lstStyle/>
+          <a:p>
+            <a:r>
+              <a:rPr lang="en-US" altLang="ja-JP" sz="1050" dirty="0"/>
+              <a:t>1x1x256 (1bit)</a:t>
+            </a:r>
+            <a:endParaRPr lang="ja-JP" altLang="en-US" sz="1050" dirty="0"/>
+          </a:p>
+        </p:txBody>
+      </p:sp>
+      <p:sp>
+        <p:nvSpPr>
+          <p:cNvPr id="35" name="正方形/長方形 34">
+            <a:extLst>
+              <a:ext uri="{FF2B5EF4-FFF2-40B4-BE49-F238E27FC236}">
+                <a16:creationId xmlns:a16="http://schemas.microsoft.com/office/drawing/2014/main" id="{DF35145D-AB72-471A-86B7-42E0DD6ED5EA}"/>
+              </a:ext>
+            </a:extLst>
+          </p:cNvPr>
+          <p:cNvSpPr/>
+          <p:nvPr/>
+        </p:nvSpPr>
+        <p:spPr>
+          <a:xfrm>
+            <a:off x="4301126" y="5449415"/>
+            <a:ext cx="1589887" cy="212357"/>
+          </a:xfrm>
+          <a:prstGeom prst="rect">
+            <a:avLst/>
+          </a:prstGeom>
+          <a:noFill/>
+          <a:ln>
+            <a:solidFill>
+              <a:schemeClr val="tx1"/>
+            </a:solidFill>
+          </a:ln>
+        </p:spPr>
+        <p:style>
+          <a:lnRef idx="2">
+            <a:schemeClr val="accent1">
+              <a:shade val="50000"/>
+            </a:schemeClr>
+          </a:lnRef>
+          <a:fillRef idx="1">
+            <a:schemeClr val="accent1"/>
+          </a:fillRef>
+          <a:effectRef idx="0">
+            <a:schemeClr val="accent1"/>
+          </a:effectRef>
+          <a:fontRef idx="minor">
+            <a:schemeClr val="lt1"/>
+          </a:fontRef>
+        </p:style>
+        <p:txBody>
+          <a:bodyPr rtlCol="0" anchor="ctr"/>
+          <a:lstStyle/>
+          <a:p>
+            <a:pPr algn="ctr"/>
+            <a:r>
+              <a:rPr lang="en-US" altLang="ja-JP" sz="1050" dirty="0">
+                <a:solidFill>
+                  <a:sysClr val="windowText" lastClr="000000"/>
+                </a:solidFill>
+              </a:rPr>
+              <a:t>Conv 1x1</a:t>
+            </a:r>
+            <a:endParaRPr lang="ja-JP" altLang="en-US" sz="1050" dirty="0">
+              <a:solidFill>
+                <a:sysClr val="windowText" lastClr="000000"/>
+              </a:solidFill>
+            </a:endParaRPr>
+          </a:p>
+        </p:txBody>
+      </p:sp>
+      <p:cxnSp>
+        <p:nvCxnSpPr>
+          <p:cNvPr id="36" name="直線矢印コネクタ 35">
+            <a:extLst>
+              <a:ext uri="{FF2B5EF4-FFF2-40B4-BE49-F238E27FC236}">
+                <a16:creationId xmlns:a16="http://schemas.microsoft.com/office/drawing/2014/main" id="{FBC61574-5225-4AD1-975A-E0BD282CE45C}"/>
+              </a:ext>
+            </a:extLst>
+          </p:cNvPr>
+          <p:cNvCxnSpPr>
+            <a:cxnSpLocks/>
+            <a:endCxn id="35" idx="0"/>
+          </p:cNvCxnSpPr>
+          <p:nvPr/>
+        </p:nvCxnSpPr>
+        <p:spPr>
+          <a:xfrm>
+            <a:off x="5096069" y="5238083"/>
+            <a:ext cx="0" cy="211331"/>
+          </a:xfrm>
+          <a:prstGeom prst="straightConnector1">
+            <a:avLst/>
+          </a:prstGeom>
+          <a:ln>
+            <a:solidFill>
+              <a:schemeClr val="tx1"/>
+            </a:solidFill>
+            <a:tailEnd type="triangle"/>
+          </a:ln>
+        </p:spPr>
+        <p:style>
+          <a:lnRef idx="1">
+            <a:schemeClr val="accent1"/>
+          </a:lnRef>
+          <a:fillRef idx="0">
+            <a:schemeClr val="accent1"/>
+          </a:fillRef>
+          <a:effectRef idx="0">
+            <a:schemeClr val="accent1"/>
+          </a:effectRef>
+          <a:fontRef idx="minor">
+            <a:schemeClr val="tx1"/>
+          </a:fontRef>
+        </p:style>
+      </p:cxnSp>
+      <p:sp>
+        <p:nvSpPr>
+          <p:cNvPr id="37" name="テキスト ボックス 36">
+            <a:extLst>
+              <a:ext uri="{FF2B5EF4-FFF2-40B4-BE49-F238E27FC236}">
+                <a16:creationId xmlns:a16="http://schemas.microsoft.com/office/drawing/2014/main" id="{1342422D-3DDA-463F-B7A0-06C50496D359}"/>
+              </a:ext>
+            </a:extLst>
+          </p:cNvPr>
+          <p:cNvSpPr txBox="1"/>
+          <p:nvPr/>
+        </p:nvSpPr>
+        <p:spPr>
+          <a:xfrm>
+            <a:off x="5109008" y="5237572"/>
+            <a:ext cx="1071127" cy="253916"/>
+          </a:xfrm>
+          <a:prstGeom prst="rect">
+            <a:avLst/>
+          </a:prstGeom>
+          <a:noFill/>
+        </p:spPr>
+        <p:txBody>
+          <a:bodyPr wrap="none" rtlCol="0">
+            <a:spAutoFit/>
+          </a:bodyPr>
+          <a:lstStyle/>
+          <a:p>
+            <a:r>
+              <a:rPr lang="en-US" altLang="ja-JP" sz="1050" dirty="0"/>
+              <a:t>1x1x512 (1bit)</a:t>
+            </a:r>
+            <a:endParaRPr lang="ja-JP" altLang="en-US" sz="1050" dirty="0"/>
+          </a:p>
+        </p:txBody>
+      </p:sp>
+      <p:cxnSp>
+        <p:nvCxnSpPr>
+          <p:cNvPr id="38" name="直線矢印コネクタ 37">
+            <a:extLst>
+              <a:ext uri="{FF2B5EF4-FFF2-40B4-BE49-F238E27FC236}">
+                <a16:creationId xmlns:a16="http://schemas.microsoft.com/office/drawing/2014/main" id="{D1835A6E-7F73-4B3D-AB77-BBA7E2D6F428}"/>
+              </a:ext>
+            </a:extLst>
+          </p:cNvPr>
+          <p:cNvCxnSpPr>
+            <a:cxnSpLocks/>
+            <a:stCxn id="35" idx="2"/>
+          </p:cNvCxnSpPr>
+          <p:nvPr/>
+        </p:nvCxnSpPr>
+        <p:spPr>
+          <a:xfrm flipH="1">
+            <a:off x="5096069" y="5661772"/>
+            <a:ext cx="1" cy="369751"/>
+          </a:xfrm>
+          <a:prstGeom prst="straightConnector1">
+            <a:avLst/>
+          </a:prstGeom>
+          <a:ln>
+            <a:solidFill>
+              <a:schemeClr val="tx1"/>
+            </a:solidFill>
+            <a:tailEnd type="triangle"/>
+          </a:ln>
+        </p:spPr>
+        <p:style>
+          <a:lnRef idx="1">
+            <a:schemeClr val="accent1"/>
+          </a:lnRef>
+          <a:fillRef idx="0">
+            <a:schemeClr val="accent1"/>
+          </a:fillRef>
+          <a:effectRef idx="0">
+            <a:schemeClr val="accent1"/>
+          </a:effectRef>
+          <a:fontRef idx="minor">
+            <a:schemeClr val="tx1"/>
+          </a:fontRef>
+        </p:style>
+      </p:cxnSp>
+      <p:sp>
+        <p:nvSpPr>
+          <p:cNvPr id="40" name="テキスト ボックス 39">
+            <a:extLst>
+              <a:ext uri="{FF2B5EF4-FFF2-40B4-BE49-F238E27FC236}">
+                <a16:creationId xmlns:a16="http://schemas.microsoft.com/office/drawing/2014/main" id="{8D57AD87-41B5-4D8D-BEB9-DD241F54DE66}"/>
+              </a:ext>
+            </a:extLst>
+          </p:cNvPr>
+          <p:cNvSpPr txBox="1"/>
+          <p:nvPr/>
+        </p:nvSpPr>
+        <p:spPr>
+          <a:xfrm>
+            <a:off x="5109008" y="5703331"/>
+            <a:ext cx="995785" cy="253916"/>
+          </a:xfrm>
+          <a:prstGeom prst="rect">
+            <a:avLst/>
+          </a:prstGeom>
+          <a:noFill/>
+        </p:spPr>
+        <p:txBody>
+          <a:bodyPr wrap="none" rtlCol="0">
+            <a:spAutoFit/>
+          </a:bodyPr>
+          <a:lstStyle/>
+          <a:p>
+            <a:r>
+              <a:rPr lang="en-US" altLang="ja-JP" sz="1050" dirty="0"/>
+              <a:t>1x1x10 (1bit)</a:t>
+            </a:r>
+            <a:endParaRPr lang="ja-JP" altLang="en-US" sz="1050" dirty="0"/>
+          </a:p>
+        </p:txBody>
+      </p:sp>
+      <p:sp>
+        <p:nvSpPr>
+          <p:cNvPr id="42" name="正方形/長方形 41">
+            <a:extLst>
+              <a:ext uri="{FF2B5EF4-FFF2-40B4-BE49-F238E27FC236}">
+                <a16:creationId xmlns:a16="http://schemas.microsoft.com/office/drawing/2014/main" id="{5DED0F24-4CE2-4DA7-98FE-D993A422E071}"/>
+              </a:ext>
+            </a:extLst>
+          </p:cNvPr>
+          <p:cNvSpPr/>
+          <p:nvPr/>
+        </p:nvSpPr>
+        <p:spPr>
+          <a:xfrm>
+            <a:off x="1055097" y="1851804"/>
+            <a:ext cx="1894726" cy="230745"/>
+          </a:xfrm>
+          <a:prstGeom prst="rect">
+            <a:avLst/>
+          </a:prstGeom>
+          <a:noFill/>
+          <a:ln>
+            <a:solidFill>
+              <a:schemeClr val="tx1"/>
+            </a:solidFill>
+          </a:ln>
+        </p:spPr>
+        <p:style>
+          <a:lnRef idx="2">
+            <a:schemeClr val="accent1">
+              <a:shade val="50000"/>
+            </a:schemeClr>
+          </a:lnRef>
+          <a:fillRef idx="1">
+            <a:schemeClr val="accent1"/>
+          </a:fillRef>
+          <a:effectRef idx="0">
+            <a:schemeClr val="accent1"/>
+          </a:effectRef>
+          <a:fontRef idx="minor">
+            <a:schemeClr val="lt1"/>
+          </a:fontRef>
+        </p:style>
+        <p:txBody>
+          <a:bodyPr rtlCol="0" anchor="ctr"/>
+          <a:lstStyle/>
+          <a:p>
+            <a:pPr algn="ctr"/>
+            <a:r>
+              <a:rPr lang="en-US" altLang="ja-JP" sz="1050" dirty="0">
+                <a:solidFill>
+                  <a:sysClr val="windowText" lastClr="000000"/>
+                </a:solidFill>
+              </a:rPr>
+              <a:t>Im2col  (3x3)</a:t>
+            </a:r>
+            <a:endParaRPr lang="ja-JP" altLang="en-US" sz="1050" dirty="0">
+              <a:solidFill>
+                <a:sysClr val="windowText" lastClr="000000"/>
+              </a:solidFill>
+            </a:endParaRPr>
+          </a:p>
+        </p:txBody>
+      </p:sp>
+      <p:sp>
+        <p:nvSpPr>
+          <p:cNvPr id="43" name="正方形/長方形 42">
+            <a:extLst>
+              <a:ext uri="{FF2B5EF4-FFF2-40B4-BE49-F238E27FC236}">
+                <a16:creationId xmlns:a16="http://schemas.microsoft.com/office/drawing/2014/main" id="{7B0B6399-8C2B-4258-B1A7-AE21E9C66603}"/>
+              </a:ext>
+            </a:extLst>
+          </p:cNvPr>
+          <p:cNvSpPr/>
+          <p:nvPr/>
+        </p:nvSpPr>
+        <p:spPr>
+          <a:xfrm>
+            <a:off x="1055097" y="2309205"/>
+            <a:ext cx="1894726" cy="215427"/>
+          </a:xfrm>
+          <a:prstGeom prst="rect">
+            <a:avLst/>
+          </a:prstGeom>
+          <a:noFill/>
+          <a:ln>
+            <a:solidFill>
+              <a:schemeClr val="tx1"/>
+            </a:solidFill>
+          </a:ln>
+        </p:spPr>
+        <p:style>
+          <a:lnRef idx="2">
+            <a:schemeClr val="accent1">
+              <a:shade val="50000"/>
+            </a:schemeClr>
+          </a:lnRef>
+          <a:fillRef idx="1">
+            <a:schemeClr val="accent1"/>
+          </a:fillRef>
+          <a:effectRef idx="0">
+            <a:schemeClr val="accent1"/>
+          </a:effectRef>
+          <a:fontRef idx="minor">
+            <a:schemeClr val="lt1"/>
+          </a:fontRef>
+        </p:style>
+        <p:txBody>
+          <a:bodyPr rtlCol="0" anchor="ctr"/>
+          <a:lstStyle/>
+          <a:p>
+            <a:pPr algn="ctr"/>
+            <a:r>
+              <a:rPr lang="en-US" altLang="ja-JP" sz="1050" dirty="0">
+                <a:solidFill>
+                  <a:sysClr val="windowText" lastClr="000000"/>
+                </a:solidFill>
+              </a:rPr>
+              <a:t>Dense Affine</a:t>
+            </a:r>
+            <a:endParaRPr lang="ja-JP" altLang="en-US" sz="1050" dirty="0">
+              <a:solidFill>
+                <a:sysClr val="windowText" lastClr="000000"/>
+              </a:solidFill>
+            </a:endParaRPr>
+          </a:p>
+        </p:txBody>
+      </p:sp>
+      <p:sp>
+        <p:nvSpPr>
+          <p:cNvPr id="44" name="正方形/長方形 43">
+            <a:extLst>
+              <a:ext uri="{FF2B5EF4-FFF2-40B4-BE49-F238E27FC236}">
+                <a16:creationId xmlns:a16="http://schemas.microsoft.com/office/drawing/2014/main" id="{6AD898A4-17AA-4A53-AB22-5334B7CE8A67}"/>
+              </a:ext>
+            </a:extLst>
+          </p:cNvPr>
+          <p:cNvSpPr/>
+          <p:nvPr/>
+        </p:nvSpPr>
+        <p:spPr>
+          <a:xfrm>
+            <a:off x="1055097" y="2748007"/>
+            <a:ext cx="1894726" cy="226657"/>
+          </a:xfrm>
+          <a:prstGeom prst="rect">
+            <a:avLst/>
+          </a:prstGeom>
+          <a:noFill/>
+          <a:ln>
+            <a:solidFill>
+              <a:schemeClr val="tx1"/>
+            </a:solidFill>
+          </a:ln>
+        </p:spPr>
+        <p:style>
+          <a:lnRef idx="2">
+            <a:schemeClr val="accent1">
+              <a:shade val="50000"/>
+            </a:schemeClr>
+          </a:lnRef>
+          <a:fillRef idx="1">
+            <a:schemeClr val="accent1"/>
+          </a:fillRef>
+          <a:effectRef idx="0">
+            <a:schemeClr val="accent1"/>
+          </a:effectRef>
+          <a:fontRef idx="minor">
+            <a:schemeClr val="lt1"/>
+          </a:fontRef>
+        </p:style>
+        <p:txBody>
+          <a:bodyPr rtlCol="0" anchor="ctr"/>
+          <a:lstStyle/>
+          <a:p>
+            <a:pPr algn="ctr"/>
+            <a:r>
+              <a:rPr lang="en-US" altLang="ja-JP" sz="1050" dirty="0">
+                <a:solidFill>
+                  <a:sysClr val="windowText" lastClr="000000"/>
+                </a:solidFill>
+              </a:rPr>
+              <a:t>Batch Normalization</a:t>
+            </a:r>
+            <a:endParaRPr lang="ja-JP" altLang="en-US" sz="1050" dirty="0">
+              <a:solidFill>
+                <a:sysClr val="windowText" lastClr="000000"/>
+              </a:solidFill>
+            </a:endParaRPr>
+          </a:p>
+        </p:txBody>
+      </p:sp>
+      <p:sp>
+        <p:nvSpPr>
+          <p:cNvPr id="45" name="正方形/長方形 44">
+            <a:extLst>
+              <a:ext uri="{FF2B5EF4-FFF2-40B4-BE49-F238E27FC236}">
+                <a16:creationId xmlns:a16="http://schemas.microsoft.com/office/drawing/2014/main" id="{36EB3E9F-08C6-4C73-83B3-6AF5B5EA021C}"/>
+              </a:ext>
+            </a:extLst>
+          </p:cNvPr>
+          <p:cNvSpPr/>
+          <p:nvPr/>
+        </p:nvSpPr>
+        <p:spPr>
+          <a:xfrm>
+            <a:off x="1055097" y="3190091"/>
+            <a:ext cx="1894726" cy="218708"/>
+          </a:xfrm>
+          <a:prstGeom prst="rect">
+            <a:avLst/>
+          </a:prstGeom>
+          <a:noFill/>
+          <a:ln>
+            <a:solidFill>
+              <a:schemeClr val="tx1"/>
+            </a:solidFill>
+          </a:ln>
+        </p:spPr>
+        <p:style>
+          <a:lnRef idx="2">
+            <a:schemeClr val="accent1">
+              <a:shade val="50000"/>
+            </a:schemeClr>
+          </a:lnRef>
+          <a:fillRef idx="1">
+            <a:schemeClr val="accent1"/>
+          </a:fillRef>
+          <a:effectRef idx="0">
+            <a:schemeClr val="accent1"/>
+          </a:effectRef>
+          <a:fontRef idx="minor">
+            <a:schemeClr val="lt1"/>
+          </a:fontRef>
+        </p:style>
+        <p:txBody>
+          <a:bodyPr rtlCol="0" anchor="ctr"/>
+          <a:lstStyle/>
+          <a:p>
+            <a:pPr algn="ctr"/>
+            <a:r>
+              <a:rPr lang="en-US" altLang="ja-JP" sz="1050" dirty="0">
+                <a:solidFill>
+                  <a:sysClr val="windowText" lastClr="000000"/>
+                </a:solidFill>
+              </a:rPr>
+              <a:t>Binarize</a:t>
+            </a:r>
+            <a:endParaRPr lang="ja-JP" altLang="en-US" sz="1050" dirty="0">
+              <a:solidFill>
+                <a:sysClr val="windowText" lastClr="000000"/>
+              </a:solidFill>
+            </a:endParaRPr>
+          </a:p>
+        </p:txBody>
+      </p:sp>
+      <p:sp>
+        <p:nvSpPr>
+          <p:cNvPr id="46" name="正方形/長方形 45">
+            <a:extLst>
+              <a:ext uri="{FF2B5EF4-FFF2-40B4-BE49-F238E27FC236}">
+                <a16:creationId xmlns:a16="http://schemas.microsoft.com/office/drawing/2014/main" id="{A4EF05E3-1432-4F3C-954E-67C381717667}"/>
+              </a:ext>
+            </a:extLst>
+          </p:cNvPr>
+          <p:cNvSpPr/>
+          <p:nvPr/>
+        </p:nvSpPr>
+        <p:spPr>
+          <a:xfrm>
+            <a:off x="1055096" y="3632174"/>
+            <a:ext cx="1894726" cy="251163"/>
+          </a:xfrm>
+          <a:prstGeom prst="rect">
+            <a:avLst/>
+          </a:prstGeom>
+          <a:noFill/>
+          <a:ln>
+            <a:solidFill>
+              <a:schemeClr val="tx1"/>
+            </a:solidFill>
+          </a:ln>
+        </p:spPr>
+        <p:style>
+          <a:lnRef idx="2">
+            <a:schemeClr val="accent1">
+              <a:shade val="50000"/>
+            </a:schemeClr>
+          </a:lnRef>
+          <a:fillRef idx="1">
+            <a:schemeClr val="accent1"/>
+          </a:fillRef>
+          <a:effectRef idx="0">
+            <a:schemeClr val="accent1"/>
+          </a:effectRef>
+          <a:fontRef idx="minor">
+            <a:schemeClr val="lt1"/>
+          </a:fontRef>
+        </p:style>
+        <p:txBody>
+          <a:bodyPr rtlCol="0" anchor="ctr"/>
+          <a:lstStyle/>
+          <a:p>
+            <a:pPr algn="ctr"/>
+            <a:r>
+              <a:rPr lang="en-US" altLang="ja-JP" sz="1050" dirty="0">
+                <a:solidFill>
+                  <a:sysClr val="windowText" lastClr="000000"/>
+                </a:solidFill>
+              </a:rPr>
+              <a:t>col2im</a:t>
+            </a:r>
+            <a:endParaRPr lang="ja-JP" altLang="en-US" sz="1050" dirty="0">
+              <a:solidFill>
+                <a:sysClr val="windowText" lastClr="000000"/>
+              </a:solidFill>
+            </a:endParaRPr>
+          </a:p>
+        </p:txBody>
+      </p:sp>
+      <p:sp>
+        <p:nvSpPr>
+          <p:cNvPr id="48" name="正方形/長方形 47">
+            <a:extLst>
+              <a:ext uri="{FF2B5EF4-FFF2-40B4-BE49-F238E27FC236}">
+                <a16:creationId xmlns:a16="http://schemas.microsoft.com/office/drawing/2014/main" id="{67870BFE-D50D-4719-9283-AB7847D9BFE4}"/>
+              </a:ext>
+            </a:extLst>
+          </p:cNvPr>
+          <p:cNvSpPr/>
+          <p:nvPr/>
+        </p:nvSpPr>
+        <p:spPr>
+          <a:xfrm>
+            <a:off x="738554" y="1505976"/>
+            <a:ext cx="2523385" cy="2631893"/>
+          </a:xfrm>
+          <a:prstGeom prst="rect">
+            <a:avLst/>
+          </a:prstGeom>
+          <a:noFill/>
+          <a:ln>
+            <a:solidFill>
+              <a:schemeClr val="tx1"/>
+            </a:solidFill>
+            <a:prstDash val="sysDot"/>
+          </a:ln>
+        </p:spPr>
+        <p:style>
+          <a:lnRef idx="2">
+            <a:schemeClr val="accent1">
+              <a:shade val="50000"/>
+            </a:schemeClr>
+          </a:lnRef>
+          <a:fillRef idx="1">
+            <a:schemeClr val="accent1"/>
+          </a:fillRef>
+          <a:effectRef idx="0">
+            <a:schemeClr val="accent1"/>
+          </a:effectRef>
+          <a:fontRef idx="minor">
+            <a:schemeClr val="lt1"/>
+          </a:fontRef>
+        </p:style>
+        <p:txBody>
+          <a:bodyPr rtlCol="0" anchor="ctr"/>
+          <a:lstStyle/>
+          <a:p>
+            <a:pPr algn="ctr"/>
+            <a:endParaRPr kumimoji="1" lang="ja-JP" altLang="en-US" sz="1050"/>
+          </a:p>
+        </p:txBody>
+      </p:sp>
+      <p:cxnSp>
+        <p:nvCxnSpPr>
+          <p:cNvPr id="50" name="直線コネクタ 49">
+            <a:extLst>
+              <a:ext uri="{FF2B5EF4-FFF2-40B4-BE49-F238E27FC236}">
+                <a16:creationId xmlns:a16="http://schemas.microsoft.com/office/drawing/2014/main" id="{D99DBEBF-A6AF-4102-B1E0-3748C5BEB3C3}"/>
+              </a:ext>
+            </a:extLst>
+          </p:cNvPr>
+          <p:cNvCxnSpPr>
+            <a:cxnSpLocks/>
+          </p:cNvCxnSpPr>
+          <p:nvPr/>
+        </p:nvCxnSpPr>
+        <p:spPr>
+          <a:xfrm flipH="1" flipV="1">
+            <a:off x="3261939" y="1505976"/>
+            <a:ext cx="1026250" cy="431859"/>
+          </a:xfrm>
+          <a:prstGeom prst="line">
+            <a:avLst/>
+          </a:prstGeom>
+          <a:ln>
+            <a:solidFill>
+              <a:schemeClr val="tx1"/>
+            </a:solidFill>
+            <a:prstDash val="sysDot"/>
+          </a:ln>
+        </p:spPr>
+        <p:style>
+          <a:lnRef idx="1">
+            <a:schemeClr val="accent1"/>
+          </a:lnRef>
+          <a:fillRef idx="0">
+            <a:schemeClr val="accent1"/>
+          </a:fillRef>
+          <a:effectRef idx="0">
+            <a:schemeClr val="accent1"/>
+          </a:effectRef>
+          <a:fontRef idx="minor">
+            <a:schemeClr val="tx1"/>
+          </a:fontRef>
+        </p:style>
+      </p:cxnSp>
+      <p:cxnSp>
+        <p:nvCxnSpPr>
+          <p:cNvPr id="52" name="直線コネクタ 51">
+            <a:extLst>
+              <a:ext uri="{FF2B5EF4-FFF2-40B4-BE49-F238E27FC236}">
+                <a16:creationId xmlns:a16="http://schemas.microsoft.com/office/drawing/2014/main" id="{78EFAB2C-1DD5-411B-BE5C-1BE92329823D}"/>
+              </a:ext>
+            </a:extLst>
+          </p:cNvPr>
+          <p:cNvCxnSpPr>
+            <a:cxnSpLocks/>
+          </p:cNvCxnSpPr>
+          <p:nvPr/>
+        </p:nvCxnSpPr>
+        <p:spPr>
+          <a:xfrm flipH="1">
+            <a:off x="3261939" y="2158988"/>
+            <a:ext cx="1026250" cy="1985995"/>
+          </a:xfrm>
+          <a:prstGeom prst="line">
+            <a:avLst/>
+          </a:prstGeom>
+          <a:ln>
+            <a:solidFill>
+              <a:schemeClr val="tx1"/>
+            </a:solidFill>
+            <a:prstDash val="sysDot"/>
+          </a:ln>
+        </p:spPr>
+        <p:style>
+          <a:lnRef idx="1">
+            <a:schemeClr val="accent1"/>
+          </a:lnRef>
+          <a:fillRef idx="0">
+            <a:schemeClr val="accent1"/>
+          </a:fillRef>
+          <a:effectRef idx="0">
+            <a:schemeClr val="accent1"/>
+          </a:effectRef>
+          <a:fontRef idx="minor">
+            <a:schemeClr val="tx1"/>
+          </a:fontRef>
+        </p:style>
+      </p:cxnSp>
+      <p:cxnSp>
+        <p:nvCxnSpPr>
+          <p:cNvPr id="58" name="直線矢印コネクタ 57">
+            <a:extLst>
+              <a:ext uri="{FF2B5EF4-FFF2-40B4-BE49-F238E27FC236}">
+                <a16:creationId xmlns:a16="http://schemas.microsoft.com/office/drawing/2014/main" id="{0E2FDA4F-5ECD-4647-A4FD-1340915A4B08}"/>
+              </a:ext>
+            </a:extLst>
+          </p:cNvPr>
+          <p:cNvCxnSpPr>
+            <a:cxnSpLocks/>
+            <a:endCxn id="42" idx="0"/>
+          </p:cNvCxnSpPr>
+          <p:nvPr/>
+        </p:nvCxnSpPr>
+        <p:spPr>
+          <a:xfrm>
+            <a:off x="2002460" y="1569484"/>
+            <a:ext cx="0" cy="282320"/>
+          </a:xfrm>
+          <a:prstGeom prst="straightConnector1">
+            <a:avLst/>
+          </a:prstGeom>
+          <a:ln>
+            <a:solidFill>
+              <a:schemeClr val="tx1"/>
+            </a:solidFill>
+            <a:tailEnd type="triangle"/>
+          </a:ln>
+        </p:spPr>
+        <p:style>
+          <a:lnRef idx="1">
+            <a:schemeClr val="accent1"/>
+          </a:lnRef>
+          <a:fillRef idx="0">
+            <a:schemeClr val="accent1"/>
+          </a:fillRef>
+          <a:effectRef idx="0">
+            <a:schemeClr val="accent1"/>
+          </a:effectRef>
+          <a:fontRef idx="minor">
+            <a:schemeClr val="tx1"/>
+          </a:fontRef>
+        </p:style>
+      </p:cxnSp>
+      <p:cxnSp>
+        <p:nvCxnSpPr>
+          <p:cNvPr id="64" name="直線矢印コネクタ 63">
+            <a:extLst>
+              <a:ext uri="{FF2B5EF4-FFF2-40B4-BE49-F238E27FC236}">
+                <a16:creationId xmlns:a16="http://schemas.microsoft.com/office/drawing/2014/main" id="{8EC612D1-E9F9-48F7-9F16-A53DAB8078FB}"/>
+              </a:ext>
+            </a:extLst>
+          </p:cNvPr>
+          <p:cNvCxnSpPr>
+            <a:cxnSpLocks/>
+            <a:stCxn id="42" idx="2"/>
+            <a:endCxn id="43" idx="0"/>
+          </p:cNvCxnSpPr>
+          <p:nvPr/>
+        </p:nvCxnSpPr>
+        <p:spPr>
+          <a:xfrm>
+            <a:off x="2002460" y="2082549"/>
+            <a:ext cx="0" cy="226656"/>
+          </a:xfrm>
+          <a:prstGeom prst="straightConnector1">
+            <a:avLst/>
+          </a:prstGeom>
+          <a:ln>
+            <a:solidFill>
+              <a:schemeClr val="tx1"/>
+            </a:solidFill>
+            <a:tailEnd type="triangle"/>
+          </a:ln>
+        </p:spPr>
+        <p:style>
+          <a:lnRef idx="1">
+            <a:schemeClr val="accent1"/>
+          </a:lnRef>
+          <a:fillRef idx="0">
+            <a:schemeClr val="accent1"/>
+          </a:fillRef>
+          <a:effectRef idx="0">
+            <a:schemeClr val="accent1"/>
+          </a:effectRef>
+          <a:fontRef idx="minor">
+            <a:schemeClr val="tx1"/>
+          </a:fontRef>
+        </p:style>
+      </p:cxnSp>
+      <p:cxnSp>
+        <p:nvCxnSpPr>
+          <p:cNvPr id="68" name="直線矢印コネクタ 67">
+            <a:extLst>
+              <a:ext uri="{FF2B5EF4-FFF2-40B4-BE49-F238E27FC236}">
+                <a16:creationId xmlns:a16="http://schemas.microsoft.com/office/drawing/2014/main" id="{33043F29-4B1F-4DD9-A8D9-AC5DE4D01C75}"/>
+              </a:ext>
+            </a:extLst>
+          </p:cNvPr>
+          <p:cNvCxnSpPr>
+            <a:cxnSpLocks/>
+            <a:stCxn id="43" idx="2"/>
+            <a:endCxn id="44" idx="0"/>
+          </p:cNvCxnSpPr>
+          <p:nvPr/>
+        </p:nvCxnSpPr>
+        <p:spPr>
+          <a:xfrm>
+            <a:off x="2002460" y="2524632"/>
+            <a:ext cx="0" cy="223375"/>
+          </a:xfrm>
+          <a:prstGeom prst="straightConnector1">
+            <a:avLst/>
+          </a:prstGeom>
+          <a:ln>
+            <a:solidFill>
+              <a:schemeClr val="tx1"/>
+            </a:solidFill>
+            <a:tailEnd type="triangle"/>
+          </a:ln>
+        </p:spPr>
+        <p:style>
+          <a:lnRef idx="1">
+            <a:schemeClr val="accent1"/>
+          </a:lnRef>
+          <a:fillRef idx="0">
+            <a:schemeClr val="accent1"/>
+          </a:fillRef>
+          <a:effectRef idx="0">
+            <a:schemeClr val="accent1"/>
+          </a:effectRef>
+          <a:fontRef idx="minor">
+            <a:schemeClr val="tx1"/>
+          </a:fontRef>
+        </p:style>
+      </p:cxnSp>
+      <p:cxnSp>
+        <p:nvCxnSpPr>
+          <p:cNvPr id="72" name="直線矢印コネクタ 71">
+            <a:extLst>
+              <a:ext uri="{FF2B5EF4-FFF2-40B4-BE49-F238E27FC236}">
+                <a16:creationId xmlns:a16="http://schemas.microsoft.com/office/drawing/2014/main" id="{24B6A232-006E-465C-B0CC-576FF39059FC}"/>
+              </a:ext>
+            </a:extLst>
+          </p:cNvPr>
+          <p:cNvCxnSpPr>
+            <a:cxnSpLocks/>
+            <a:stCxn id="44" idx="2"/>
+            <a:endCxn id="45" idx="0"/>
+          </p:cNvCxnSpPr>
+          <p:nvPr/>
+        </p:nvCxnSpPr>
+        <p:spPr>
+          <a:xfrm>
+            <a:off x="2002460" y="2974664"/>
+            <a:ext cx="0" cy="215427"/>
+          </a:xfrm>
+          <a:prstGeom prst="straightConnector1">
+            <a:avLst/>
+          </a:prstGeom>
+          <a:ln>
+            <a:solidFill>
+              <a:schemeClr val="tx1"/>
+            </a:solidFill>
+            <a:tailEnd type="triangle"/>
+          </a:ln>
+        </p:spPr>
+        <p:style>
+          <a:lnRef idx="1">
+            <a:schemeClr val="accent1"/>
+          </a:lnRef>
+          <a:fillRef idx="0">
+            <a:schemeClr val="accent1"/>
+          </a:fillRef>
+          <a:effectRef idx="0">
+            <a:schemeClr val="accent1"/>
+          </a:effectRef>
+          <a:fontRef idx="minor">
+            <a:schemeClr val="tx1"/>
+          </a:fontRef>
+        </p:style>
+      </p:cxnSp>
+      <p:cxnSp>
+        <p:nvCxnSpPr>
+          <p:cNvPr id="75" name="直線矢印コネクタ 74">
+            <a:extLst>
+              <a:ext uri="{FF2B5EF4-FFF2-40B4-BE49-F238E27FC236}">
+                <a16:creationId xmlns:a16="http://schemas.microsoft.com/office/drawing/2014/main" id="{99DE92F6-FC33-4558-815A-69241FA6FD56}"/>
+              </a:ext>
+            </a:extLst>
+          </p:cNvPr>
+          <p:cNvCxnSpPr>
+            <a:cxnSpLocks/>
+            <a:stCxn id="45" idx="2"/>
+            <a:endCxn id="46" idx="0"/>
+          </p:cNvCxnSpPr>
+          <p:nvPr/>
+        </p:nvCxnSpPr>
+        <p:spPr>
+          <a:xfrm flipH="1">
+            <a:off x="2002459" y="3408799"/>
+            <a:ext cx="1" cy="223375"/>
+          </a:xfrm>
+          <a:prstGeom prst="straightConnector1">
+            <a:avLst/>
+          </a:prstGeom>
+          <a:ln>
+            <a:solidFill>
+              <a:schemeClr val="tx1"/>
+            </a:solidFill>
+            <a:tailEnd type="triangle"/>
+          </a:ln>
+        </p:spPr>
+        <p:style>
+          <a:lnRef idx="1">
+            <a:schemeClr val="accent1"/>
+          </a:lnRef>
+          <a:fillRef idx="0">
+            <a:schemeClr val="accent1"/>
+          </a:fillRef>
+          <a:effectRef idx="0">
+            <a:schemeClr val="accent1"/>
+          </a:effectRef>
+          <a:fontRef idx="minor">
+            <a:schemeClr val="tx1"/>
+          </a:fontRef>
+        </p:style>
+      </p:cxnSp>
+      <p:cxnSp>
+        <p:nvCxnSpPr>
+          <p:cNvPr id="78" name="直線矢印コネクタ 77">
+            <a:extLst>
+              <a:ext uri="{FF2B5EF4-FFF2-40B4-BE49-F238E27FC236}">
+                <a16:creationId xmlns:a16="http://schemas.microsoft.com/office/drawing/2014/main" id="{4615F232-28CA-4360-9125-042DEB35DC5A}"/>
+              </a:ext>
+            </a:extLst>
+          </p:cNvPr>
+          <p:cNvCxnSpPr>
+            <a:cxnSpLocks/>
+            <a:stCxn id="46" idx="2"/>
+            <a:endCxn id="48" idx="2"/>
+          </p:cNvCxnSpPr>
+          <p:nvPr/>
+        </p:nvCxnSpPr>
+        <p:spPr>
+          <a:xfrm flipH="1">
+            <a:off x="2000247" y="3883337"/>
+            <a:ext cx="2212" cy="254532"/>
+          </a:xfrm>
+          <a:prstGeom prst="straightConnector1">
+            <a:avLst/>
+          </a:prstGeom>
+          <a:ln>
+            <a:solidFill>
+              <a:schemeClr val="tx1"/>
+            </a:solidFill>
+            <a:tailEnd type="triangle"/>
+          </a:ln>
+        </p:spPr>
+        <p:style>
+          <a:lnRef idx="1">
+            <a:schemeClr val="accent1"/>
+          </a:lnRef>
+          <a:fillRef idx="0">
+            <a:schemeClr val="accent1"/>
+          </a:fillRef>
+          <a:effectRef idx="0">
+            <a:schemeClr val="accent1"/>
+          </a:effectRef>
+          <a:fontRef idx="minor">
+            <a:schemeClr val="tx1"/>
+          </a:fontRef>
+        </p:style>
+      </p:cxnSp>
+      <p:sp>
+        <p:nvSpPr>
+          <p:cNvPr id="81" name="テキスト ボックス 80">
+            <a:extLst>
+              <a:ext uri="{FF2B5EF4-FFF2-40B4-BE49-F238E27FC236}">
+                <a16:creationId xmlns:a16="http://schemas.microsoft.com/office/drawing/2014/main" id="{F99E44D3-5C5F-445C-B3BE-30F141A01C19}"/>
+              </a:ext>
+            </a:extLst>
+          </p:cNvPr>
+          <p:cNvSpPr txBox="1"/>
+          <p:nvPr/>
+        </p:nvSpPr>
+        <p:spPr>
+          <a:xfrm>
+            <a:off x="2008940" y="1569484"/>
+            <a:ext cx="1107996" cy="253916"/>
+          </a:xfrm>
+          <a:prstGeom prst="rect">
+            <a:avLst/>
+          </a:prstGeom>
+          <a:noFill/>
+        </p:spPr>
+        <p:txBody>
+          <a:bodyPr wrap="none" rtlCol="0">
+            <a:spAutoFit/>
+          </a:bodyPr>
+          <a:lstStyle/>
+          <a:p>
+            <a:r>
+              <a:rPr lang="en-US" altLang="ja-JP" sz="1050" dirty="0"/>
+              <a:t>30x30x32(1bit)</a:t>
+            </a:r>
+            <a:endParaRPr lang="ja-JP" altLang="en-US" sz="1050" dirty="0"/>
+          </a:p>
+        </p:txBody>
+      </p:sp>
+      <p:sp>
+        <p:nvSpPr>
+          <p:cNvPr id="84" name="テキスト ボックス 83">
+            <a:extLst>
+              <a:ext uri="{FF2B5EF4-FFF2-40B4-BE49-F238E27FC236}">
+                <a16:creationId xmlns:a16="http://schemas.microsoft.com/office/drawing/2014/main" id="{78D86AD4-2998-4507-BBC5-EEF502BAA95C}"/>
+              </a:ext>
+            </a:extLst>
+          </p:cNvPr>
+          <p:cNvSpPr txBox="1"/>
+          <p:nvPr/>
+        </p:nvSpPr>
+        <p:spPr>
+          <a:xfrm>
+            <a:off x="2017545" y="2082549"/>
+            <a:ext cx="1249060" cy="253916"/>
+          </a:xfrm>
+          <a:prstGeom prst="rect">
+            <a:avLst/>
+          </a:prstGeom>
+          <a:noFill/>
+        </p:spPr>
+        <p:txBody>
+          <a:bodyPr wrap="none" rtlCol="0">
+            <a:spAutoFit/>
+          </a:bodyPr>
+          <a:lstStyle/>
+          <a:p>
+            <a:r>
+              <a:rPr lang="en-US" altLang="ja-JP" sz="1050" dirty="0"/>
+              <a:t>3x3x32x784(1bit)</a:t>
+            </a:r>
+            <a:endParaRPr lang="ja-JP" altLang="en-US" sz="1050" dirty="0"/>
+          </a:p>
+        </p:txBody>
+      </p:sp>
+      <p:sp>
+        <p:nvSpPr>
+          <p:cNvPr id="85" name="テキスト ボックス 84">
+            <a:extLst>
+              <a:ext uri="{FF2B5EF4-FFF2-40B4-BE49-F238E27FC236}">
+                <a16:creationId xmlns:a16="http://schemas.microsoft.com/office/drawing/2014/main" id="{52E76FC5-5D96-4160-8089-B3C96F2D8E7E}"/>
+              </a:ext>
+            </a:extLst>
+          </p:cNvPr>
+          <p:cNvSpPr txBox="1"/>
+          <p:nvPr/>
+        </p:nvSpPr>
+        <p:spPr>
+          <a:xfrm>
+            <a:off x="2030398" y="2513376"/>
+            <a:ext cx="1334020" cy="253916"/>
+          </a:xfrm>
+          <a:prstGeom prst="rect">
+            <a:avLst/>
+          </a:prstGeom>
+          <a:noFill/>
+        </p:spPr>
+        <p:txBody>
+          <a:bodyPr wrap="none" rtlCol="0">
+            <a:spAutoFit/>
+          </a:bodyPr>
+          <a:lstStyle/>
+          <a:p>
+            <a:r>
+              <a:rPr lang="en-US" altLang="ja-JP" sz="1050" dirty="0"/>
+              <a:t>1x1x64x784(FP32)</a:t>
+            </a:r>
+            <a:endParaRPr lang="ja-JP" altLang="en-US" sz="1050" dirty="0"/>
+          </a:p>
+        </p:txBody>
+      </p:sp>
+      <p:sp>
+        <p:nvSpPr>
+          <p:cNvPr id="88" name="テキスト ボックス 87">
+            <a:extLst>
+              <a:ext uri="{FF2B5EF4-FFF2-40B4-BE49-F238E27FC236}">
+                <a16:creationId xmlns:a16="http://schemas.microsoft.com/office/drawing/2014/main" id="{170615EC-D938-4F06-BC3A-398045E10374}"/>
+              </a:ext>
+            </a:extLst>
+          </p:cNvPr>
+          <p:cNvSpPr txBox="1"/>
+          <p:nvPr/>
+        </p:nvSpPr>
+        <p:spPr>
+          <a:xfrm>
+            <a:off x="2000246" y="3914494"/>
+            <a:ext cx="1107996" cy="253916"/>
+          </a:xfrm>
+          <a:prstGeom prst="rect">
+            <a:avLst/>
+          </a:prstGeom>
+          <a:noFill/>
+        </p:spPr>
+        <p:txBody>
+          <a:bodyPr wrap="none" rtlCol="0">
+            <a:spAutoFit/>
+          </a:bodyPr>
+          <a:lstStyle/>
+          <a:p>
+            <a:r>
+              <a:rPr lang="en-US" altLang="ja-JP" sz="1050" dirty="0"/>
+              <a:t>28x28x64(1bit)</a:t>
+            </a:r>
+            <a:endParaRPr lang="ja-JP" altLang="en-US" sz="1050" dirty="0"/>
+          </a:p>
+        </p:txBody>
+      </p:sp>
+      <p:sp>
+        <p:nvSpPr>
+          <p:cNvPr id="92" name="テキスト ボックス 91">
+            <a:extLst>
+              <a:ext uri="{FF2B5EF4-FFF2-40B4-BE49-F238E27FC236}">
+                <a16:creationId xmlns:a16="http://schemas.microsoft.com/office/drawing/2014/main" id="{28E398E9-87F3-4FCB-9B4B-9B9DBF621731}"/>
+              </a:ext>
+            </a:extLst>
+          </p:cNvPr>
+          <p:cNvSpPr txBox="1"/>
+          <p:nvPr/>
+        </p:nvSpPr>
+        <p:spPr>
+          <a:xfrm>
+            <a:off x="2008940" y="2965902"/>
+            <a:ext cx="1334020" cy="253916"/>
+          </a:xfrm>
+          <a:prstGeom prst="rect">
+            <a:avLst/>
+          </a:prstGeom>
+          <a:noFill/>
+        </p:spPr>
+        <p:txBody>
+          <a:bodyPr wrap="none" rtlCol="0">
+            <a:spAutoFit/>
+          </a:bodyPr>
+          <a:lstStyle/>
+          <a:p>
+            <a:r>
+              <a:rPr lang="en-US" altLang="ja-JP" sz="1050" dirty="0"/>
+              <a:t>1x1x64x784(FP32)</a:t>
+            </a:r>
+            <a:endParaRPr lang="ja-JP" altLang="en-US" sz="1050" dirty="0"/>
+          </a:p>
+        </p:txBody>
+      </p:sp>
+      <p:sp>
+        <p:nvSpPr>
+          <p:cNvPr id="93" name="テキスト ボックス 92">
+            <a:extLst>
+              <a:ext uri="{FF2B5EF4-FFF2-40B4-BE49-F238E27FC236}">
+                <a16:creationId xmlns:a16="http://schemas.microsoft.com/office/drawing/2014/main" id="{DD18A3C1-F11C-421F-84A6-32BF6AAD5895}"/>
+              </a:ext>
+            </a:extLst>
+          </p:cNvPr>
+          <p:cNvSpPr txBox="1"/>
+          <p:nvPr/>
+        </p:nvSpPr>
+        <p:spPr>
+          <a:xfrm>
+            <a:off x="2000246" y="3408799"/>
+            <a:ext cx="1249060" cy="253916"/>
+          </a:xfrm>
+          <a:prstGeom prst="rect">
+            <a:avLst/>
+          </a:prstGeom>
+          <a:noFill/>
+        </p:spPr>
+        <p:txBody>
+          <a:bodyPr wrap="none" rtlCol="0">
+            <a:spAutoFit/>
+          </a:bodyPr>
+          <a:lstStyle/>
+          <a:p>
+            <a:r>
+              <a:rPr lang="en-US" altLang="ja-JP" sz="1050" dirty="0"/>
+              <a:t>1x1x64x784(1bit)</a:t>
+            </a:r>
+            <a:endParaRPr lang="ja-JP" altLang="en-US" sz="1050" dirty="0"/>
+          </a:p>
+        </p:txBody>
+      </p:sp>
+    </p:spTree>
+    <p:extLst>
+      <p:ext uri="{BB962C8B-B14F-4D97-AF65-F5344CB8AC3E}">
+        <p14:creationId xmlns:p14="http://schemas.microsoft.com/office/powerpoint/2010/main" val="3170841870"/>
+      </p:ext>
+    </p:extLst>
+  </p:cSld>
+  <p:clrMapOvr>
+    <a:masterClrMapping/>
+  </p:clrMapOvr>
+</p:sld>
+</file>
+
+<file path=ppt/slides/slide2.xml><?xml version="1.0" encoding="utf-8"?>
 <p:sld xmlns:a="http://schemas.openxmlformats.org/drawingml/2006/main" xmlns:r="http://schemas.openxmlformats.org/officeDocument/2006/relationships" xmlns:p="http://schemas.openxmlformats.org/presentationml/2006/main">
   <p:cSld>
     <p:spTree>
@@ -5718,2669 +8386,6 @@
 </p:sld>
 </file>
 
-<file path=ppt/slides/slide2.xml><?xml version="1.0" encoding="utf-8"?>
-<p:sld xmlns:a="http://schemas.openxmlformats.org/drawingml/2006/main" xmlns:r="http://schemas.openxmlformats.org/officeDocument/2006/relationships" xmlns:p="http://schemas.openxmlformats.org/presentationml/2006/main">
-  <p:cSld>
-    <p:spTree>
-      <p:nvGrpSpPr>
-        <p:cNvPr id="1" name=""/>
-        <p:cNvGrpSpPr/>
-        <p:nvPr/>
-      </p:nvGrpSpPr>
-      <p:grpSpPr>
-        <a:xfrm>
-          <a:off x="0" y="0"/>
-          <a:ext cx="0" cy="0"/>
-          <a:chOff x="0" y="0"/>
-          <a:chExt cx="0" cy="0"/>
-        </a:xfrm>
-      </p:grpSpPr>
-      <p:sp>
-        <p:nvSpPr>
-          <p:cNvPr id="5" name="正方形/長方形 4">
-            <a:extLst>
-              <a:ext uri="{FF2B5EF4-FFF2-40B4-BE49-F238E27FC236}">
-                <a16:creationId xmlns:a16="http://schemas.microsoft.com/office/drawing/2014/main" id="{984F1C11-A5A3-4900-A71B-EA066B581081}"/>
-              </a:ext>
-            </a:extLst>
-          </p:cNvPr>
-          <p:cNvSpPr/>
-          <p:nvPr/>
-        </p:nvSpPr>
-        <p:spPr>
-          <a:xfrm>
-            <a:off x="4301129" y="995508"/>
-            <a:ext cx="1589887" cy="240068"/>
-          </a:xfrm>
-          <a:prstGeom prst="rect">
-            <a:avLst/>
-          </a:prstGeom>
-          <a:noFill/>
-          <a:ln>
-            <a:solidFill>
-              <a:srgbClr val="FF0000"/>
-            </a:solidFill>
-          </a:ln>
-        </p:spPr>
-        <p:style>
-          <a:lnRef idx="2">
-            <a:schemeClr val="accent1">
-              <a:shade val="50000"/>
-            </a:schemeClr>
-          </a:lnRef>
-          <a:fillRef idx="1">
-            <a:schemeClr val="accent1"/>
-          </a:fillRef>
-          <a:effectRef idx="0">
-            <a:schemeClr val="accent1"/>
-          </a:effectRef>
-          <a:fontRef idx="minor">
-            <a:schemeClr val="lt1"/>
-          </a:fontRef>
-        </p:style>
-        <p:txBody>
-          <a:bodyPr rtlCol="0" anchor="ctr"/>
-          <a:lstStyle/>
-          <a:p>
-            <a:pPr algn="ctr"/>
-            <a:r>
-              <a:rPr lang="en-US" altLang="ja-JP" sz="1050" dirty="0">
-                <a:solidFill>
-                  <a:sysClr val="windowText" lastClr="000000"/>
-                </a:solidFill>
-              </a:rPr>
-              <a:t>Binary Modulation</a:t>
-            </a:r>
-            <a:endParaRPr lang="ja-JP" altLang="en-US" sz="1050" dirty="0">
-              <a:solidFill>
-                <a:sysClr val="windowText" lastClr="000000"/>
-              </a:solidFill>
-            </a:endParaRPr>
-          </a:p>
-        </p:txBody>
-      </p:sp>
-      <p:sp>
-        <p:nvSpPr>
-          <p:cNvPr id="6" name="正方形/長方形 5">
-            <a:extLst>
-              <a:ext uri="{FF2B5EF4-FFF2-40B4-BE49-F238E27FC236}">
-                <a16:creationId xmlns:a16="http://schemas.microsoft.com/office/drawing/2014/main" id="{4CD5B558-3595-4997-8302-DFED28AD47FA}"/>
-              </a:ext>
-            </a:extLst>
-          </p:cNvPr>
-          <p:cNvSpPr/>
-          <p:nvPr/>
-        </p:nvSpPr>
-        <p:spPr>
-          <a:xfrm>
-            <a:off x="4301127" y="1514147"/>
-            <a:ext cx="1589887" cy="212357"/>
-          </a:xfrm>
-          <a:prstGeom prst="rect">
-            <a:avLst/>
-          </a:prstGeom>
-          <a:noFill/>
-          <a:ln>
-            <a:solidFill>
-              <a:schemeClr val="tx1"/>
-            </a:solidFill>
-          </a:ln>
-        </p:spPr>
-        <p:style>
-          <a:lnRef idx="2">
-            <a:schemeClr val="accent1">
-              <a:shade val="50000"/>
-            </a:schemeClr>
-          </a:lnRef>
-          <a:fillRef idx="1">
-            <a:schemeClr val="accent1"/>
-          </a:fillRef>
-          <a:effectRef idx="0">
-            <a:schemeClr val="accent1"/>
-          </a:effectRef>
-          <a:fontRef idx="minor">
-            <a:schemeClr val="lt1"/>
-          </a:fontRef>
-        </p:style>
-        <p:txBody>
-          <a:bodyPr rtlCol="0" anchor="ctr"/>
-          <a:lstStyle/>
-          <a:p>
-            <a:pPr algn="ctr"/>
-            <a:r>
-              <a:rPr lang="en-US" altLang="ja-JP" sz="1050" dirty="0">
-                <a:solidFill>
-                  <a:sysClr val="windowText" lastClr="000000"/>
-                </a:solidFill>
-              </a:rPr>
-              <a:t>Conv 3x3</a:t>
-            </a:r>
-            <a:endParaRPr lang="ja-JP" altLang="en-US" sz="1050" dirty="0">
-              <a:solidFill>
-                <a:sysClr val="windowText" lastClr="000000"/>
-              </a:solidFill>
-            </a:endParaRPr>
-          </a:p>
-        </p:txBody>
-      </p:sp>
-      <p:cxnSp>
-        <p:nvCxnSpPr>
-          <p:cNvPr id="7" name="直線矢印コネクタ 6">
-            <a:extLst>
-              <a:ext uri="{FF2B5EF4-FFF2-40B4-BE49-F238E27FC236}">
-                <a16:creationId xmlns:a16="http://schemas.microsoft.com/office/drawing/2014/main" id="{DDD2162A-835D-4C90-BA44-E39C3EF11551}"/>
-              </a:ext>
-            </a:extLst>
-          </p:cNvPr>
-          <p:cNvCxnSpPr>
-            <a:cxnSpLocks/>
-            <a:endCxn id="5" idx="0"/>
-          </p:cNvCxnSpPr>
-          <p:nvPr/>
-        </p:nvCxnSpPr>
-        <p:spPr>
-          <a:xfrm>
-            <a:off x="5096071" y="603213"/>
-            <a:ext cx="0" cy="392293"/>
-          </a:xfrm>
-          <a:prstGeom prst="straightConnector1">
-            <a:avLst/>
-          </a:prstGeom>
-          <a:ln>
-            <a:solidFill>
-              <a:schemeClr val="tx1"/>
-            </a:solidFill>
-            <a:tailEnd type="triangle"/>
-          </a:ln>
-        </p:spPr>
-        <p:style>
-          <a:lnRef idx="1">
-            <a:schemeClr val="accent1"/>
-          </a:lnRef>
-          <a:fillRef idx="0">
-            <a:schemeClr val="accent1"/>
-          </a:fillRef>
-          <a:effectRef idx="0">
-            <a:schemeClr val="accent1"/>
-          </a:effectRef>
-          <a:fontRef idx="minor">
-            <a:schemeClr val="tx1"/>
-          </a:fontRef>
-        </p:style>
-      </p:cxnSp>
-      <p:sp>
-        <p:nvSpPr>
-          <p:cNvPr id="8" name="テキスト ボックス 7">
-            <a:extLst>
-              <a:ext uri="{FF2B5EF4-FFF2-40B4-BE49-F238E27FC236}">
-                <a16:creationId xmlns:a16="http://schemas.microsoft.com/office/drawing/2014/main" id="{1ECCD0CD-2F41-4024-AA19-94A4C6DA9D7B}"/>
-              </a:ext>
-            </a:extLst>
-          </p:cNvPr>
-          <p:cNvSpPr txBox="1"/>
-          <p:nvPr/>
-        </p:nvSpPr>
-        <p:spPr>
-          <a:xfrm>
-            <a:off x="5109009" y="634020"/>
-            <a:ext cx="1159292" cy="238605"/>
-          </a:xfrm>
-          <a:prstGeom prst="rect">
-            <a:avLst/>
-          </a:prstGeom>
-          <a:noFill/>
-        </p:spPr>
-        <p:txBody>
-          <a:bodyPr wrap="none" rtlCol="0">
-            <a:spAutoFit/>
-          </a:bodyPr>
-          <a:lstStyle/>
-          <a:p>
-            <a:r>
-              <a:rPr lang="en-US" altLang="ja-JP" sz="1050" dirty="0"/>
-              <a:t>32x32x3(FP32)</a:t>
-            </a:r>
-            <a:endParaRPr lang="ja-JP" altLang="en-US" sz="1050" dirty="0"/>
-          </a:p>
-        </p:txBody>
-      </p:sp>
-      <p:cxnSp>
-        <p:nvCxnSpPr>
-          <p:cNvPr id="9" name="直線矢印コネクタ 8">
-            <a:extLst>
-              <a:ext uri="{FF2B5EF4-FFF2-40B4-BE49-F238E27FC236}">
-                <a16:creationId xmlns:a16="http://schemas.microsoft.com/office/drawing/2014/main" id="{1090CA0A-6BB7-44FE-8013-2CBE6E1C8D98}"/>
-              </a:ext>
-            </a:extLst>
-          </p:cNvPr>
-          <p:cNvCxnSpPr>
-            <a:cxnSpLocks/>
-            <a:stCxn id="5" idx="2"/>
-            <a:endCxn id="6" idx="0"/>
-          </p:cNvCxnSpPr>
-          <p:nvPr/>
-        </p:nvCxnSpPr>
-        <p:spPr>
-          <a:xfrm flipH="1">
-            <a:off x="5096070" y="1235575"/>
-            <a:ext cx="1" cy="278573"/>
-          </a:xfrm>
-          <a:prstGeom prst="straightConnector1">
-            <a:avLst/>
-          </a:prstGeom>
-          <a:ln>
-            <a:solidFill>
-              <a:schemeClr val="tx1"/>
-            </a:solidFill>
-            <a:tailEnd type="triangle"/>
-          </a:ln>
-        </p:spPr>
-        <p:style>
-          <a:lnRef idx="1">
-            <a:schemeClr val="accent1"/>
-          </a:lnRef>
-          <a:fillRef idx="0">
-            <a:schemeClr val="accent1"/>
-          </a:fillRef>
-          <a:effectRef idx="0">
-            <a:schemeClr val="accent1"/>
-          </a:effectRef>
-          <a:fontRef idx="minor">
-            <a:schemeClr val="tx1"/>
-          </a:fontRef>
-        </p:style>
-      </p:cxnSp>
-      <p:sp>
-        <p:nvSpPr>
-          <p:cNvPr id="10" name="テキスト ボックス 9">
-            <a:extLst>
-              <a:ext uri="{FF2B5EF4-FFF2-40B4-BE49-F238E27FC236}">
-                <a16:creationId xmlns:a16="http://schemas.microsoft.com/office/drawing/2014/main" id="{F5B4D06E-133B-4E64-9812-C1E572855D14}"/>
-              </a:ext>
-            </a:extLst>
-          </p:cNvPr>
-          <p:cNvSpPr txBox="1"/>
-          <p:nvPr/>
-        </p:nvSpPr>
-        <p:spPr>
-          <a:xfrm>
-            <a:off x="5109009" y="1268427"/>
-            <a:ext cx="1285929" cy="238605"/>
-          </a:xfrm>
-          <a:prstGeom prst="rect">
-            <a:avLst/>
-          </a:prstGeom>
-          <a:noFill/>
-        </p:spPr>
-        <p:txBody>
-          <a:bodyPr wrap="none" rtlCol="0">
-            <a:spAutoFit/>
-          </a:bodyPr>
-          <a:lstStyle/>
-          <a:p>
-            <a:r>
-              <a:rPr lang="en-US" altLang="ja-JP" sz="1050" dirty="0"/>
-              <a:t>32x32x3xN (1bit)</a:t>
-            </a:r>
-            <a:endParaRPr lang="ja-JP" altLang="en-US" sz="1050" dirty="0"/>
-          </a:p>
-        </p:txBody>
-      </p:sp>
-      <p:sp>
-        <p:nvSpPr>
-          <p:cNvPr id="11" name="正方形/長方形 10">
-            <a:extLst>
-              <a:ext uri="{FF2B5EF4-FFF2-40B4-BE49-F238E27FC236}">
-                <a16:creationId xmlns:a16="http://schemas.microsoft.com/office/drawing/2014/main" id="{08B84113-019F-4A61-AC91-F66CE96DF9DF}"/>
-              </a:ext>
-            </a:extLst>
-          </p:cNvPr>
-          <p:cNvSpPr/>
-          <p:nvPr/>
-        </p:nvSpPr>
-        <p:spPr>
-          <a:xfrm>
-            <a:off x="4301127" y="1937835"/>
-            <a:ext cx="1589887" cy="212357"/>
-          </a:xfrm>
-          <a:prstGeom prst="rect">
-            <a:avLst/>
-          </a:prstGeom>
-          <a:noFill/>
-          <a:ln>
-            <a:solidFill>
-              <a:schemeClr val="tx1"/>
-            </a:solidFill>
-          </a:ln>
-        </p:spPr>
-        <p:style>
-          <a:lnRef idx="2">
-            <a:schemeClr val="accent1">
-              <a:shade val="50000"/>
-            </a:schemeClr>
-          </a:lnRef>
-          <a:fillRef idx="1">
-            <a:schemeClr val="accent1"/>
-          </a:fillRef>
-          <a:effectRef idx="0">
-            <a:schemeClr val="accent1"/>
-          </a:effectRef>
-          <a:fontRef idx="minor">
-            <a:schemeClr val="lt1"/>
-          </a:fontRef>
-        </p:style>
-        <p:txBody>
-          <a:bodyPr rtlCol="0" anchor="ctr"/>
-          <a:lstStyle/>
-          <a:p>
-            <a:pPr algn="ctr"/>
-            <a:r>
-              <a:rPr lang="en-US" altLang="ja-JP" sz="1050" dirty="0">
-                <a:solidFill>
-                  <a:sysClr val="windowText" lastClr="000000"/>
-                </a:solidFill>
-              </a:rPr>
-              <a:t>Conv 3x3</a:t>
-            </a:r>
-            <a:endParaRPr lang="ja-JP" altLang="en-US" sz="1050" dirty="0">
-              <a:solidFill>
-                <a:sysClr val="windowText" lastClr="000000"/>
-              </a:solidFill>
-            </a:endParaRPr>
-          </a:p>
-        </p:txBody>
-      </p:sp>
-      <p:cxnSp>
-        <p:nvCxnSpPr>
-          <p:cNvPr id="12" name="直線矢印コネクタ 11">
-            <a:extLst>
-              <a:ext uri="{FF2B5EF4-FFF2-40B4-BE49-F238E27FC236}">
-                <a16:creationId xmlns:a16="http://schemas.microsoft.com/office/drawing/2014/main" id="{0B865606-F2B1-46CB-BCAA-442F23B59F06}"/>
-              </a:ext>
-            </a:extLst>
-          </p:cNvPr>
-          <p:cNvCxnSpPr>
-            <a:cxnSpLocks/>
-            <a:endCxn id="11" idx="0"/>
-          </p:cNvCxnSpPr>
-          <p:nvPr/>
-        </p:nvCxnSpPr>
-        <p:spPr>
-          <a:xfrm>
-            <a:off x="5096070" y="1726504"/>
-            <a:ext cx="0" cy="211331"/>
-          </a:xfrm>
-          <a:prstGeom prst="straightConnector1">
-            <a:avLst/>
-          </a:prstGeom>
-          <a:ln>
-            <a:solidFill>
-              <a:schemeClr val="tx1"/>
-            </a:solidFill>
-            <a:tailEnd type="triangle"/>
-          </a:ln>
-        </p:spPr>
-        <p:style>
-          <a:lnRef idx="1">
-            <a:schemeClr val="accent1"/>
-          </a:lnRef>
-          <a:fillRef idx="0">
-            <a:schemeClr val="accent1"/>
-          </a:fillRef>
-          <a:effectRef idx="0">
-            <a:schemeClr val="accent1"/>
-          </a:effectRef>
-          <a:fontRef idx="minor">
-            <a:schemeClr val="tx1"/>
-          </a:fontRef>
-        </p:style>
-      </p:cxnSp>
-      <p:sp>
-        <p:nvSpPr>
-          <p:cNvPr id="13" name="テキスト ボックス 12">
-            <a:extLst>
-              <a:ext uri="{FF2B5EF4-FFF2-40B4-BE49-F238E27FC236}">
-                <a16:creationId xmlns:a16="http://schemas.microsoft.com/office/drawing/2014/main" id="{02FFDA10-3F30-4B2C-85C7-F83C4FAE647B}"/>
-              </a:ext>
-            </a:extLst>
-          </p:cNvPr>
-          <p:cNvSpPr txBox="1"/>
-          <p:nvPr/>
-        </p:nvSpPr>
-        <p:spPr>
-          <a:xfrm>
-            <a:off x="5109009" y="1725993"/>
-            <a:ext cx="1189749" cy="238605"/>
-          </a:xfrm>
-          <a:prstGeom prst="rect">
-            <a:avLst/>
-          </a:prstGeom>
-          <a:noFill/>
-        </p:spPr>
-        <p:txBody>
-          <a:bodyPr wrap="none" rtlCol="0">
-            <a:spAutoFit/>
-          </a:bodyPr>
-          <a:lstStyle/>
-          <a:p>
-            <a:r>
-              <a:rPr lang="en-US" altLang="ja-JP" sz="1050" dirty="0"/>
-              <a:t>30x30x32 (1bit)</a:t>
-            </a:r>
-            <a:endParaRPr lang="ja-JP" altLang="en-US" sz="1050" dirty="0"/>
-          </a:p>
-        </p:txBody>
-      </p:sp>
-      <p:cxnSp>
-        <p:nvCxnSpPr>
-          <p:cNvPr id="14" name="直線矢印コネクタ 13">
-            <a:extLst>
-              <a:ext uri="{FF2B5EF4-FFF2-40B4-BE49-F238E27FC236}">
-                <a16:creationId xmlns:a16="http://schemas.microsoft.com/office/drawing/2014/main" id="{6FE020FC-D991-4CF9-A47D-87952F0F28D4}"/>
-              </a:ext>
-            </a:extLst>
-          </p:cNvPr>
-          <p:cNvCxnSpPr>
-            <a:cxnSpLocks/>
-            <a:stCxn id="11" idx="2"/>
-            <a:endCxn id="15" idx="0"/>
-          </p:cNvCxnSpPr>
-          <p:nvPr/>
-        </p:nvCxnSpPr>
-        <p:spPr>
-          <a:xfrm>
-            <a:off x="5096070" y="2150192"/>
-            <a:ext cx="0" cy="236526"/>
-          </a:xfrm>
-          <a:prstGeom prst="straightConnector1">
-            <a:avLst/>
-          </a:prstGeom>
-          <a:ln>
-            <a:solidFill>
-              <a:schemeClr val="tx1"/>
-            </a:solidFill>
-            <a:tailEnd type="triangle"/>
-          </a:ln>
-        </p:spPr>
-        <p:style>
-          <a:lnRef idx="1">
-            <a:schemeClr val="accent1"/>
-          </a:lnRef>
-          <a:fillRef idx="0">
-            <a:schemeClr val="accent1"/>
-          </a:fillRef>
-          <a:effectRef idx="0">
-            <a:schemeClr val="accent1"/>
-          </a:effectRef>
-          <a:fontRef idx="minor">
-            <a:schemeClr val="tx1"/>
-          </a:fontRef>
-        </p:style>
-      </p:cxnSp>
-      <p:sp>
-        <p:nvSpPr>
-          <p:cNvPr id="15" name="正方形/長方形 14">
-            <a:extLst>
-              <a:ext uri="{FF2B5EF4-FFF2-40B4-BE49-F238E27FC236}">
-                <a16:creationId xmlns:a16="http://schemas.microsoft.com/office/drawing/2014/main" id="{D0DF9B43-BF31-492B-988D-601EF842CDB4}"/>
-              </a:ext>
-            </a:extLst>
-          </p:cNvPr>
-          <p:cNvSpPr/>
-          <p:nvPr/>
-        </p:nvSpPr>
-        <p:spPr>
-          <a:xfrm>
-            <a:off x="4301127" y="2386718"/>
-            <a:ext cx="1589887" cy="212357"/>
-          </a:xfrm>
-          <a:prstGeom prst="rect">
-            <a:avLst/>
-          </a:prstGeom>
-          <a:noFill/>
-          <a:ln>
-            <a:solidFill>
-              <a:schemeClr val="tx1"/>
-            </a:solidFill>
-          </a:ln>
-        </p:spPr>
-        <p:style>
-          <a:lnRef idx="2">
-            <a:schemeClr val="accent1">
-              <a:shade val="50000"/>
-            </a:schemeClr>
-          </a:lnRef>
-          <a:fillRef idx="1">
-            <a:schemeClr val="accent1"/>
-          </a:fillRef>
-          <a:effectRef idx="0">
-            <a:schemeClr val="accent1"/>
-          </a:effectRef>
-          <a:fontRef idx="minor">
-            <a:schemeClr val="lt1"/>
-          </a:fontRef>
-        </p:style>
-        <p:txBody>
-          <a:bodyPr rtlCol="0" anchor="ctr"/>
-          <a:lstStyle/>
-          <a:p>
-            <a:pPr algn="ctr"/>
-            <a:r>
-              <a:rPr lang="en-US" altLang="ja-JP" sz="1050" dirty="0">
-                <a:solidFill>
-                  <a:sysClr val="windowText" lastClr="000000"/>
-                </a:solidFill>
-              </a:rPr>
-              <a:t>Max Pooling</a:t>
-            </a:r>
-            <a:endParaRPr lang="ja-JP" altLang="en-US" sz="1050" dirty="0">
-              <a:solidFill>
-                <a:sysClr val="windowText" lastClr="000000"/>
-              </a:solidFill>
-            </a:endParaRPr>
-          </a:p>
-        </p:txBody>
-      </p:sp>
-      <p:sp>
-        <p:nvSpPr>
-          <p:cNvPr id="16" name="テキスト ボックス 15">
-            <a:extLst>
-              <a:ext uri="{FF2B5EF4-FFF2-40B4-BE49-F238E27FC236}">
-                <a16:creationId xmlns:a16="http://schemas.microsoft.com/office/drawing/2014/main" id="{6597F5A0-12DA-4E95-BB4B-EB9D3C1AD698}"/>
-              </a:ext>
-            </a:extLst>
-          </p:cNvPr>
-          <p:cNvSpPr txBox="1"/>
-          <p:nvPr/>
-        </p:nvSpPr>
-        <p:spPr>
-          <a:xfrm>
-            <a:off x="5109009" y="2149169"/>
-            <a:ext cx="1189749" cy="238605"/>
-          </a:xfrm>
-          <a:prstGeom prst="rect">
-            <a:avLst/>
-          </a:prstGeom>
-          <a:noFill/>
-        </p:spPr>
-        <p:txBody>
-          <a:bodyPr wrap="none" rtlCol="0">
-            <a:spAutoFit/>
-          </a:bodyPr>
-          <a:lstStyle/>
-          <a:p>
-            <a:r>
-              <a:rPr lang="en-US" altLang="ja-JP" sz="1050" dirty="0"/>
-              <a:t>28x28x64 (1bit)</a:t>
-            </a:r>
-            <a:endParaRPr lang="ja-JP" altLang="en-US" sz="1050" dirty="0"/>
-          </a:p>
-        </p:txBody>
-      </p:sp>
-      <p:sp>
-        <p:nvSpPr>
-          <p:cNvPr id="17" name="正方形/長方形 16">
-            <a:extLst>
-              <a:ext uri="{FF2B5EF4-FFF2-40B4-BE49-F238E27FC236}">
-                <a16:creationId xmlns:a16="http://schemas.microsoft.com/office/drawing/2014/main" id="{62CD76CE-4787-451E-948F-3C996E4A56B7}"/>
-              </a:ext>
-            </a:extLst>
-          </p:cNvPr>
-          <p:cNvSpPr/>
-          <p:nvPr/>
-        </p:nvSpPr>
-        <p:spPr>
-          <a:xfrm>
-            <a:off x="4301127" y="2829566"/>
-            <a:ext cx="1589887" cy="212357"/>
-          </a:xfrm>
-          <a:prstGeom prst="rect">
-            <a:avLst/>
-          </a:prstGeom>
-          <a:noFill/>
-          <a:ln>
-            <a:solidFill>
-              <a:schemeClr val="tx1"/>
-            </a:solidFill>
-          </a:ln>
-        </p:spPr>
-        <p:style>
-          <a:lnRef idx="2">
-            <a:schemeClr val="accent1">
-              <a:shade val="50000"/>
-            </a:schemeClr>
-          </a:lnRef>
-          <a:fillRef idx="1">
-            <a:schemeClr val="accent1"/>
-          </a:fillRef>
-          <a:effectRef idx="0">
-            <a:schemeClr val="accent1"/>
-          </a:effectRef>
-          <a:fontRef idx="minor">
-            <a:schemeClr val="lt1"/>
-          </a:fontRef>
-        </p:style>
-        <p:txBody>
-          <a:bodyPr rtlCol="0" anchor="ctr"/>
-          <a:lstStyle/>
-          <a:p>
-            <a:pPr algn="ctr"/>
-            <a:r>
-              <a:rPr lang="en-US" altLang="ja-JP" sz="1050" dirty="0">
-                <a:solidFill>
-                  <a:sysClr val="windowText" lastClr="000000"/>
-                </a:solidFill>
-              </a:rPr>
-              <a:t>Conv 3x3</a:t>
-            </a:r>
-            <a:endParaRPr lang="ja-JP" altLang="en-US" sz="1050" dirty="0">
-              <a:solidFill>
-                <a:sysClr val="windowText" lastClr="000000"/>
-              </a:solidFill>
-            </a:endParaRPr>
-          </a:p>
-        </p:txBody>
-      </p:sp>
-      <p:cxnSp>
-        <p:nvCxnSpPr>
-          <p:cNvPr id="18" name="直線矢印コネクタ 17">
-            <a:extLst>
-              <a:ext uri="{FF2B5EF4-FFF2-40B4-BE49-F238E27FC236}">
-                <a16:creationId xmlns:a16="http://schemas.microsoft.com/office/drawing/2014/main" id="{6B87C8EF-BEF4-46CE-9C09-D13FDC8C7ADE}"/>
-              </a:ext>
-            </a:extLst>
-          </p:cNvPr>
-          <p:cNvCxnSpPr>
-            <a:cxnSpLocks/>
-            <a:stCxn id="15" idx="2"/>
-            <a:endCxn id="17" idx="0"/>
-          </p:cNvCxnSpPr>
-          <p:nvPr/>
-        </p:nvCxnSpPr>
-        <p:spPr>
-          <a:xfrm>
-            <a:off x="5096070" y="2599076"/>
-            <a:ext cx="0" cy="230491"/>
-          </a:xfrm>
-          <a:prstGeom prst="straightConnector1">
-            <a:avLst/>
-          </a:prstGeom>
-          <a:ln>
-            <a:solidFill>
-              <a:schemeClr val="tx1"/>
-            </a:solidFill>
-            <a:tailEnd type="triangle"/>
-          </a:ln>
-        </p:spPr>
-        <p:style>
-          <a:lnRef idx="1">
-            <a:schemeClr val="accent1"/>
-          </a:lnRef>
-          <a:fillRef idx="0">
-            <a:schemeClr val="accent1"/>
-          </a:fillRef>
-          <a:effectRef idx="0">
-            <a:schemeClr val="accent1"/>
-          </a:effectRef>
-          <a:fontRef idx="minor">
-            <a:schemeClr val="tx1"/>
-          </a:fontRef>
-        </p:style>
-      </p:cxnSp>
-      <p:sp>
-        <p:nvSpPr>
-          <p:cNvPr id="19" name="テキスト ボックス 18">
-            <a:extLst>
-              <a:ext uri="{FF2B5EF4-FFF2-40B4-BE49-F238E27FC236}">
-                <a16:creationId xmlns:a16="http://schemas.microsoft.com/office/drawing/2014/main" id="{F836ADB9-0DD3-4E94-95AB-C95BB76F936E}"/>
-              </a:ext>
-            </a:extLst>
-          </p:cNvPr>
-          <p:cNvSpPr txBox="1"/>
-          <p:nvPr/>
-        </p:nvSpPr>
-        <p:spPr>
-          <a:xfrm>
-            <a:off x="5109009" y="2583846"/>
-            <a:ext cx="1189749" cy="238605"/>
-          </a:xfrm>
-          <a:prstGeom prst="rect">
-            <a:avLst/>
-          </a:prstGeom>
-          <a:noFill/>
-        </p:spPr>
-        <p:txBody>
-          <a:bodyPr wrap="none" rtlCol="0">
-            <a:spAutoFit/>
-          </a:bodyPr>
-          <a:lstStyle/>
-          <a:p>
-            <a:r>
-              <a:rPr lang="en-US" altLang="ja-JP" sz="1050" dirty="0"/>
-              <a:t>14x14x64 (1bit)</a:t>
-            </a:r>
-            <a:endParaRPr lang="ja-JP" altLang="en-US" sz="1050" dirty="0"/>
-          </a:p>
-        </p:txBody>
-      </p:sp>
-      <p:sp>
-        <p:nvSpPr>
-          <p:cNvPr id="20" name="正方形/長方形 19">
-            <a:extLst>
-              <a:ext uri="{FF2B5EF4-FFF2-40B4-BE49-F238E27FC236}">
-                <a16:creationId xmlns:a16="http://schemas.microsoft.com/office/drawing/2014/main" id="{FC1D7400-62D9-46A1-B3EE-183E915CF79E}"/>
-              </a:ext>
-            </a:extLst>
-          </p:cNvPr>
-          <p:cNvSpPr/>
-          <p:nvPr/>
-        </p:nvSpPr>
-        <p:spPr>
-          <a:xfrm>
-            <a:off x="4301127" y="3253254"/>
-            <a:ext cx="1589887" cy="212357"/>
-          </a:xfrm>
-          <a:prstGeom prst="rect">
-            <a:avLst/>
-          </a:prstGeom>
-          <a:noFill/>
-          <a:ln>
-            <a:solidFill>
-              <a:schemeClr val="tx1"/>
-            </a:solidFill>
-          </a:ln>
-        </p:spPr>
-        <p:style>
-          <a:lnRef idx="2">
-            <a:schemeClr val="accent1">
-              <a:shade val="50000"/>
-            </a:schemeClr>
-          </a:lnRef>
-          <a:fillRef idx="1">
-            <a:schemeClr val="accent1"/>
-          </a:fillRef>
-          <a:effectRef idx="0">
-            <a:schemeClr val="accent1"/>
-          </a:effectRef>
-          <a:fontRef idx="minor">
-            <a:schemeClr val="lt1"/>
-          </a:fontRef>
-        </p:style>
-        <p:txBody>
-          <a:bodyPr rtlCol="0" anchor="ctr"/>
-          <a:lstStyle/>
-          <a:p>
-            <a:pPr algn="ctr"/>
-            <a:r>
-              <a:rPr lang="en-US" altLang="ja-JP" sz="1050" dirty="0">
-                <a:solidFill>
-                  <a:sysClr val="windowText" lastClr="000000"/>
-                </a:solidFill>
-              </a:rPr>
-              <a:t>Conv 3x3</a:t>
-            </a:r>
-            <a:endParaRPr lang="ja-JP" altLang="en-US" sz="1050" dirty="0">
-              <a:solidFill>
-                <a:sysClr val="windowText" lastClr="000000"/>
-              </a:solidFill>
-            </a:endParaRPr>
-          </a:p>
-        </p:txBody>
-      </p:sp>
-      <p:cxnSp>
-        <p:nvCxnSpPr>
-          <p:cNvPr id="21" name="直線矢印コネクタ 20">
-            <a:extLst>
-              <a:ext uri="{FF2B5EF4-FFF2-40B4-BE49-F238E27FC236}">
-                <a16:creationId xmlns:a16="http://schemas.microsoft.com/office/drawing/2014/main" id="{AB4B745D-C5E0-4C58-BD5B-4151E827181C}"/>
-              </a:ext>
-            </a:extLst>
-          </p:cNvPr>
-          <p:cNvCxnSpPr>
-            <a:cxnSpLocks/>
-            <a:endCxn id="20" idx="0"/>
-          </p:cNvCxnSpPr>
-          <p:nvPr/>
-        </p:nvCxnSpPr>
-        <p:spPr>
-          <a:xfrm>
-            <a:off x="5096070" y="3041923"/>
-            <a:ext cx="0" cy="211331"/>
-          </a:xfrm>
-          <a:prstGeom prst="straightConnector1">
-            <a:avLst/>
-          </a:prstGeom>
-          <a:ln>
-            <a:solidFill>
-              <a:schemeClr val="tx1"/>
-            </a:solidFill>
-            <a:tailEnd type="triangle"/>
-          </a:ln>
-        </p:spPr>
-        <p:style>
-          <a:lnRef idx="1">
-            <a:schemeClr val="accent1"/>
-          </a:lnRef>
-          <a:fillRef idx="0">
-            <a:schemeClr val="accent1"/>
-          </a:fillRef>
-          <a:effectRef idx="0">
-            <a:schemeClr val="accent1"/>
-          </a:effectRef>
-          <a:fontRef idx="minor">
-            <a:schemeClr val="tx1"/>
-          </a:fontRef>
-        </p:style>
-      </p:cxnSp>
-      <p:sp>
-        <p:nvSpPr>
-          <p:cNvPr id="22" name="テキスト ボックス 21">
-            <a:extLst>
-              <a:ext uri="{FF2B5EF4-FFF2-40B4-BE49-F238E27FC236}">
-                <a16:creationId xmlns:a16="http://schemas.microsoft.com/office/drawing/2014/main" id="{3DFFA31B-19D7-4675-9136-830934998127}"/>
-              </a:ext>
-            </a:extLst>
-          </p:cNvPr>
-          <p:cNvSpPr txBox="1"/>
-          <p:nvPr/>
-        </p:nvSpPr>
-        <p:spPr>
-          <a:xfrm>
-            <a:off x="5109009" y="3041411"/>
-            <a:ext cx="1189749" cy="238605"/>
-          </a:xfrm>
-          <a:prstGeom prst="rect">
-            <a:avLst/>
-          </a:prstGeom>
-          <a:noFill/>
-        </p:spPr>
-        <p:txBody>
-          <a:bodyPr wrap="none" rtlCol="0">
-            <a:spAutoFit/>
-          </a:bodyPr>
-          <a:lstStyle/>
-          <a:p>
-            <a:r>
-              <a:rPr lang="en-US" altLang="ja-JP" sz="1050" dirty="0"/>
-              <a:t>12x12x64 (1bit)</a:t>
-            </a:r>
-            <a:endParaRPr lang="ja-JP" altLang="en-US" sz="1050" dirty="0"/>
-          </a:p>
-        </p:txBody>
-      </p:sp>
-      <p:cxnSp>
-        <p:nvCxnSpPr>
-          <p:cNvPr id="23" name="直線矢印コネクタ 22">
-            <a:extLst>
-              <a:ext uri="{FF2B5EF4-FFF2-40B4-BE49-F238E27FC236}">
-                <a16:creationId xmlns:a16="http://schemas.microsoft.com/office/drawing/2014/main" id="{75BEFFA0-0AB6-4557-9808-A8028ACD21CF}"/>
-              </a:ext>
-            </a:extLst>
-          </p:cNvPr>
-          <p:cNvCxnSpPr>
-            <a:cxnSpLocks/>
-            <a:stCxn id="20" idx="2"/>
-            <a:endCxn id="24" idx="0"/>
-          </p:cNvCxnSpPr>
-          <p:nvPr/>
-        </p:nvCxnSpPr>
-        <p:spPr>
-          <a:xfrm>
-            <a:off x="5096070" y="3465611"/>
-            <a:ext cx="0" cy="236526"/>
-          </a:xfrm>
-          <a:prstGeom prst="straightConnector1">
-            <a:avLst/>
-          </a:prstGeom>
-          <a:ln>
-            <a:solidFill>
-              <a:schemeClr val="tx1"/>
-            </a:solidFill>
-            <a:tailEnd type="triangle"/>
-          </a:ln>
-        </p:spPr>
-        <p:style>
-          <a:lnRef idx="1">
-            <a:schemeClr val="accent1"/>
-          </a:lnRef>
-          <a:fillRef idx="0">
-            <a:schemeClr val="accent1"/>
-          </a:fillRef>
-          <a:effectRef idx="0">
-            <a:schemeClr val="accent1"/>
-          </a:effectRef>
-          <a:fontRef idx="minor">
-            <a:schemeClr val="tx1"/>
-          </a:fontRef>
-        </p:style>
-      </p:cxnSp>
-      <p:sp>
-        <p:nvSpPr>
-          <p:cNvPr id="24" name="正方形/長方形 23">
-            <a:extLst>
-              <a:ext uri="{FF2B5EF4-FFF2-40B4-BE49-F238E27FC236}">
-                <a16:creationId xmlns:a16="http://schemas.microsoft.com/office/drawing/2014/main" id="{EB4745E2-2F8D-4610-B408-3F9B68A8B57F}"/>
-              </a:ext>
-            </a:extLst>
-          </p:cNvPr>
-          <p:cNvSpPr/>
-          <p:nvPr/>
-        </p:nvSpPr>
-        <p:spPr>
-          <a:xfrm>
-            <a:off x="4301127" y="3702137"/>
-            <a:ext cx="1589887" cy="212357"/>
-          </a:xfrm>
-          <a:prstGeom prst="rect">
-            <a:avLst/>
-          </a:prstGeom>
-          <a:noFill/>
-          <a:ln>
-            <a:solidFill>
-              <a:schemeClr val="tx1"/>
-            </a:solidFill>
-          </a:ln>
-        </p:spPr>
-        <p:style>
-          <a:lnRef idx="2">
-            <a:schemeClr val="accent1">
-              <a:shade val="50000"/>
-            </a:schemeClr>
-          </a:lnRef>
-          <a:fillRef idx="1">
-            <a:schemeClr val="accent1"/>
-          </a:fillRef>
-          <a:effectRef idx="0">
-            <a:schemeClr val="accent1"/>
-          </a:effectRef>
-          <a:fontRef idx="minor">
-            <a:schemeClr val="lt1"/>
-          </a:fontRef>
-        </p:style>
-        <p:txBody>
-          <a:bodyPr rtlCol="0" anchor="ctr"/>
-          <a:lstStyle/>
-          <a:p>
-            <a:pPr algn="ctr"/>
-            <a:r>
-              <a:rPr lang="en-US" altLang="ja-JP" sz="1050" dirty="0">
-                <a:solidFill>
-                  <a:sysClr val="windowText" lastClr="000000"/>
-                </a:solidFill>
-              </a:rPr>
-              <a:t>Max Pooling</a:t>
-            </a:r>
-            <a:endParaRPr lang="ja-JP" altLang="en-US" sz="1050" dirty="0">
-              <a:solidFill>
-                <a:sysClr val="windowText" lastClr="000000"/>
-              </a:solidFill>
-            </a:endParaRPr>
-          </a:p>
-        </p:txBody>
-      </p:sp>
-      <p:sp>
-        <p:nvSpPr>
-          <p:cNvPr id="25" name="テキスト ボックス 24">
-            <a:extLst>
-              <a:ext uri="{FF2B5EF4-FFF2-40B4-BE49-F238E27FC236}">
-                <a16:creationId xmlns:a16="http://schemas.microsoft.com/office/drawing/2014/main" id="{3C0DD514-D849-4DEB-BAF3-501D67B2827D}"/>
-              </a:ext>
-            </a:extLst>
-          </p:cNvPr>
-          <p:cNvSpPr txBox="1"/>
-          <p:nvPr/>
-        </p:nvSpPr>
-        <p:spPr>
-          <a:xfrm>
-            <a:off x="5109009" y="3464587"/>
-            <a:ext cx="1268296" cy="238605"/>
-          </a:xfrm>
-          <a:prstGeom prst="rect">
-            <a:avLst/>
-          </a:prstGeom>
-          <a:noFill/>
-        </p:spPr>
-        <p:txBody>
-          <a:bodyPr wrap="none" rtlCol="0">
-            <a:spAutoFit/>
-          </a:bodyPr>
-          <a:lstStyle/>
-          <a:p>
-            <a:r>
-              <a:rPr lang="en-US" altLang="ja-JP" sz="1050" dirty="0"/>
-              <a:t>10x10x128 (1bit)</a:t>
-            </a:r>
-            <a:endParaRPr lang="ja-JP" altLang="en-US" sz="1050" dirty="0"/>
-          </a:p>
-        </p:txBody>
-      </p:sp>
-      <p:sp>
-        <p:nvSpPr>
-          <p:cNvPr id="26" name="正方形/長方形 25">
-            <a:extLst>
-              <a:ext uri="{FF2B5EF4-FFF2-40B4-BE49-F238E27FC236}">
-                <a16:creationId xmlns:a16="http://schemas.microsoft.com/office/drawing/2014/main" id="{61CEF25D-BF23-4F65-8557-58B88510E3E9}"/>
-              </a:ext>
-            </a:extLst>
-          </p:cNvPr>
-          <p:cNvSpPr/>
-          <p:nvPr/>
-        </p:nvSpPr>
-        <p:spPr>
-          <a:xfrm>
-            <a:off x="4301127" y="4144984"/>
-            <a:ext cx="1589887" cy="212357"/>
-          </a:xfrm>
-          <a:prstGeom prst="rect">
-            <a:avLst/>
-          </a:prstGeom>
-          <a:noFill/>
-          <a:ln>
-            <a:solidFill>
-              <a:schemeClr val="tx1"/>
-            </a:solidFill>
-          </a:ln>
-        </p:spPr>
-        <p:style>
-          <a:lnRef idx="2">
-            <a:schemeClr val="accent1">
-              <a:shade val="50000"/>
-            </a:schemeClr>
-          </a:lnRef>
-          <a:fillRef idx="1">
-            <a:schemeClr val="accent1"/>
-          </a:fillRef>
-          <a:effectRef idx="0">
-            <a:schemeClr val="accent1"/>
-          </a:effectRef>
-          <a:fontRef idx="minor">
-            <a:schemeClr val="lt1"/>
-          </a:fontRef>
-        </p:style>
-        <p:txBody>
-          <a:bodyPr rtlCol="0" anchor="ctr"/>
-          <a:lstStyle/>
-          <a:p>
-            <a:pPr algn="ctr"/>
-            <a:r>
-              <a:rPr lang="en-US" altLang="ja-JP" sz="1050" dirty="0">
-                <a:solidFill>
-                  <a:sysClr val="windowText" lastClr="000000"/>
-                </a:solidFill>
-              </a:rPr>
-              <a:t>Conv 3x3</a:t>
-            </a:r>
-            <a:endParaRPr lang="ja-JP" altLang="en-US" sz="1050" dirty="0">
-              <a:solidFill>
-                <a:sysClr val="windowText" lastClr="000000"/>
-              </a:solidFill>
-            </a:endParaRPr>
-          </a:p>
-        </p:txBody>
-      </p:sp>
-      <p:cxnSp>
-        <p:nvCxnSpPr>
-          <p:cNvPr id="27" name="直線矢印コネクタ 26">
-            <a:extLst>
-              <a:ext uri="{FF2B5EF4-FFF2-40B4-BE49-F238E27FC236}">
-                <a16:creationId xmlns:a16="http://schemas.microsoft.com/office/drawing/2014/main" id="{734AF38A-CB83-4242-A583-61AC890B3700}"/>
-              </a:ext>
-            </a:extLst>
-          </p:cNvPr>
-          <p:cNvCxnSpPr>
-            <a:cxnSpLocks/>
-            <a:endCxn id="26" idx="0"/>
-          </p:cNvCxnSpPr>
-          <p:nvPr/>
-        </p:nvCxnSpPr>
-        <p:spPr>
-          <a:xfrm>
-            <a:off x="5096070" y="3914495"/>
-            <a:ext cx="0" cy="230491"/>
-          </a:xfrm>
-          <a:prstGeom prst="straightConnector1">
-            <a:avLst/>
-          </a:prstGeom>
-          <a:ln>
-            <a:solidFill>
-              <a:schemeClr val="tx1"/>
-            </a:solidFill>
-            <a:tailEnd type="triangle"/>
-          </a:ln>
-        </p:spPr>
-        <p:style>
-          <a:lnRef idx="1">
-            <a:schemeClr val="accent1"/>
-          </a:lnRef>
-          <a:fillRef idx="0">
-            <a:schemeClr val="accent1"/>
-          </a:fillRef>
-          <a:effectRef idx="0">
-            <a:schemeClr val="accent1"/>
-          </a:effectRef>
-          <a:fontRef idx="minor">
-            <a:schemeClr val="tx1"/>
-          </a:fontRef>
-        </p:style>
-      </p:cxnSp>
-      <p:sp>
-        <p:nvSpPr>
-          <p:cNvPr id="28" name="テキスト ボックス 27">
-            <a:extLst>
-              <a:ext uri="{FF2B5EF4-FFF2-40B4-BE49-F238E27FC236}">
-                <a16:creationId xmlns:a16="http://schemas.microsoft.com/office/drawing/2014/main" id="{DF165220-6B70-49D4-80F6-3EB96C619561}"/>
-              </a:ext>
-            </a:extLst>
-          </p:cNvPr>
-          <p:cNvSpPr txBox="1"/>
-          <p:nvPr/>
-        </p:nvSpPr>
-        <p:spPr>
-          <a:xfrm>
-            <a:off x="5109009" y="3899264"/>
-            <a:ext cx="1111202" cy="238605"/>
-          </a:xfrm>
-          <a:prstGeom prst="rect">
-            <a:avLst/>
-          </a:prstGeom>
-          <a:noFill/>
-        </p:spPr>
-        <p:txBody>
-          <a:bodyPr wrap="none" rtlCol="0">
-            <a:spAutoFit/>
-          </a:bodyPr>
-          <a:lstStyle/>
-          <a:p>
-            <a:r>
-              <a:rPr lang="en-US" altLang="ja-JP" sz="1050" dirty="0"/>
-              <a:t>5x5x128 (1bit)</a:t>
-            </a:r>
-            <a:endParaRPr lang="ja-JP" altLang="en-US" sz="1050" dirty="0"/>
-          </a:p>
-        </p:txBody>
-      </p:sp>
-      <p:sp>
-        <p:nvSpPr>
-          <p:cNvPr id="29" name="正方形/長方形 28">
-            <a:extLst>
-              <a:ext uri="{FF2B5EF4-FFF2-40B4-BE49-F238E27FC236}">
-                <a16:creationId xmlns:a16="http://schemas.microsoft.com/office/drawing/2014/main" id="{FE6FBA2D-F592-432D-8017-943EFC7B39B5}"/>
-              </a:ext>
-            </a:extLst>
-          </p:cNvPr>
-          <p:cNvSpPr/>
-          <p:nvPr/>
-        </p:nvSpPr>
-        <p:spPr>
-          <a:xfrm>
-            <a:off x="4301127" y="4568672"/>
-            <a:ext cx="1589887" cy="212357"/>
-          </a:xfrm>
-          <a:prstGeom prst="rect">
-            <a:avLst/>
-          </a:prstGeom>
-          <a:noFill/>
-          <a:ln>
-            <a:solidFill>
-              <a:schemeClr val="tx1"/>
-            </a:solidFill>
-          </a:ln>
-        </p:spPr>
-        <p:style>
-          <a:lnRef idx="2">
-            <a:schemeClr val="accent1">
-              <a:shade val="50000"/>
-            </a:schemeClr>
-          </a:lnRef>
-          <a:fillRef idx="1">
-            <a:schemeClr val="accent1"/>
-          </a:fillRef>
-          <a:effectRef idx="0">
-            <a:schemeClr val="accent1"/>
-          </a:effectRef>
-          <a:fontRef idx="minor">
-            <a:schemeClr val="lt1"/>
-          </a:fontRef>
-        </p:style>
-        <p:txBody>
-          <a:bodyPr rtlCol="0" anchor="ctr"/>
-          <a:lstStyle/>
-          <a:p>
-            <a:pPr algn="ctr"/>
-            <a:r>
-              <a:rPr lang="en-US" altLang="ja-JP" sz="1050" dirty="0">
-                <a:solidFill>
-                  <a:sysClr val="windowText" lastClr="000000"/>
-                </a:solidFill>
-              </a:rPr>
-              <a:t>Conv 3x3</a:t>
-            </a:r>
-            <a:endParaRPr lang="ja-JP" altLang="en-US" sz="1050" dirty="0">
-              <a:solidFill>
-                <a:sysClr val="windowText" lastClr="000000"/>
-              </a:solidFill>
-            </a:endParaRPr>
-          </a:p>
-        </p:txBody>
-      </p:sp>
-      <p:cxnSp>
-        <p:nvCxnSpPr>
-          <p:cNvPr id="30" name="直線矢印コネクタ 29">
-            <a:extLst>
-              <a:ext uri="{FF2B5EF4-FFF2-40B4-BE49-F238E27FC236}">
-                <a16:creationId xmlns:a16="http://schemas.microsoft.com/office/drawing/2014/main" id="{AC94A4F6-73F0-4EFF-88C7-E7706AEFE152}"/>
-              </a:ext>
-            </a:extLst>
-          </p:cNvPr>
-          <p:cNvCxnSpPr>
-            <a:cxnSpLocks/>
-            <a:endCxn id="29" idx="0"/>
-          </p:cNvCxnSpPr>
-          <p:nvPr/>
-        </p:nvCxnSpPr>
-        <p:spPr>
-          <a:xfrm>
-            <a:off x="5096070" y="4357341"/>
-            <a:ext cx="0" cy="211331"/>
-          </a:xfrm>
-          <a:prstGeom prst="straightConnector1">
-            <a:avLst/>
-          </a:prstGeom>
-          <a:ln>
-            <a:solidFill>
-              <a:schemeClr val="tx1"/>
-            </a:solidFill>
-            <a:tailEnd type="triangle"/>
-          </a:ln>
-        </p:spPr>
-        <p:style>
-          <a:lnRef idx="1">
-            <a:schemeClr val="accent1"/>
-          </a:lnRef>
-          <a:fillRef idx="0">
-            <a:schemeClr val="accent1"/>
-          </a:fillRef>
-          <a:effectRef idx="0">
-            <a:schemeClr val="accent1"/>
-          </a:effectRef>
-          <a:fontRef idx="minor">
-            <a:schemeClr val="tx1"/>
-          </a:fontRef>
-        </p:style>
-      </p:cxnSp>
-      <p:sp>
-        <p:nvSpPr>
-          <p:cNvPr id="31" name="テキスト ボックス 30">
-            <a:extLst>
-              <a:ext uri="{FF2B5EF4-FFF2-40B4-BE49-F238E27FC236}">
-                <a16:creationId xmlns:a16="http://schemas.microsoft.com/office/drawing/2014/main" id="{31750935-33C7-4D85-A091-755EC651912D}"/>
-              </a:ext>
-            </a:extLst>
-          </p:cNvPr>
-          <p:cNvSpPr txBox="1"/>
-          <p:nvPr/>
-        </p:nvSpPr>
-        <p:spPr>
-          <a:xfrm>
-            <a:off x="5109009" y="4356830"/>
-            <a:ext cx="1111202" cy="238605"/>
-          </a:xfrm>
-          <a:prstGeom prst="rect">
-            <a:avLst/>
-          </a:prstGeom>
-          <a:noFill/>
-        </p:spPr>
-        <p:txBody>
-          <a:bodyPr wrap="none" rtlCol="0">
-            <a:spAutoFit/>
-          </a:bodyPr>
-          <a:lstStyle/>
-          <a:p>
-            <a:r>
-              <a:rPr lang="en-US" altLang="ja-JP" sz="1050" dirty="0"/>
-              <a:t>3x3x128 (1bit)</a:t>
-            </a:r>
-            <a:endParaRPr lang="ja-JP" altLang="en-US" sz="1050" dirty="0"/>
-          </a:p>
-        </p:txBody>
-      </p:sp>
-      <p:cxnSp>
-        <p:nvCxnSpPr>
-          <p:cNvPr id="32" name="直線矢印コネクタ 31">
-            <a:extLst>
-              <a:ext uri="{FF2B5EF4-FFF2-40B4-BE49-F238E27FC236}">
-                <a16:creationId xmlns:a16="http://schemas.microsoft.com/office/drawing/2014/main" id="{B6C6CD67-39D2-49AE-A16E-381B8049CF67}"/>
-              </a:ext>
-            </a:extLst>
-          </p:cNvPr>
-          <p:cNvCxnSpPr>
-            <a:cxnSpLocks/>
-            <a:stCxn id="29" idx="2"/>
-            <a:endCxn id="33" idx="0"/>
-          </p:cNvCxnSpPr>
-          <p:nvPr/>
-        </p:nvCxnSpPr>
-        <p:spPr>
-          <a:xfrm>
-            <a:off x="5096070" y="4781029"/>
-            <a:ext cx="0" cy="236526"/>
-          </a:xfrm>
-          <a:prstGeom prst="straightConnector1">
-            <a:avLst/>
-          </a:prstGeom>
-          <a:ln>
-            <a:solidFill>
-              <a:schemeClr val="tx1"/>
-            </a:solidFill>
-            <a:tailEnd type="triangle"/>
-          </a:ln>
-        </p:spPr>
-        <p:style>
-          <a:lnRef idx="1">
-            <a:schemeClr val="accent1"/>
-          </a:lnRef>
-          <a:fillRef idx="0">
-            <a:schemeClr val="accent1"/>
-          </a:fillRef>
-          <a:effectRef idx="0">
-            <a:schemeClr val="accent1"/>
-          </a:effectRef>
-          <a:fontRef idx="minor">
-            <a:schemeClr val="tx1"/>
-          </a:fontRef>
-        </p:style>
-      </p:cxnSp>
-      <p:sp>
-        <p:nvSpPr>
-          <p:cNvPr id="33" name="正方形/長方形 32">
-            <a:extLst>
-              <a:ext uri="{FF2B5EF4-FFF2-40B4-BE49-F238E27FC236}">
-                <a16:creationId xmlns:a16="http://schemas.microsoft.com/office/drawing/2014/main" id="{68DF3CB2-C3FF-47FB-9BA4-35E6B2B8C207}"/>
-              </a:ext>
-            </a:extLst>
-          </p:cNvPr>
-          <p:cNvSpPr/>
-          <p:nvPr/>
-        </p:nvSpPr>
-        <p:spPr>
-          <a:xfrm>
-            <a:off x="4301127" y="5017555"/>
-            <a:ext cx="1589887" cy="212357"/>
-          </a:xfrm>
-          <a:prstGeom prst="rect">
-            <a:avLst/>
-          </a:prstGeom>
-          <a:noFill/>
-          <a:ln>
-            <a:solidFill>
-              <a:schemeClr val="tx1"/>
-            </a:solidFill>
-          </a:ln>
-        </p:spPr>
-        <p:style>
-          <a:lnRef idx="2">
-            <a:schemeClr val="accent1">
-              <a:shade val="50000"/>
-            </a:schemeClr>
-          </a:lnRef>
-          <a:fillRef idx="1">
-            <a:schemeClr val="accent1"/>
-          </a:fillRef>
-          <a:effectRef idx="0">
-            <a:schemeClr val="accent1"/>
-          </a:effectRef>
-          <a:fontRef idx="minor">
-            <a:schemeClr val="lt1"/>
-          </a:fontRef>
-        </p:style>
-        <p:txBody>
-          <a:bodyPr rtlCol="0" anchor="ctr"/>
-          <a:lstStyle/>
-          <a:p>
-            <a:pPr algn="ctr"/>
-            <a:r>
-              <a:rPr lang="en-US" altLang="ja-JP" sz="1050" dirty="0">
-                <a:solidFill>
-                  <a:sysClr val="windowText" lastClr="000000"/>
-                </a:solidFill>
-              </a:rPr>
-              <a:t>Conv 1x1</a:t>
-            </a:r>
-            <a:endParaRPr lang="ja-JP" altLang="en-US" sz="1050" dirty="0">
-              <a:solidFill>
-                <a:sysClr val="windowText" lastClr="000000"/>
-              </a:solidFill>
-            </a:endParaRPr>
-          </a:p>
-        </p:txBody>
-      </p:sp>
-      <p:sp>
-        <p:nvSpPr>
-          <p:cNvPr id="34" name="テキスト ボックス 33">
-            <a:extLst>
-              <a:ext uri="{FF2B5EF4-FFF2-40B4-BE49-F238E27FC236}">
-                <a16:creationId xmlns:a16="http://schemas.microsoft.com/office/drawing/2014/main" id="{4CE532CE-2185-498E-B078-8332AD18DA08}"/>
-              </a:ext>
-            </a:extLst>
-          </p:cNvPr>
-          <p:cNvSpPr txBox="1"/>
-          <p:nvPr/>
-        </p:nvSpPr>
-        <p:spPr>
-          <a:xfrm>
-            <a:off x="5109009" y="4780006"/>
-            <a:ext cx="1111202" cy="238605"/>
-          </a:xfrm>
-          <a:prstGeom prst="rect">
-            <a:avLst/>
-          </a:prstGeom>
-          <a:noFill/>
-        </p:spPr>
-        <p:txBody>
-          <a:bodyPr wrap="none" rtlCol="0">
-            <a:spAutoFit/>
-          </a:bodyPr>
-          <a:lstStyle/>
-          <a:p>
-            <a:r>
-              <a:rPr lang="en-US" altLang="ja-JP" sz="1050" dirty="0"/>
-              <a:t>1x1x256 (1bit)</a:t>
-            </a:r>
-            <a:endParaRPr lang="ja-JP" altLang="en-US" sz="1050" dirty="0"/>
-          </a:p>
-        </p:txBody>
-      </p:sp>
-      <p:sp>
-        <p:nvSpPr>
-          <p:cNvPr id="35" name="正方形/長方形 34">
-            <a:extLst>
-              <a:ext uri="{FF2B5EF4-FFF2-40B4-BE49-F238E27FC236}">
-                <a16:creationId xmlns:a16="http://schemas.microsoft.com/office/drawing/2014/main" id="{DF35145D-AB72-471A-86B7-42E0DD6ED5EA}"/>
-              </a:ext>
-            </a:extLst>
-          </p:cNvPr>
-          <p:cNvSpPr/>
-          <p:nvPr/>
-        </p:nvSpPr>
-        <p:spPr>
-          <a:xfrm>
-            <a:off x="4301126" y="5449415"/>
-            <a:ext cx="1589887" cy="212357"/>
-          </a:xfrm>
-          <a:prstGeom prst="rect">
-            <a:avLst/>
-          </a:prstGeom>
-          <a:noFill/>
-          <a:ln>
-            <a:solidFill>
-              <a:schemeClr val="tx1"/>
-            </a:solidFill>
-          </a:ln>
-        </p:spPr>
-        <p:style>
-          <a:lnRef idx="2">
-            <a:schemeClr val="accent1">
-              <a:shade val="50000"/>
-            </a:schemeClr>
-          </a:lnRef>
-          <a:fillRef idx="1">
-            <a:schemeClr val="accent1"/>
-          </a:fillRef>
-          <a:effectRef idx="0">
-            <a:schemeClr val="accent1"/>
-          </a:effectRef>
-          <a:fontRef idx="minor">
-            <a:schemeClr val="lt1"/>
-          </a:fontRef>
-        </p:style>
-        <p:txBody>
-          <a:bodyPr rtlCol="0" anchor="ctr"/>
-          <a:lstStyle/>
-          <a:p>
-            <a:pPr algn="ctr"/>
-            <a:r>
-              <a:rPr lang="en-US" altLang="ja-JP" sz="1050" dirty="0">
-                <a:solidFill>
-                  <a:sysClr val="windowText" lastClr="000000"/>
-                </a:solidFill>
-              </a:rPr>
-              <a:t>Conv 1x1</a:t>
-            </a:r>
-            <a:endParaRPr lang="ja-JP" altLang="en-US" sz="1050" dirty="0">
-              <a:solidFill>
-                <a:sysClr val="windowText" lastClr="000000"/>
-              </a:solidFill>
-            </a:endParaRPr>
-          </a:p>
-        </p:txBody>
-      </p:sp>
-      <p:cxnSp>
-        <p:nvCxnSpPr>
-          <p:cNvPr id="36" name="直線矢印コネクタ 35">
-            <a:extLst>
-              <a:ext uri="{FF2B5EF4-FFF2-40B4-BE49-F238E27FC236}">
-                <a16:creationId xmlns:a16="http://schemas.microsoft.com/office/drawing/2014/main" id="{FBC61574-5225-4AD1-975A-E0BD282CE45C}"/>
-              </a:ext>
-            </a:extLst>
-          </p:cNvPr>
-          <p:cNvCxnSpPr>
-            <a:cxnSpLocks/>
-            <a:endCxn id="35" idx="0"/>
-          </p:cNvCxnSpPr>
-          <p:nvPr/>
-        </p:nvCxnSpPr>
-        <p:spPr>
-          <a:xfrm>
-            <a:off x="5096069" y="5238083"/>
-            <a:ext cx="0" cy="211331"/>
-          </a:xfrm>
-          <a:prstGeom prst="straightConnector1">
-            <a:avLst/>
-          </a:prstGeom>
-          <a:ln>
-            <a:solidFill>
-              <a:schemeClr val="tx1"/>
-            </a:solidFill>
-            <a:tailEnd type="triangle"/>
-          </a:ln>
-        </p:spPr>
-        <p:style>
-          <a:lnRef idx="1">
-            <a:schemeClr val="accent1"/>
-          </a:lnRef>
-          <a:fillRef idx="0">
-            <a:schemeClr val="accent1"/>
-          </a:fillRef>
-          <a:effectRef idx="0">
-            <a:schemeClr val="accent1"/>
-          </a:effectRef>
-          <a:fontRef idx="minor">
-            <a:schemeClr val="tx1"/>
-          </a:fontRef>
-        </p:style>
-      </p:cxnSp>
-      <p:sp>
-        <p:nvSpPr>
-          <p:cNvPr id="37" name="テキスト ボックス 36">
-            <a:extLst>
-              <a:ext uri="{FF2B5EF4-FFF2-40B4-BE49-F238E27FC236}">
-                <a16:creationId xmlns:a16="http://schemas.microsoft.com/office/drawing/2014/main" id="{1342422D-3DDA-463F-B7A0-06C50496D359}"/>
-              </a:ext>
-            </a:extLst>
-          </p:cNvPr>
-          <p:cNvSpPr txBox="1"/>
-          <p:nvPr/>
-        </p:nvSpPr>
-        <p:spPr>
-          <a:xfrm>
-            <a:off x="5109008" y="5237572"/>
-            <a:ext cx="1071127" cy="253916"/>
-          </a:xfrm>
-          <a:prstGeom prst="rect">
-            <a:avLst/>
-          </a:prstGeom>
-          <a:noFill/>
-        </p:spPr>
-        <p:txBody>
-          <a:bodyPr wrap="none" rtlCol="0">
-            <a:spAutoFit/>
-          </a:bodyPr>
-          <a:lstStyle/>
-          <a:p>
-            <a:r>
-              <a:rPr lang="en-US" altLang="ja-JP" sz="1050" dirty="0"/>
-              <a:t>1x1x512 (1bit)</a:t>
-            </a:r>
-            <a:endParaRPr lang="ja-JP" altLang="en-US" sz="1050" dirty="0"/>
-          </a:p>
-        </p:txBody>
-      </p:sp>
-      <p:cxnSp>
-        <p:nvCxnSpPr>
-          <p:cNvPr id="38" name="直線矢印コネクタ 37">
-            <a:extLst>
-              <a:ext uri="{FF2B5EF4-FFF2-40B4-BE49-F238E27FC236}">
-                <a16:creationId xmlns:a16="http://schemas.microsoft.com/office/drawing/2014/main" id="{D1835A6E-7F73-4B3D-AB77-BBA7E2D6F428}"/>
-              </a:ext>
-            </a:extLst>
-          </p:cNvPr>
-          <p:cNvCxnSpPr>
-            <a:cxnSpLocks/>
-            <a:stCxn id="35" idx="2"/>
-          </p:cNvCxnSpPr>
-          <p:nvPr/>
-        </p:nvCxnSpPr>
-        <p:spPr>
-          <a:xfrm flipH="1">
-            <a:off x="5096069" y="5661772"/>
-            <a:ext cx="1" cy="369751"/>
-          </a:xfrm>
-          <a:prstGeom prst="straightConnector1">
-            <a:avLst/>
-          </a:prstGeom>
-          <a:ln>
-            <a:solidFill>
-              <a:schemeClr val="tx1"/>
-            </a:solidFill>
-            <a:tailEnd type="triangle"/>
-          </a:ln>
-        </p:spPr>
-        <p:style>
-          <a:lnRef idx="1">
-            <a:schemeClr val="accent1"/>
-          </a:lnRef>
-          <a:fillRef idx="0">
-            <a:schemeClr val="accent1"/>
-          </a:fillRef>
-          <a:effectRef idx="0">
-            <a:schemeClr val="accent1"/>
-          </a:effectRef>
-          <a:fontRef idx="minor">
-            <a:schemeClr val="tx1"/>
-          </a:fontRef>
-        </p:style>
-      </p:cxnSp>
-      <p:sp>
-        <p:nvSpPr>
-          <p:cNvPr id="40" name="テキスト ボックス 39">
-            <a:extLst>
-              <a:ext uri="{FF2B5EF4-FFF2-40B4-BE49-F238E27FC236}">
-                <a16:creationId xmlns:a16="http://schemas.microsoft.com/office/drawing/2014/main" id="{8D57AD87-41B5-4D8D-BEB9-DD241F54DE66}"/>
-              </a:ext>
-            </a:extLst>
-          </p:cNvPr>
-          <p:cNvSpPr txBox="1"/>
-          <p:nvPr/>
-        </p:nvSpPr>
-        <p:spPr>
-          <a:xfrm>
-            <a:off x="5109008" y="5703331"/>
-            <a:ext cx="995785" cy="253916"/>
-          </a:xfrm>
-          <a:prstGeom prst="rect">
-            <a:avLst/>
-          </a:prstGeom>
-          <a:noFill/>
-        </p:spPr>
-        <p:txBody>
-          <a:bodyPr wrap="none" rtlCol="0">
-            <a:spAutoFit/>
-          </a:bodyPr>
-          <a:lstStyle/>
-          <a:p>
-            <a:r>
-              <a:rPr lang="en-US" altLang="ja-JP" sz="1050" dirty="0"/>
-              <a:t>1x1x10 (1bit)</a:t>
-            </a:r>
-            <a:endParaRPr lang="ja-JP" altLang="en-US" sz="1050" dirty="0"/>
-          </a:p>
-        </p:txBody>
-      </p:sp>
-      <p:sp>
-        <p:nvSpPr>
-          <p:cNvPr id="42" name="正方形/長方形 41">
-            <a:extLst>
-              <a:ext uri="{FF2B5EF4-FFF2-40B4-BE49-F238E27FC236}">
-                <a16:creationId xmlns:a16="http://schemas.microsoft.com/office/drawing/2014/main" id="{5DED0F24-4CE2-4DA7-98FE-D993A422E071}"/>
-              </a:ext>
-            </a:extLst>
-          </p:cNvPr>
-          <p:cNvSpPr/>
-          <p:nvPr/>
-        </p:nvSpPr>
-        <p:spPr>
-          <a:xfrm>
-            <a:off x="1055097" y="1851804"/>
-            <a:ext cx="1894726" cy="230745"/>
-          </a:xfrm>
-          <a:prstGeom prst="rect">
-            <a:avLst/>
-          </a:prstGeom>
-          <a:noFill/>
-          <a:ln>
-            <a:solidFill>
-              <a:schemeClr val="tx1"/>
-            </a:solidFill>
-          </a:ln>
-        </p:spPr>
-        <p:style>
-          <a:lnRef idx="2">
-            <a:schemeClr val="accent1">
-              <a:shade val="50000"/>
-            </a:schemeClr>
-          </a:lnRef>
-          <a:fillRef idx="1">
-            <a:schemeClr val="accent1"/>
-          </a:fillRef>
-          <a:effectRef idx="0">
-            <a:schemeClr val="accent1"/>
-          </a:effectRef>
-          <a:fontRef idx="minor">
-            <a:schemeClr val="lt1"/>
-          </a:fontRef>
-        </p:style>
-        <p:txBody>
-          <a:bodyPr rtlCol="0" anchor="ctr"/>
-          <a:lstStyle/>
-          <a:p>
-            <a:pPr algn="ctr"/>
-            <a:r>
-              <a:rPr lang="en-US" altLang="ja-JP" sz="1050" dirty="0">
-                <a:solidFill>
-                  <a:sysClr val="windowText" lastClr="000000"/>
-                </a:solidFill>
-              </a:rPr>
-              <a:t>Im2col  (3x3)</a:t>
-            </a:r>
-            <a:endParaRPr lang="ja-JP" altLang="en-US" sz="1050" dirty="0">
-              <a:solidFill>
-                <a:sysClr val="windowText" lastClr="000000"/>
-              </a:solidFill>
-            </a:endParaRPr>
-          </a:p>
-        </p:txBody>
-      </p:sp>
-      <p:sp>
-        <p:nvSpPr>
-          <p:cNvPr id="43" name="正方形/長方形 42">
-            <a:extLst>
-              <a:ext uri="{FF2B5EF4-FFF2-40B4-BE49-F238E27FC236}">
-                <a16:creationId xmlns:a16="http://schemas.microsoft.com/office/drawing/2014/main" id="{7B0B6399-8C2B-4258-B1A7-AE21E9C66603}"/>
-              </a:ext>
-            </a:extLst>
-          </p:cNvPr>
-          <p:cNvSpPr/>
-          <p:nvPr/>
-        </p:nvSpPr>
-        <p:spPr>
-          <a:xfrm>
-            <a:off x="1055097" y="2309205"/>
-            <a:ext cx="1894726" cy="215427"/>
-          </a:xfrm>
-          <a:prstGeom prst="rect">
-            <a:avLst/>
-          </a:prstGeom>
-          <a:noFill/>
-          <a:ln>
-            <a:solidFill>
-              <a:schemeClr val="tx1"/>
-            </a:solidFill>
-          </a:ln>
-        </p:spPr>
-        <p:style>
-          <a:lnRef idx="2">
-            <a:schemeClr val="accent1">
-              <a:shade val="50000"/>
-            </a:schemeClr>
-          </a:lnRef>
-          <a:fillRef idx="1">
-            <a:schemeClr val="accent1"/>
-          </a:fillRef>
-          <a:effectRef idx="0">
-            <a:schemeClr val="accent1"/>
-          </a:effectRef>
-          <a:fontRef idx="minor">
-            <a:schemeClr val="lt1"/>
-          </a:fontRef>
-        </p:style>
-        <p:txBody>
-          <a:bodyPr rtlCol="0" anchor="ctr"/>
-          <a:lstStyle/>
-          <a:p>
-            <a:pPr algn="ctr"/>
-            <a:r>
-              <a:rPr lang="en-US" altLang="ja-JP" sz="1050" dirty="0">
-                <a:solidFill>
-                  <a:sysClr val="windowText" lastClr="000000"/>
-                </a:solidFill>
-              </a:rPr>
-              <a:t>Dense Affine</a:t>
-            </a:r>
-            <a:endParaRPr lang="ja-JP" altLang="en-US" sz="1050" dirty="0">
-              <a:solidFill>
-                <a:sysClr val="windowText" lastClr="000000"/>
-              </a:solidFill>
-            </a:endParaRPr>
-          </a:p>
-        </p:txBody>
-      </p:sp>
-      <p:sp>
-        <p:nvSpPr>
-          <p:cNvPr id="44" name="正方形/長方形 43">
-            <a:extLst>
-              <a:ext uri="{FF2B5EF4-FFF2-40B4-BE49-F238E27FC236}">
-                <a16:creationId xmlns:a16="http://schemas.microsoft.com/office/drawing/2014/main" id="{6AD898A4-17AA-4A53-AB22-5334B7CE8A67}"/>
-              </a:ext>
-            </a:extLst>
-          </p:cNvPr>
-          <p:cNvSpPr/>
-          <p:nvPr/>
-        </p:nvSpPr>
-        <p:spPr>
-          <a:xfrm>
-            <a:off x="1055097" y="2748007"/>
-            <a:ext cx="1894726" cy="226657"/>
-          </a:xfrm>
-          <a:prstGeom prst="rect">
-            <a:avLst/>
-          </a:prstGeom>
-          <a:noFill/>
-          <a:ln>
-            <a:solidFill>
-              <a:schemeClr val="tx1"/>
-            </a:solidFill>
-          </a:ln>
-        </p:spPr>
-        <p:style>
-          <a:lnRef idx="2">
-            <a:schemeClr val="accent1">
-              <a:shade val="50000"/>
-            </a:schemeClr>
-          </a:lnRef>
-          <a:fillRef idx="1">
-            <a:schemeClr val="accent1"/>
-          </a:fillRef>
-          <a:effectRef idx="0">
-            <a:schemeClr val="accent1"/>
-          </a:effectRef>
-          <a:fontRef idx="minor">
-            <a:schemeClr val="lt1"/>
-          </a:fontRef>
-        </p:style>
-        <p:txBody>
-          <a:bodyPr rtlCol="0" anchor="ctr"/>
-          <a:lstStyle/>
-          <a:p>
-            <a:pPr algn="ctr"/>
-            <a:r>
-              <a:rPr lang="en-US" altLang="ja-JP" sz="1050" dirty="0">
-                <a:solidFill>
-                  <a:sysClr val="windowText" lastClr="000000"/>
-                </a:solidFill>
-              </a:rPr>
-              <a:t>Batch Normalization</a:t>
-            </a:r>
-            <a:endParaRPr lang="ja-JP" altLang="en-US" sz="1050" dirty="0">
-              <a:solidFill>
-                <a:sysClr val="windowText" lastClr="000000"/>
-              </a:solidFill>
-            </a:endParaRPr>
-          </a:p>
-        </p:txBody>
-      </p:sp>
-      <p:sp>
-        <p:nvSpPr>
-          <p:cNvPr id="45" name="正方形/長方形 44">
-            <a:extLst>
-              <a:ext uri="{FF2B5EF4-FFF2-40B4-BE49-F238E27FC236}">
-                <a16:creationId xmlns:a16="http://schemas.microsoft.com/office/drawing/2014/main" id="{36EB3E9F-08C6-4C73-83B3-6AF5B5EA021C}"/>
-              </a:ext>
-            </a:extLst>
-          </p:cNvPr>
-          <p:cNvSpPr/>
-          <p:nvPr/>
-        </p:nvSpPr>
-        <p:spPr>
-          <a:xfrm>
-            <a:off x="1055097" y="3190091"/>
-            <a:ext cx="1894726" cy="218708"/>
-          </a:xfrm>
-          <a:prstGeom prst="rect">
-            <a:avLst/>
-          </a:prstGeom>
-          <a:noFill/>
-          <a:ln>
-            <a:solidFill>
-              <a:schemeClr val="tx1"/>
-            </a:solidFill>
-          </a:ln>
-        </p:spPr>
-        <p:style>
-          <a:lnRef idx="2">
-            <a:schemeClr val="accent1">
-              <a:shade val="50000"/>
-            </a:schemeClr>
-          </a:lnRef>
-          <a:fillRef idx="1">
-            <a:schemeClr val="accent1"/>
-          </a:fillRef>
-          <a:effectRef idx="0">
-            <a:schemeClr val="accent1"/>
-          </a:effectRef>
-          <a:fontRef idx="minor">
-            <a:schemeClr val="lt1"/>
-          </a:fontRef>
-        </p:style>
-        <p:txBody>
-          <a:bodyPr rtlCol="0" anchor="ctr"/>
-          <a:lstStyle/>
-          <a:p>
-            <a:pPr algn="ctr"/>
-            <a:r>
-              <a:rPr lang="en-US" altLang="ja-JP" sz="1050" dirty="0">
-                <a:solidFill>
-                  <a:sysClr val="windowText" lastClr="000000"/>
-                </a:solidFill>
-              </a:rPr>
-              <a:t>Binarize</a:t>
-            </a:r>
-            <a:endParaRPr lang="ja-JP" altLang="en-US" sz="1050" dirty="0">
-              <a:solidFill>
-                <a:sysClr val="windowText" lastClr="000000"/>
-              </a:solidFill>
-            </a:endParaRPr>
-          </a:p>
-        </p:txBody>
-      </p:sp>
-      <p:sp>
-        <p:nvSpPr>
-          <p:cNvPr id="46" name="正方形/長方形 45">
-            <a:extLst>
-              <a:ext uri="{FF2B5EF4-FFF2-40B4-BE49-F238E27FC236}">
-                <a16:creationId xmlns:a16="http://schemas.microsoft.com/office/drawing/2014/main" id="{A4EF05E3-1432-4F3C-954E-67C381717667}"/>
-              </a:ext>
-            </a:extLst>
-          </p:cNvPr>
-          <p:cNvSpPr/>
-          <p:nvPr/>
-        </p:nvSpPr>
-        <p:spPr>
-          <a:xfrm>
-            <a:off x="1055096" y="3632174"/>
-            <a:ext cx="1894726" cy="251163"/>
-          </a:xfrm>
-          <a:prstGeom prst="rect">
-            <a:avLst/>
-          </a:prstGeom>
-          <a:noFill/>
-          <a:ln>
-            <a:solidFill>
-              <a:schemeClr val="tx1"/>
-            </a:solidFill>
-          </a:ln>
-        </p:spPr>
-        <p:style>
-          <a:lnRef idx="2">
-            <a:schemeClr val="accent1">
-              <a:shade val="50000"/>
-            </a:schemeClr>
-          </a:lnRef>
-          <a:fillRef idx="1">
-            <a:schemeClr val="accent1"/>
-          </a:fillRef>
-          <a:effectRef idx="0">
-            <a:schemeClr val="accent1"/>
-          </a:effectRef>
-          <a:fontRef idx="minor">
-            <a:schemeClr val="lt1"/>
-          </a:fontRef>
-        </p:style>
-        <p:txBody>
-          <a:bodyPr rtlCol="0" anchor="ctr"/>
-          <a:lstStyle/>
-          <a:p>
-            <a:pPr algn="ctr"/>
-            <a:r>
-              <a:rPr lang="en-US" altLang="ja-JP" sz="1050" dirty="0">
-                <a:solidFill>
-                  <a:sysClr val="windowText" lastClr="000000"/>
-                </a:solidFill>
-              </a:rPr>
-              <a:t>col2im</a:t>
-            </a:r>
-            <a:endParaRPr lang="ja-JP" altLang="en-US" sz="1050" dirty="0">
-              <a:solidFill>
-                <a:sysClr val="windowText" lastClr="000000"/>
-              </a:solidFill>
-            </a:endParaRPr>
-          </a:p>
-        </p:txBody>
-      </p:sp>
-      <p:sp>
-        <p:nvSpPr>
-          <p:cNvPr id="48" name="正方形/長方形 47">
-            <a:extLst>
-              <a:ext uri="{FF2B5EF4-FFF2-40B4-BE49-F238E27FC236}">
-                <a16:creationId xmlns:a16="http://schemas.microsoft.com/office/drawing/2014/main" id="{67870BFE-D50D-4719-9283-AB7847D9BFE4}"/>
-              </a:ext>
-            </a:extLst>
-          </p:cNvPr>
-          <p:cNvSpPr/>
-          <p:nvPr/>
-        </p:nvSpPr>
-        <p:spPr>
-          <a:xfrm>
-            <a:off x="738554" y="1505976"/>
-            <a:ext cx="2523385" cy="2631893"/>
-          </a:xfrm>
-          <a:prstGeom prst="rect">
-            <a:avLst/>
-          </a:prstGeom>
-          <a:noFill/>
-          <a:ln>
-            <a:solidFill>
-              <a:schemeClr val="tx1"/>
-            </a:solidFill>
-            <a:prstDash val="sysDot"/>
-          </a:ln>
-        </p:spPr>
-        <p:style>
-          <a:lnRef idx="2">
-            <a:schemeClr val="accent1">
-              <a:shade val="50000"/>
-            </a:schemeClr>
-          </a:lnRef>
-          <a:fillRef idx="1">
-            <a:schemeClr val="accent1"/>
-          </a:fillRef>
-          <a:effectRef idx="0">
-            <a:schemeClr val="accent1"/>
-          </a:effectRef>
-          <a:fontRef idx="minor">
-            <a:schemeClr val="lt1"/>
-          </a:fontRef>
-        </p:style>
-        <p:txBody>
-          <a:bodyPr rtlCol="0" anchor="ctr"/>
-          <a:lstStyle/>
-          <a:p>
-            <a:pPr algn="ctr"/>
-            <a:endParaRPr kumimoji="1" lang="ja-JP" altLang="en-US" sz="1050"/>
-          </a:p>
-        </p:txBody>
-      </p:sp>
-      <p:cxnSp>
-        <p:nvCxnSpPr>
-          <p:cNvPr id="50" name="直線コネクタ 49">
-            <a:extLst>
-              <a:ext uri="{FF2B5EF4-FFF2-40B4-BE49-F238E27FC236}">
-                <a16:creationId xmlns:a16="http://schemas.microsoft.com/office/drawing/2014/main" id="{D99DBEBF-A6AF-4102-B1E0-3748C5BEB3C3}"/>
-              </a:ext>
-            </a:extLst>
-          </p:cNvPr>
-          <p:cNvCxnSpPr>
-            <a:cxnSpLocks/>
-          </p:cNvCxnSpPr>
-          <p:nvPr/>
-        </p:nvCxnSpPr>
-        <p:spPr>
-          <a:xfrm flipH="1" flipV="1">
-            <a:off x="3261939" y="1505976"/>
-            <a:ext cx="1026250" cy="431859"/>
-          </a:xfrm>
-          <a:prstGeom prst="line">
-            <a:avLst/>
-          </a:prstGeom>
-          <a:ln>
-            <a:solidFill>
-              <a:schemeClr val="tx1"/>
-            </a:solidFill>
-            <a:prstDash val="sysDot"/>
-          </a:ln>
-        </p:spPr>
-        <p:style>
-          <a:lnRef idx="1">
-            <a:schemeClr val="accent1"/>
-          </a:lnRef>
-          <a:fillRef idx="0">
-            <a:schemeClr val="accent1"/>
-          </a:fillRef>
-          <a:effectRef idx="0">
-            <a:schemeClr val="accent1"/>
-          </a:effectRef>
-          <a:fontRef idx="minor">
-            <a:schemeClr val="tx1"/>
-          </a:fontRef>
-        </p:style>
-      </p:cxnSp>
-      <p:cxnSp>
-        <p:nvCxnSpPr>
-          <p:cNvPr id="52" name="直線コネクタ 51">
-            <a:extLst>
-              <a:ext uri="{FF2B5EF4-FFF2-40B4-BE49-F238E27FC236}">
-                <a16:creationId xmlns:a16="http://schemas.microsoft.com/office/drawing/2014/main" id="{78EFAB2C-1DD5-411B-BE5C-1BE92329823D}"/>
-              </a:ext>
-            </a:extLst>
-          </p:cNvPr>
-          <p:cNvCxnSpPr>
-            <a:cxnSpLocks/>
-          </p:cNvCxnSpPr>
-          <p:nvPr/>
-        </p:nvCxnSpPr>
-        <p:spPr>
-          <a:xfrm flipH="1">
-            <a:off x="3261939" y="2158988"/>
-            <a:ext cx="1026250" cy="1985995"/>
-          </a:xfrm>
-          <a:prstGeom prst="line">
-            <a:avLst/>
-          </a:prstGeom>
-          <a:ln>
-            <a:solidFill>
-              <a:schemeClr val="tx1"/>
-            </a:solidFill>
-            <a:prstDash val="sysDot"/>
-          </a:ln>
-        </p:spPr>
-        <p:style>
-          <a:lnRef idx="1">
-            <a:schemeClr val="accent1"/>
-          </a:lnRef>
-          <a:fillRef idx="0">
-            <a:schemeClr val="accent1"/>
-          </a:fillRef>
-          <a:effectRef idx="0">
-            <a:schemeClr val="accent1"/>
-          </a:effectRef>
-          <a:fontRef idx="minor">
-            <a:schemeClr val="tx1"/>
-          </a:fontRef>
-        </p:style>
-      </p:cxnSp>
-      <p:cxnSp>
-        <p:nvCxnSpPr>
-          <p:cNvPr id="58" name="直線矢印コネクタ 57">
-            <a:extLst>
-              <a:ext uri="{FF2B5EF4-FFF2-40B4-BE49-F238E27FC236}">
-                <a16:creationId xmlns:a16="http://schemas.microsoft.com/office/drawing/2014/main" id="{0E2FDA4F-5ECD-4647-A4FD-1340915A4B08}"/>
-              </a:ext>
-            </a:extLst>
-          </p:cNvPr>
-          <p:cNvCxnSpPr>
-            <a:cxnSpLocks/>
-            <a:endCxn id="42" idx="0"/>
-          </p:cNvCxnSpPr>
-          <p:nvPr/>
-        </p:nvCxnSpPr>
-        <p:spPr>
-          <a:xfrm>
-            <a:off x="2002460" y="1569484"/>
-            <a:ext cx="0" cy="282320"/>
-          </a:xfrm>
-          <a:prstGeom prst="straightConnector1">
-            <a:avLst/>
-          </a:prstGeom>
-          <a:ln>
-            <a:solidFill>
-              <a:schemeClr val="tx1"/>
-            </a:solidFill>
-            <a:tailEnd type="triangle"/>
-          </a:ln>
-        </p:spPr>
-        <p:style>
-          <a:lnRef idx="1">
-            <a:schemeClr val="accent1"/>
-          </a:lnRef>
-          <a:fillRef idx="0">
-            <a:schemeClr val="accent1"/>
-          </a:fillRef>
-          <a:effectRef idx="0">
-            <a:schemeClr val="accent1"/>
-          </a:effectRef>
-          <a:fontRef idx="minor">
-            <a:schemeClr val="tx1"/>
-          </a:fontRef>
-        </p:style>
-      </p:cxnSp>
-      <p:cxnSp>
-        <p:nvCxnSpPr>
-          <p:cNvPr id="64" name="直線矢印コネクタ 63">
-            <a:extLst>
-              <a:ext uri="{FF2B5EF4-FFF2-40B4-BE49-F238E27FC236}">
-                <a16:creationId xmlns:a16="http://schemas.microsoft.com/office/drawing/2014/main" id="{8EC612D1-E9F9-48F7-9F16-A53DAB8078FB}"/>
-              </a:ext>
-            </a:extLst>
-          </p:cNvPr>
-          <p:cNvCxnSpPr>
-            <a:cxnSpLocks/>
-            <a:stCxn id="42" idx="2"/>
-            <a:endCxn id="43" idx="0"/>
-          </p:cNvCxnSpPr>
-          <p:nvPr/>
-        </p:nvCxnSpPr>
-        <p:spPr>
-          <a:xfrm>
-            <a:off x="2002460" y="2082549"/>
-            <a:ext cx="0" cy="226656"/>
-          </a:xfrm>
-          <a:prstGeom prst="straightConnector1">
-            <a:avLst/>
-          </a:prstGeom>
-          <a:ln>
-            <a:solidFill>
-              <a:schemeClr val="tx1"/>
-            </a:solidFill>
-            <a:tailEnd type="triangle"/>
-          </a:ln>
-        </p:spPr>
-        <p:style>
-          <a:lnRef idx="1">
-            <a:schemeClr val="accent1"/>
-          </a:lnRef>
-          <a:fillRef idx="0">
-            <a:schemeClr val="accent1"/>
-          </a:fillRef>
-          <a:effectRef idx="0">
-            <a:schemeClr val="accent1"/>
-          </a:effectRef>
-          <a:fontRef idx="minor">
-            <a:schemeClr val="tx1"/>
-          </a:fontRef>
-        </p:style>
-      </p:cxnSp>
-      <p:cxnSp>
-        <p:nvCxnSpPr>
-          <p:cNvPr id="68" name="直線矢印コネクタ 67">
-            <a:extLst>
-              <a:ext uri="{FF2B5EF4-FFF2-40B4-BE49-F238E27FC236}">
-                <a16:creationId xmlns:a16="http://schemas.microsoft.com/office/drawing/2014/main" id="{33043F29-4B1F-4DD9-A8D9-AC5DE4D01C75}"/>
-              </a:ext>
-            </a:extLst>
-          </p:cNvPr>
-          <p:cNvCxnSpPr>
-            <a:cxnSpLocks/>
-            <a:stCxn id="43" idx="2"/>
-            <a:endCxn id="44" idx="0"/>
-          </p:cNvCxnSpPr>
-          <p:nvPr/>
-        </p:nvCxnSpPr>
-        <p:spPr>
-          <a:xfrm>
-            <a:off x="2002460" y="2524632"/>
-            <a:ext cx="0" cy="223375"/>
-          </a:xfrm>
-          <a:prstGeom prst="straightConnector1">
-            <a:avLst/>
-          </a:prstGeom>
-          <a:ln>
-            <a:solidFill>
-              <a:schemeClr val="tx1"/>
-            </a:solidFill>
-            <a:tailEnd type="triangle"/>
-          </a:ln>
-        </p:spPr>
-        <p:style>
-          <a:lnRef idx="1">
-            <a:schemeClr val="accent1"/>
-          </a:lnRef>
-          <a:fillRef idx="0">
-            <a:schemeClr val="accent1"/>
-          </a:fillRef>
-          <a:effectRef idx="0">
-            <a:schemeClr val="accent1"/>
-          </a:effectRef>
-          <a:fontRef idx="minor">
-            <a:schemeClr val="tx1"/>
-          </a:fontRef>
-        </p:style>
-      </p:cxnSp>
-      <p:cxnSp>
-        <p:nvCxnSpPr>
-          <p:cNvPr id="72" name="直線矢印コネクタ 71">
-            <a:extLst>
-              <a:ext uri="{FF2B5EF4-FFF2-40B4-BE49-F238E27FC236}">
-                <a16:creationId xmlns:a16="http://schemas.microsoft.com/office/drawing/2014/main" id="{24B6A232-006E-465C-B0CC-576FF39059FC}"/>
-              </a:ext>
-            </a:extLst>
-          </p:cNvPr>
-          <p:cNvCxnSpPr>
-            <a:cxnSpLocks/>
-            <a:stCxn id="44" idx="2"/>
-            <a:endCxn id="45" idx="0"/>
-          </p:cNvCxnSpPr>
-          <p:nvPr/>
-        </p:nvCxnSpPr>
-        <p:spPr>
-          <a:xfrm>
-            <a:off x="2002460" y="2974664"/>
-            <a:ext cx="0" cy="215427"/>
-          </a:xfrm>
-          <a:prstGeom prst="straightConnector1">
-            <a:avLst/>
-          </a:prstGeom>
-          <a:ln>
-            <a:solidFill>
-              <a:schemeClr val="tx1"/>
-            </a:solidFill>
-            <a:tailEnd type="triangle"/>
-          </a:ln>
-        </p:spPr>
-        <p:style>
-          <a:lnRef idx="1">
-            <a:schemeClr val="accent1"/>
-          </a:lnRef>
-          <a:fillRef idx="0">
-            <a:schemeClr val="accent1"/>
-          </a:fillRef>
-          <a:effectRef idx="0">
-            <a:schemeClr val="accent1"/>
-          </a:effectRef>
-          <a:fontRef idx="minor">
-            <a:schemeClr val="tx1"/>
-          </a:fontRef>
-        </p:style>
-      </p:cxnSp>
-      <p:cxnSp>
-        <p:nvCxnSpPr>
-          <p:cNvPr id="75" name="直線矢印コネクタ 74">
-            <a:extLst>
-              <a:ext uri="{FF2B5EF4-FFF2-40B4-BE49-F238E27FC236}">
-                <a16:creationId xmlns:a16="http://schemas.microsoft.com/office/drawing/2014/main" id="{99DE92F6-FC33-4558-815A-69241FA6FD56}"/>
-              </a:ext>
-            </a:extLst>
-          </p:cNvPr>
-          <p:cNvCxnSpPr>
-            <a:cxnSpLocks/>
-            <a:stCxn id="45" idx="2"/>
-            <a:endCxn id="46" idx="0"/>
-          </p:cNvCxnSpPr>
-          <p:nvPr/>
-        </p:nvCxnSpPr>
-        <p:spPr>
-          <a:xfrm flipH="1">
-            <a:off x="2002459" y="3408799"/>
-            <a:ext cx="1" cy="223375"/>
-          </a:xfrm>
-          <a:prstGeom prst="straightConnector1">
-            <a:avLst/>
-          </a:prstGeom>
-          <a:ln>
-            <a:solidFill>
-              <a:schemeClr val="tx1"/>
-            </a:solidFill>
-            <a:tailEnd type="triangle"/>
-          </a:ln>
-        </p:spPr>
-        <p:style>
-          <a:lnRef idx="1">
-            <a:schemeClr val="accent1"/>
-          </a:lnRef>
-          <a:fillRef idx="0">
-            <a:schemeClr val="accent1"/>
-          </a:fillRef>
-          <a:effectRef idx="0">
-            <a:schemeClr val="accent1"/>
-          </a:effectRef>
-          <a:fontRef idx="minor">
-            <a:schemeClr val="tx1"/>
-          </a:fontRef>
-        </p:style>
-      </p:cxnSp>
-      <p:cxnSp>
-        <p:nvCxnSpPr>
-          <p:cNvPr id="78" name="直線矢印コネクタ 77">
-            <a:extLst>
-              <a:ext uri="{FF2B5EF4-FFF2-40B4-BE49-F238E27FC236}">
-                <a16:creationId xmlns:a16="http://schemas.microsoft.com/office/drawing/2014/main" id="{4615F232-28CA-4360-9125-042DEB35DC5A}"/>
-              </a:ext>
-            </a:extLst>
-          </p:cNvPr>
-          <p:cNvCxnSpPr>
-            <a:cxnSpLocks/>
-            <a:stCxn id="46" idx="2"/>
-            <a:endCxn id="48" idx="2"/>
-          </p:cNvCxnSpPr>
-          <p:nvPr/>
-        </p:nvCxnSpPr>
-        <p:spPr>
-          <a:xfrm flipH="1">
-            <a:off x="2000247" y="3883337"/>
-            <a:ext cx="2212" cy="254532"/>
-          </a:xfrm>
-          <a:prstGeom prst="straightConnector1">
-            <a:avLst/>
-          </a:prstGeom>
-          <a:ln>
-            <a:solidFill>
-              <a:schemeClr val="tx1"/>
-            </a:solidFill>
-            <a:tailEnd type="triangle"/>
-          </a:ln>
-        </p:spPr>
-        <p:style>
-          <a:lnRef idx="1">
-            <a:schemeClr val="accent1"/>
-          </a:lnRef>
-          <a:fillRef idx="0">
-            <a:schemeClr val="accent1"/>
-          </a:fillRef>
-          <a:effectRef idx="0">
-            <a:schemeClr val="accent1"/>
-          </a:effectRef>
-          <a:fontRef idx="minor">
-            <a:schemeClr val="tx1"/>
-          </a:fontRef>
-        </p:style>
-      </p:cxnSp>
-      <p:sp>
-        <p:nvSpPr>
-          <p:cNvPr id="81" name="テキスト ボックス 80">
-            <a:extLst>
-              <a:ext uri="{FF2B5EF4-FFF2-40B4-BE49-F238E27FC236}">
-                <a16:creationId xmlns:a16="http://schemas.microsoft.com/office/drawing/2014/main" id="{F99E44D3-5C5F-445C-B3BE-30F141A01C19}"/>
-              </a:ext>
-            </a:extLst>
-          </p:cNvPr>
-          <p:cNvSpPr txBox="1"/>
-          <p:nvPr/>
-        </p:nvSpPr>
-        <p:spPr>
-          <a:xfrm>
-            <a:off x="2008940" y="1569484"/>
-            <a:ext cx="1107996" cy="253916"/>
-          </a:xfrm>
-          <a:prstGeom prst="rect">
-            <a:avLst/>
-          </a:prstGeom>
-          <a:noFill/>
-        </p:spPr>
-        <p:txBody>
-          <a:bodyPr wrap="none" rtlCol="0">
-            <a:spAutoFit/>
-          </a:bodyPr>
-          <a:lstStyle/>
-          <a:p>
-            <a:r>
-              <a:rPr lang="en-US" altLang="ja-JP" sz="1050" dirty="0"/>
-              <a:t>30x30x32(1bit)</a:t>
-            </a:r>
-            <a:endParaRPr lang="ja-JP" altLang="en-US" sz="1050" dirty="0"/>
-          </a:p>
-        </p:txBody>
-      </p:sp>
-      <p:sp>
-        <p:nvSpPr>
-          <p:cNvPr id="84" name="テキスト ボックス 83">
-            <a:extLst>
-              <a:ext uri="{FF2B5EF4-FFF2-40B4-BE49-F238E27FC236}">
-                <a16:creationId xmlns:a16="http://schemas.microsoft.com/office/drawing/2014/main" id="{78D86AD4-2998-4507-BBC5-EEF502BAA95C}"/>
-              </a:ext>
-            </a:extLst>
-          </p:cNvPr>
-          <p:cNvSpPr txBox="1"/>
-          <p:nvPr/>
-        </p:nvSpPr>
-        <p:spPr>
-          <a:xfrm>
-            <a:off x="2017545" y="2082549"/>
-            <a:ext cx="1249060" cy="253916"/>
-          </a:xfrm>
-          <a:prstGeom prst="rect">
-            <a:avLst/>
-          </a:prstGeom>
-          <a:noFill/>
-        </p:spPr>
-        <p:txBody>
-          <a:bodyPr wrap="none" rtlCol="0">
-            <a:spAutoFit/>
-          </a:bodyPr>
-          <a:lstStyle/>
-          <a:p>
-            <a:r>
-              <a:rPr lang="en-US" altLang="ja-JP" sz="1050" dirty="0"/>
-              <a:t>3x3x32x784(1bit)</a:t>
-            </a:r>
-            <a:endParaRPr lang="ja-JP" altLang="en-US" sz="1050" dirty="0"/>
-          </a:p>
-        </p:txBody>
-      </p:sp>
-      <p:sp>
-        <p:nvSpPr>
-          <p:cNvPr id="85" name="テキスト ボックス 84">
-            <a:extLst>
-              <a:ext uri="{FF2B5EF4-FFF2-40B4-BE49-F238E27FC236}">
-                <a16:creationId xmlns:a16="http://schemas.microsoft.com/office/drawing/2014/main" id="{52E76FC5-5D96-4160-8089-B3C96F2D8E7E}"/>
-              </a:ext>
-            </a:extLst>
-          </p:cNvPr>
-          <p:cNvSpPr txBox="1"/>
-          <p:nvPr/>
-        </p:nvSpPr>
-        <p:spPr>
-          <a:xfrm>
-            <a:off x="2030398" y="2513376"/>
-            <a:ext cx="1334020" cy="253916"/>
-          </a:xfrm>
-          <a:prstGeom prst="rect">
-            <a:avLst/>
-          </a:prstGeom>
-          <a:noFill/>
-        </p:spPr>
-        <p:txBody>
-          <a:bodyPr wrap="none" rtlCol="0">
-            <a:spAutoFit/>
-          </a:bodyPr>
-          <a:lstStyle/>
-          <a:p>
-            <a:r>
-              <a:rPr lang="en-US" altLang="ja-JP" sz="1050" dirty="0"/>
-              <a:t>1x1x64x784(FP32)</a:t>
-            </a:r>
-            <a:endParaRPr lang="ja-JP" altLang="en-US" sz="1050" dirty="0"/>
-          </a:p>
-        </p:txBody>
-      </p:sp>
-      <p:sp>
-        <p:nvSpPr>
-          <p:cNvPr id="88" name="テキスト ボックス 87">
-            <a:extLst>
-              <a:ext uri="{FF2B5EF4-FFF2-40B4-BE49-F238E27FC236}">
-                <a16:creationId xmlns:a16="http://schemas.microsoft.com/office/drawing/2014/main" id="{170615EC-D938-4F06-BC3A-398045E10374}"/>
-              </a:ext>
-            </a:extLst>
-          </p:cNvPr>
-          <p:cNvSpPr txBox="1"/>
-          <p:nvPr/>
-        </p:nvSpPr>
-        <p:spPr>
-          <a:xfrm>
-            <a:off x="2000246" y="3914494"/>
-            <a:ext cx="1107996" cy="253916"/>
-          </a:xfrm>
-          <a:prstGeom prst="rect">
-            <a:avLst/>
-          </a:prstGeom>
-          <a:noFill/>
-        </p:spPr>
-        <p:txBody>
-          <a:bodyPr wrap="none" rtlCol="0">
-            <a:spAutoFit/>
-          </a:bodyPr>
-          <a:lstStyle/>
-          <a:p>
-            <a:r>
-              <a:rPr lang="en-US" altLang="ja-JP" sz="1050" dirty="0"/>
-              <a:t>28x28x64(1bit)</a:t>
-            </a:r>
-            <a:endParaRPr lang="ja-JP" altLang="en-US" sz="1050" dirty="0"/>
-          </a:p>
-        </p:txBody>
-      </p:sp>
-      <p:sp>
-        <p:nvSpPr>
-          <p:cNvPr id="92" name="テキスト ボックス 91">
-            <a:extLst>
-              <a:ext uri="{FF2B5EF4-FFF2-40B4-BE49-F238E27FC236}">
-                <a16:creationId xmlns:a16="http://schemas.microsoft.com/office/drawing/2014/main" id="{28E398E9-87F3-4FCB-9B4B-9B9DBF621731}"/>
-              </a:ext>
-            </a:extLst>
-          </p:cNvPr>
-          <p:cNvSpPr txBox="1"/>
-          <p:nvPr/>
-        </p:nvSpPr>
-        <p:spPr>
-          <a:xfrm>
-            <a:off x="2008940" y="2965902"/>
-            <a:ext cx="1334020" cy="253916"/>
-          </a:xfrm>
-          <a:prstGeom prst="rect">
-            <a:avLst/>
-          </a:prstGeom>
-          <a:noFill/>
-        </p:spPr>
-        <p:txBody>
-          <a:bodyPr wrap="none" rtlCol="0">
-            <a:spAutoFit/>
-          </a:bodyPr>
-          <a:lstStyle/>
-          <a:p>
-            <a:r>
-              <a:rPr lang="en-US" altLang="ja-JP" sz="1050" dirty="0"/>
-              <a:t>1x1x64x784(FP32)</a:t>
-            </a:r>
-            <a:endParaRPr lang="ja-JP" altLang="en-US" sz="1050" dirty="0"/>
-          </a:p>
-        </p:txBody>
-      </p:sp>
-      <p:sp>
-        <p:nvSpPr>
-          <p:cNvPr id="93" name="テキスト ボックス 92">
-            <a:extLst>
-              <a:ext uri="{FF2B5EF4-FFF2-40B4-BE49-F238E27FC236}">
-                <a16:creationId xmlns:a16="http://schemas.microsoft.com/office/drawing/2014/main" id="{DD18A3C1-F11C-421F-84A6-32BF6AAD5895}"/>
-              </a:ext>
-            </a:extLst>
-          </p:cNvPr>
-          <p:cNvSpPr txBox="1"/>
-          <p:nvPr/>
-        </p:nvSpPr>
-        <p:spPr>
-          <a:xfrm>
-            <a:off x="2000246" y="3408799"/>
-            <a:ext cx="1249060" cy="253916"/>
-          </a:xfrm>
-          <a:prstGeom prst="rect">
-            <a:avLst/>
-          </a:prstGeom>
-          <a:noFill/>
-        </p:spPr>
-        <p:txBody>
-          <a:bodyPr wrap="none" rtlCol="0">
-            <a:spAutoFit/>
-          </a:bodyPr>
-          <a:lstStyle/>
-          <a:p>
-            <a:r>
-              <a:rPr lang="en-US" altLang="ja-JP" sz="1050" dirty="0"/>
-              <a:t>1x1x64x784(1bit)</a:t>
-            </a:r>
-            <a:endParaRPr lang="ja-JP" altLang="en-US" sz="1050" dirty="0"/>
-          </a:p>
-        </p:txBody>
-      </p:sp>
-    </p:spTree>
-    <p:extLst>
-      <p:ext uri="{BB962C8B-B14F-4D97-AF65-F5344CB8AC3E}">
-        <p14:creationId xmlns:p14="http://schemas.microsoft.com/office/powerpoint/2010/main" val="3170841870"/>
-      </p:ext>
-    </p:extLst>
-  </p:cSld>
-  <p:clrMapOvr>
-    <a:masterClrMapping/>
-  </p:clrMapOvr>
-</p:sld>
-</file>
-
 <file path=ppt/theme/theme1.xml><?xml version="1.0" encoding="utf-8"?>
 <a:theme xmlns:a="http://schemas.openxmlformats.org/drawingml/2006/main" name="Office テーマ">
   <a:themeElements>
